--- a/random_forest.pptx
+++ b/random_forest.pptx
@@ -5,7 +5,7 @@
     <p:sldMasterId id="2147483690" r:id="rId1"/>
   </p:sldMasterIdLst>
   <p:notesMasterIdLst>
-    <p:notesMasterId r:id="rId9"/>
+    <p:notesMasterId r:id="rId11"/>
   </p:notesMasterIdLst>
   <p:sldIdLst>
     <p:sldId id="256" r:id="rId2"/>
@@ -13,8 +13,10 @@
     <p:sldId id="258" r:id="rId4"/>
     <p:sldId id="263" r:id="rId5"/>
     <p:sldId id="259" r:id="rId6"/>
-    <p:sldId id="260" r:id="rId7"/>
-    <p:sldId id="261" r:id="rId8"/>
+    <p:sldId id="261" r:id="rId7"/>
+    <p:sldId id="264" r:id="rId8"/>
+    <p:sldId id="265" r:id="rId9"/>
+    <p:sldId id="260" r:id="rId10"/>
   </p:sldIdLst>
   <p:sldSz cx="12192000" cy="6858000"/>
   <p:notesSz cx="6858000" cy="9144000"/>
@@ -6910,6 +6912,270 @@
   <p:clrMapOvr>
     <a:masterClrMapping/>
   </p:clrMapOvr>
+  <p:timing>
+    <p:tnLst>
+      <p:par>
+        <p:cTn id="1" dur="indefinite" restart="never" nodeType="tmRoot">
+          <p:childTnLst>
+            <p:seq concurrent="1" nextAc="seek">
+              <p:cTn id="2" dur="indefinite" nodeType="mainSeq">
+                <p:childTnLst>
+                  <p:par>
+                    <p:cTn id="3" fill="hold">
+                      <p:stCondLst>
+                        <p:cond delay="indefinite"/>
+                      </p:stCondLst>
+                      <p:childTnLst>
+                        <p:par>
+                          <p:cTn id="4" fill="hold">
+                            <p:stCondLst>
+                              <p:cond delay="0"/>
+                            </p:stCondLst>
+                            <p:childTnLst>
+                              <p:par>
+                                <p:cTn id="5" presetID="10" presetClass="entr" presetSubtype="0" fill="hold" nodeType="clickEffect">
+                                  <p:stCondLst>
+                                    <p:cond delay="0"/>
+                                  </p:stCondLst>
+                                  <p:childTnLst>
+                                    <p:set>
+                                      <p:cBhvr>
+                                        <p:cTn id="6" dur="1" fill="hold">
+                                          <p:stCondLst>
+                                            <p:cond delay="0"/>
+                                          </p:stCondLst>
+                                        </p:cTn>
+                                        <p:tgtEl>
+                                          <p:spTgt spid="5"/>
+                                        </p:tgtEl>
+                                        <p:attrNameLst>
+                                          <p:attrName>style.visibility</p:attrName>
+                                        </p:attrNameLst>
+                                      </p:cBhvr>
+                                      <p:to>
+                                        <p:strVal val="visible"/>
+                                      </p:to>
+                                    </p:set>
+                                    <p:animEffect transition="in" filter="fade">
+                                      <p:cBhvr>
+                                        <p:cTn id="7" dur="500"/>
+                                        <p:tgtEl>
+                                          <p:spTgt spid="5"/>
+                                        </p:tgtEl>
+                                      </p:cBhvr>
+                                    </p:animEffect>
+                                  </p:childTnLst>
+                                </p:cTn>
+                              </p:par>
+                              <p:par>
+                                <p:cTn id="8" presetID="10" presetClass="entr" presetSubtype="0" fill="hold" grpId="0" nodeType="withEffect">
+                                  <p:stCondLst>
+                                    <p:cond delay="0"/>
+                                  </p:stCondLst>
+                                  <p:childTnLst>
+                                    <p:set>
+                                      <p:cBhvr>
+                                        <p:cTn id="9" dur="1" fill="hold">
+                                          <p:stCondLst>
+                                            <p:cond delay="0"/>
+                                          </p:stCondLst>
+                                        </p:cTn>
+                                        <p:tgtEl>
+                                          <p:spTgt spid="8"/>
+                                        </p:tgtEl>
+                                        <p:attrNameLst>
+                                          <p:attrName>style.visibility</p:attrName>
+                                        </p:attrNameLst>
+                                      </p:cBhvr>
+                                      <p:to>
+                                        <p:strVal val="visible"/>
+                                      </p:to>
+                                    </p:set>
+                                    <p:animEffect transition="in" filter="fade">
+                                      <p:cBhvr>
+                                        <p:cTn id="10" dur="500"/>
+                                        <p:tgtEl>
+                                          <p:spTgt spid="8"/>
+                                        </p:tgtEl>
+                                      </p:cBhvr>
+                                    </p:animEffect>
+                                  </p:childTnLst>
+                                </p:cTn>
+                              </p:par>
+                            </p:childTnLst>
+                          </p:cTn>
+                        </p:par>
+                      </p:childTnLst>
+                    </p:cTn>
+                  </p:par>
+                  <p:par>
+                    <p:cTn id="11" fill="hold">
+                      <p:stCondLst>
+                        <p:cond delay="indefinite"/>
+                      </p:stCondLst>
+                      <p:childTnLst>
+                        <p:par>
+                          <p:cTn id="12" fill="hold">
+                            <p:stCondLst>
+                              <p:cond delay="0"/>
+                            </p:stCondLst>
+                            <p:childTnLst>
+                              <p:par>
+                                <p:cTn id="13" presetID="10" presetClass="entr" presetSubtype="0" fill="hold" nodeType="clickEffect">
+                                  <p:stCondLst>
+                                    <p:cond delay="0"/>
+                                  </p:stCondLst>
+                                  <p:childTnLst>
+                                    <p:set>
+                                      <p:cBhvr>
+                                        <p:cTn id="14" dur="1" fill="hold">
+                                          <p:stCondLst>
+                                            <p:cond delay="0"/>
+                                          </p:stCondLst>
+                                        </p:cTn>
+                                        <p:tgtEl>
+                                          <p:spTgt spid="6"/>
+                                        </p:tgtEl>
+                                        <p:attrNameLst>
+                                          <p:attrName>style.visibility</p:attrName>
+                                        </p:attrNameLst>
+                                      </p:cBhvr>
+                                      <p:to>
+                                        <p:strVal val="visible"/>
+                                      </p:to>
+                                    </p:set>
+                                    <p:animEffect transition="in" filter="fade">
+                                      <p:cBhvr>
+                                        <p:cTn id="15" dur="500"/>
+                                        <p:tgtEl>
+                                          <p:spTgt spid="6"/>
+                                        </p:tgtEl>
+                                      </p:cBhvr>
+                                    </p:animEffect>
+                                  </p:childTnLst>
+                                </p:cTn>
+                              </p:par>
+                              <p:par>
+                                <p:cTn id="16" presetID="10" presetClass="entr" presetSubtype="0" fill="hold" grpId="0" nodeType="withEffect">
+                                  <p:stCondLst>
+                                    <p:cond delay="0"/>
+                                  </p:stCondLst>
+                                  <p:childTnLst>
+                                    <p:set>
+                                      <p:cBhvr>
+                                        <p:cTn id="17" dur="1" fill="hold">
+                                          <p:stCondLst>
+                                            <p:cond delay="0"/>
+                                          </p:stCondLst>
+                                        </p:cTn>
+                                        <p:tgtEl>
+                                          <p:spTgt spid="9"/>
+                                        </p:tgtEl>
+                                        <p:attrNameLst>
+                                          <p:attrName>style.visibility</p:attrName>
+                                        </p:attrNameLst>
+                                      </p:cBhvr>
+                                      <p:to>
+                                        <p:strVal val="visible"/>
+                                      </p:to>
+                                    </p:set>
+                                    <p:animEffect transition="in" filter="fade">
+                                      <p:cBhvr>
+                                        <p:cTn id="18" dur="500"/>
+                                        <p:tgtEl>
+                                          <p:spTgt spid="9"/>
+                                        </p:tgtEl>
+                                      </p:cBhvr>
+                                    </p:animEffect>
+                                  </p:childTnLst>
+                                </p:cTn>
+                              </p:par>
+                            </p:childTnLst>
+                          </p:cTn>
+                        </p:par>
+                      </p:childTnLst>
+                    </p:cTn>
+                  </p:par>
+                  <p:par>
+                    <p:cTn id="19" fill="hold">
+                      <p:stCondLst>
+                        <p:cond delay="indefinite"/>
+                      </p:stCondLst>
+                      <p:childTnLst>
+                        <p:par>
+                          <p:cTn id="20" fill="hold">
+                            <p:stCondLst>
+                              <p:cond delay="0"/>
+                            </p:stCondLst>
+                            <p:childTnLst>
+                              <p:par>
+                                <p:cTn id="21" presetID="10" presetClass="entr" presetSubtype="0" fill="hold" grpId="0" nodeType="clickEffect">
+                                  <p:stCondLst>
+                                    <p:cond delay="0"/>
+                                  </p:stCondLst>
+                                  <p:childTnLst>
+                                    <p:set>
+                                      <p:cBhvr>
+                                        <p:cTn id="22" dur="1" fill="hold">
+                                          <p:stCondLst>
+                                            <p:cond delay="0"/>
+                                          </p:stCondLst>
+                                        </p:cTn>
+                                        <p:tgtEl>
+                                          <p:spTgt spid="12"/>
+                                        </p:tgtEl>
+                                        <p:attrNameLst>
+                                          <p:attrName>style.visibility</p:attrName>
+                                        </p:attrNameLst>
+                                      </p:cBhvr>
+                                      <p:to>
+                                        <p:strVal val="visible"/>
+                                      </p:to>
+                                    </p:set>
+                                    <p:animEffect transition="in" filter="fade">
+                                      <p:cBhvr>
+                                        <p:cTn id="23" dur="500"/>
+                                        <p:tgtEl>
+                                          <p:spTgt spid="12"/>
+                                        </p:tgtEl>
+                                      </p:cBhvr>
+                                    </p:animEffect>
+                                  </p:childTnLst>
+                                </p:cTn>
+                              </p:par>
+                            </p:childTnLst>
+                          </p:cTn>
+                        </p:par>
+                      </p:childTnLst>
+                    </p:cTn>
+                  </p:par>
+                </p:childTnLst>
+              </p:cTn>
+              <p:prevCondLst>
+                <p:cond evt="onPrev" delay="0">
+                  <p:tgtEl>
+                    <p:sldTgt/>
+                  </p:tgtEl>
+                </p:cond>
+              </p:prevCondLst>
+              <p:nextCondLst>
+                <p:cond evt="onNext" delay="0">
+                  <p:tgtEl>
+                    <p:sldTgt/>
+                  </p:tgtEl>
+                </p:cond>
+              </p:nextCondLst>
+            </p:seq>
+          </p:childTnLst>
+        </p:cTn>
+      </p:par>
+    </p:tnLst>
+    <p:bldLst>
+      <p:bldP spid="8" grpId="0"/>
+      <p:bldP spid="9" grpId="0"/>
+      <p:bldP spid="12" grpId="0"/>
+    </p:bldLst>
+  </p:timing>
 </p:sld>
 </file>
 
@@ -7288,7 +7554,11 @@
                                           </p:stCondLst>
                                         </p:cTn>
                                         <p:tgtEl>
-                                          <p:spTgt spid="5"/>
+                                          <p:spTgt spid="4">
+                                            <p:txEl>
+                                              <p:pRg st="2" end="2"/>
+                                            </p:txEl>
+                                          </p:spTgt>
                                         </p:tgtEl>
                                         <p:attrNameLst>
                                           <p:attrName>style.visibility</p:attrName>
@@ -7302,7 +7572,11 @@
                                       <p:cBhvr>
                                         <p:cTn id="7" dur="500"/>
                                         <p:tgtEl>
-                                          <p:spTgt spid="5"/>
+                                          <p:spTgt spid="4">
+                                            <p:txEl>
+                                              <p:pRg st="2" end="2"/>
+                                            </p:txEl>
+                                          </p:spTgt>
                                         </p:tgtEl>
                                       </p:cBhvr>
                                     </p:animEffect>
@@ -7341,7 +7615,7 @@
                                           </p:stCondLst>
                                         </p:cTn>
                                         <p:tgtEl>
-                                          <p:spTgt spid="7"/>
+                                          <p:spTgt spid="5"/>
                                         </p:tgtEl>
                                         <p:attrNameLst>
                                           <p:attrName>style.visibility</p:attrName>
@@ -7355,7 +7629,7 @@
                                       <p:cBhvr>
                                         <p:cTn id="12" dur="500"/>
                                         <p:tgtEl>
-                                          <p:spTgt spid="7"/>
+                                          <p:spTgt spid="5"/>
                                         </p:tgtEl>
                                       </p:cBhvr>
                                     </p:animEffect>
@@ -7394,7 +7668,7 @@
                                           </p:stCondLst>
                                         </p:cTn>
                                         <p:tgtEl>
-                                          <p:spTgt spid="13"/>
+                                          <p:spTgt spid="7"/>
                                         </p:tgtEl>
                                         <p:attrNameLst>
                                           <p:attrName>style.visibility</p:attrName>
@@ -7408,7 +7682,7 @@
                                       <p:cBhvr>
                                         <p:cTn id="17" dur="500"/>
                                         <p:tgtEl>
-                                          <p:spTgt spid="13"/>
+                                          <p:spTgt spid="7"/>
                                         </p:tgtEl>
                                       </p:cBhvr>
                                     </p:animEffect>
@@ -7447,6 +7721,59 @@
                                           </p:stCondLst>
                                         </p:cTn>
                                         <p:tgtEl>
+                                          <p:spTgt spid="13"/>
+                                        </p:tgtEl>
+                                        <p:attrNameLst>
+                                          <p:attrName>style.visibility</p:attrName>
+                                        </p:attrNameLst>
+                                      </p:cBhvr>
+                                      <p:to>
+                                        <p:strVal val="visible"/>
+                                      </p:to>
+                                    </p:set>
+                                    <p:animEffect transition="in" filter="fade">
+                                      <p:cBhvr>
+                                        <p:cTn id="22" dur="500"/>
+                                        <p:tgtEl>
+                                          <p:spTgt spid="13"/>
+                                        </p:tgtEl>
+                                      </p:cBhvr>
+                                    </p:animEffect>
+                                  </p:childTnLst>
+                                </p:cTn>
+                              </p:par>
+                            </p:childTnLst>
+                          </p:cTn>
+                        </p:par>
+                      </p:childTnLst>
+                    </p:cTn>
+                  </p:par>
+                  <p:par>
+                    <p:cTn id="23" fill="hold">
+                      <p:stCondLst>
+                        <p:cond delay="indefinite"/>
+                      </p:stCondLst>
+                      <p:childTnLst>
+                        <p:par>
+                          <p:cTn id="24" fill="hold">
+                            <p:stCondLst>
+                              <p:cond delay="0"/>
+                            </p:stCondLst>
+                            <p:childTnLst>
+                              <p:par>
+                                <p:cTn id="25" presetID="10" presetClass="entr" presetSubtype="0" fill="hold" nodeType="clickEffect">
+                                  <p:stCondLst>
+                                    <p:cond delay="0"/>
+                                  </p:stCondLst>
+                                  <p:childTnLst>
+                                    <p:set>
+                                      <p:cBhvr>
+                                        <p:cTn id="26" dur="1" fill="hold">
+                                          <p:stCondLst>
+                                            <p:cond delay="0"/>
+                                          </p:stCondLst>
+                                        </p:cTn>
+                                        <p:tgtEl>
                                           <p:spTgt spid="14"/>
                                         </p:tgtEl>
                                         <p:attrNameLst>
@@ -7459,7 +7786,7 @@
                                     </p:set>
                                     <p:animEffect transition="in" filter="fade">
                                       <p:cBhvr>
-                                        <p:cTn id="22" dur="500"/>
+                                        <p:cTn id="27" dur="500"/>
                                         <p:tgtEl>
                                           <p:spTgt spid="14"/>
                                         </p:tgtEl>
@@ -7559,15 +7886,124 @@
             <a:spLocks noGrp="1"/>
           </p:cNvSpPr>
           <p:nvPr>
-            <p:ph idx="1"/>
-          </p:nvPr>
-        </p:nvSpPr>
-        <p:spPr/>
-        <p:txBody>
-          <a:bodyPr/>
+            <p:ph sz="half" idx="1"/>
+          </p:nvPr>
+        </p:nvSpPr>
+        <p:spPr>
+          <a:xfrm>
+            <a:off x="706583" y="1732450"/>
+            <a:ext cx="4525502" cy="4058750"/>
+          </a:xfrm>
+        </p:spPr>
+        <p:txBody>
+          <a:bodyPr anchor="ctr"/>
           <a:lstStyle/>
           <a:p>
-            <a:endParaRPr lang="en-US" dirty="0"/>
+            <a:pPr marL="36900" indent="0" algn="ctr">
+              <a:buNone/>
+            </a:pPr>
+            <a:r>
+              <a:rPr lang="en-US" b="1" dirty="0"/>
+              <a:t>Decision Trees </a:t>
+            </a:r>
+          </a:p>
+          <a:p>
+            <a:pPr marL="494100" indent="-457200">
+              <a:buFont typeface="+mj-lt"/>
+              <a:buAutoNum type="arabicPeriod"/>
+            </a:pPr>
+            <a:r>
+              <a:rPr lang="en-US" dirty="0"/>
+              <a:t>Highly sensitive to training data</a:t>
+            </a:r>
+          </a:p>
+          <a:p>
+            <a:pPr marL="494100" indent="-457200">
+              <a:buFont typeface="+mj-lt"/>
+              <a:buAutoNum type="arabicPeriod"/>
+            </a:pPr>
+            <a:r>
+              <a:rPr lang="en-US" dirty="0"/>
+              <a:t>Prone to changing significantly with dataset variations</a:t>
+            </a:r>
+          </a:p>
+          <a:p>
+            <a:pPr marL="494100" indent="-457200">
+              <a:buFont typeface="+mj-lt"/>
+              <a:buAutoNum type="arabicPeriod"/>
+            </a:pPr>
+            <a:r>
+              <a:rPr lang="en-US" dirty="0"/>
+              <a:t>Difficulty in generalizing due to sensitivity</a:t>
+            </a:r>
+          </a:p>
+        </p:txBody>
+      </p:sp>
+      <p:sp>
+        <p:nvSpPr>
+          <p:cNvPr id="4" name="Content Placeholder 3">
+            <a:extLst>
+              <a:ext uri="{FF2B5EF4-FFF2-40B4-BE49-F238E27FC236}">
+                <a16:creationId xmlns:a16="http://schemas.microsoft.com/office/drawing/2014/main" id="{4FB998EA-363B-489B-87D7-D1E21291CCEB}"/>
+              </a:ext>
+            </a:extLst>
+          </p:cNvPr>
+          <p:cNvSpPr>
+            <a:spLocks noGrp="1"/>
+          </p:cNvSpPr>
+          <p:nvPr>
+            <p:ph sz="half" idx="2"/>
+          </p:nvPr>
+        </p:nvSpPr>
+        <p:spPr>
+          <a:xfrm>
+            <a:off x="6411673" y="1732449"/>
+            <a:ext cx="4525502" cy="4058751"/>
+          </a:xfrm>
+        </p:spPr>
+        <p:txBody>
+          <a:bodyPr anchor="ctr">
+            <a:normAutofit/>
+          </a:bodyPr>
+          <a:lstStyle/>
+          <a:p>
+            <a:pPr marL="36900" indent="0" algn="ctr">
+              <a:buNone/>
+            </a:pPr>
+            <a:r>
+              <a:rPr lang="en-US" b="1" dirty="0"/>
+              <a:t>Random Forest </a:t>
+            </a:r>
+          </a:p>
+          <a:p>
+            <a:pPr marL="494100" indent="-457200">
+              <a:buFont typeface="+mj-lt"/>
+              <a:buAutoNum type="arabicPeriod"/>
+            </a:pPr>
+            <a:r>
+              <a:rPr lang="en-US" dirty="0"/>
+              <a:t>Less sensitive to training data.</a:t>
+            </a:r>
+          </a:p>
+          <a:p>
+            <a:pPr marL="494100" indent="-457200">
+              <a:buFont typeface="+mj-lt"/>
+              <a:buAutoNum type="arabicPeriod"/>
+            </a:pPr>
+            <a:r>
+              <a:rPr lang="en-US" dirty="0"/>
+              <a:t>Utilizes bootstrapping for stability.</a:t>
+            </a:r>
+          </a:p>
+          <a:p>
+            <a:pPr marL="494100" indent="-457200">
+              <a:buFont typeface="+mj-lt"/>
+              <a:buAutoNum type="arabicPeriod"/>
+            </a:pPr>
+            <a:r>
+              <a:rPr lang="en-US" dirty="0"/>
+              <a:t>Enhanced generalization capability compared to decision trees.</a:t>
+            </a:r>
           </a:p>
         </p:txBody>
       </p:sp>
@@ -7581,6 +8017,283 @@
   <p:clrMapOvr>
     <a:masterClrMapping/>
   </p:clrMapOvr>
+  <p:timing>
+    <p:tnLst>
+      <p:par>
+        <p:cTn id="1" dur="indefinite" restart="never" nodeType="tmRoot">
+          <p:childTnLst>
+            <p:seq concurrent="1" nextAc="seek">
+              <p:cTn id="2" dur="indefinite" nodeType="mainSeq">
+                <p:childTnLst>
+                  <p:par>
+                    <p:cTn id="3" fill="hold">
+                      <p:stCondLst>
+                        <p:cond delay="indefinite"/>
+                      </p:stCondLst>
+                      <p:childTnLst>
+                        <p:par>
+                          <p:cTn id="4" fill="hold">
+                            <p:stCondLst>
+                              <p:cond delay="0"/>
+                            </p:stCondLst>
+                            <p:childTnLst>
+                              <p:par>
+                                <p:cTn id="5" presetID="10" presetClass="entr" presetSubtype="0" fill="hold" grpId="0" nodeType="clickEffect">
+                                  <p:stCondLst>
+                                    <p:cond delay="0"/>
+                                  </p:stCondLst>
+                                  <p:childTnLst>
+                                    <p:set>
+                                      <p:cBhvr>
+                                        <p:cTn id="6" dur="1" fill="hold">
+                                          <p:stCondLst>
+                                            <p:cond delay="0"/>
+                                          </p:stCondLst>
+                                        </p:cTn>
+                                        <p:tgtEl>
+                                          <p:spTgt spid="4">
+                                            <p:txEl>
+                                              <p:pRg st="0" end="0"/>
+                                            </p:txEl>
+                                          </p:spTgt>
+                                        </p:tgtEl>
+                                        <p:attrNameLst>
+                                          <p:attrName>style.visibility</p:attrName>
+                                        </p:attrNameLst>
+                                      </p:cBhvr>
+                                      <p:to>
+                                        <p:strVal val="visible"/>
+                                      </p:to>
+                                    </p:set>
+                                    <p:animEffect transition="in" filter="fade">
+                                      <p:cBhvr>
+                                        <p:cTn id="7" dur="500"/>
+                                        <p:tgtEl>
+                                          <p:spTgt spid="4">
+                                            <p:txEl>
+                                              <p:pRg st="0" end="0"/>
+                                            </p:txEl>
+                                          </p:spTgt>
+                                        </p:tgtEl>
+                                      </p:cBhvr>
+                                    </p:animEffect>
+                                  </p:childTnLst>
+                                </p:cTn>
+                              </p:par>
+                            </p:childTnLst>
+                          </p:cTn>
+                        </p:par>
+                      </p:childTnLst>
+                    </p:cTn>
+                  </p:par>
+                  <p:par>
+                    <p:cTn id="8" fill="hold">
+                      <p:stCondLst>
+                        <p:cond delay="indefinite"/>
+                      </p:stCondLst>
+                      <p:childTnLst>
+                        <p:par>
+                          <p:cTn id="9" fill="hold">
+                            <p:stCondLst>
+                              <p:cond delay="0"/>
+                            </p:stCondLst>
+                            <p:childTnLst>
+                              <p:par>
+                                <p:cTn id="10" presetID="10" presetClass="entr" presetSubtype="0" fill="hold" grpId="0" nodeType="clickEffect">
+                                  <p:stCondLst>
+                                    <p:cond delay="0"/>
+                                  </p:stCondLst>
+                                  <p:childTnLst>
+                                    <p:set>
+                                      <p:cBhvr>
+                                        <p:cTn id="11" dur="1" fill="hold">
+                                          <p:stCondLst>
+                                            <p:cond delay="0"/>
+                                          </p:stCondLst>
+                                        </p:cTn>
+                                        <p:tgtEl>
+                                          <p:spTgt spid="4">
+                                            <p:txEl>
+                                              <p:pRg st="1" end="1"/>
+                                            </p:txEl>
+                                          </p:spTgt>
+                                        </p:tgtEl>
+                                        <p:attrNameLst>
+                                          <p:attrName>style.visibility</p:attrName>
+                                        </p:attrNameLst>
+                                      </p:cBhvr>
+                                      <p:to>
+                                        <p:strVal val="visible"/>
+                                      </p:to>
+                                    </p:set>
+                                    <p:animEffect transition="in" filter="fade">
+                                      <p:cBhvr>
+                                        <p:cTn id="12" dur="500"/>
+                                        <p:tgtEl>
+                                          <p:spTgt spid="4">
+                                            <p:txEl>
+                                              <p:pRg st="1" end="1"/>
+                                            </p:txEl>
+                                          </p:spTgt>
+                                        </p:tgtEl>
+                                      </p:cBhvr>
+                                    </p:animEffect>
+                                  </p:childTnLst>
+                                </p:cTn>
+                              </p:par>
+                            </p:childTnLst>
+                          </p:cTn>
+                        </p:par>
+                      </p:childTnLst>
+                    </p:cTn>
+                  </p:par>
+                  <p:par>
+                    <p:cTn id="13" fill="hold">
+                      <p:stCondLst>
+                        <p:cond delay="indefinite"/>
+                      </p:stCondLst>
+                      <p:childTnLst>
+                        <p:par>
+                          <p:cTn id="14" fill="hold">
+                            <p:stCondLst>
+                              <p:cond delay="0"/>
+                            </p:stCondLst>
+                            <p:childTnLst>
+                              <p:par>
+                                <p:cTn id="15" presetID="10" presetClass="entr" presetSubtype="0" fill="hold" grpId="0" nodeType="clickEffect">
+                                  <p:stCondLst>
+                                    <p:cond delay="0"/>
+                                  </p:stCondLst>
+                                  <p:childTnLst>
+                                    <p:set>
+                                      <p:cBhvr>
+                                        <p:cTn id="16" dur="1" fill="hold">
+                                          <p:stCondLst>
+                                            <p:cond delay="0"/>
+                                          </p:stCondLst>
+                                        </p:cTn>
+                                        <p:tgtEl>
+                                          <p:spTgt spid="4">
+                                            <p:txEl>
+                                              <p:pRg st="2" end="2"/>
+                                            </p:txEl>
+                                          </p:spTgt>
+                                        </p:tgtEl>
+                                        <p:attrNameLst>
+                                          <p:attrName>style.visibility</p:attrName>
+                                        </p:attrNameLst>
+                                      </p:cBhvr>
+                                      <p:to>
+                                        <p:strVal val="visible"/>
+                                      </p:to>
+                                    </p:set>
+                                    <p:animEffect transition="in" filter="fade">
+                                      <p:cBhvr>
+                                        <p:cTn id="17" dur="500"/>
+                                        <p:tgtEl>
+                                          <p:spTgt spid="4">
+                                            <p:txEl>
+                                              <p:pRg st="2" end="2"/>
+                                            </p:txEl>
+                                          </p:spTgt>
+                                        </p:tgtEl>
+                                      </p:cBhvr>
+                                    </p:animEffect>
+                                  </p:childTnLst>
+                                </p:cTn>
+                              </p:par>
+                            </p:childTnLst>
+                          </p:cTn>
+                        </p:par>
+                      </p:childTnLst>
+                    </p:cTn>
+                  </p:par>
+                  <p:par>
+                    <p:cTn id="18" fill="hold">
+                      <p:stCondLst>
+                        <p:cond delay="indefinite"/>
+                      </p:stCondLst>
+                      <p:childTnLst>
+                        <p:par>
+                          <p:cTn id="19" fill="hold">
+                            <p:stCondLst>
+                              <p:cond delay="0"/>
+                            </p:stCondLst>
+                            <p:childTnLst>
+                              <p:par>
+                                <p:cTn id="20" presetID="10" presetClass="entr" presetSubtype="0" fill="hold" grpId="0" nodeType="clickEffect">
+                                  <p:stCondLst>
+                                    <p:cond delay="0"/>
+                                  </p:stCondLst>
+                                  <p:childTnLst>
+                                    <p:set>
+                                      <p:cBhvr>
+                                        <p:cTn id="21" dur="1" fill="hold">
+                                          <p:stCondLst>
+                                            <p:cond delay="0"/>
+                                          </p:stCondLst>
+                                        </p:cTn>
+                                        <p:tgtEl>
+                                          <p:spTgt spid="4">
+                                            <p:txEl>
+                                              <p:pRg st="3" end="3"/>
+                                            </p:txEl>
+                                          </p:spTgt>
+                                        </p:tgtEl>
+                                        <p:attrNameLst>
+                                          <p:attrName>style.visibility</p:attrName>
+                                        </p:attrNameLst>
+                                      </p:cBhvr>
+                                      <p:to>
+                                        <p:strVal val="visible"/>
+                                      </p:to>
+                                    </p:set>
+                                    <p:animEffect transition="in" filter="fade">
+                                      <p:cBhvr>
+                                        <p:cTn id="22" dur="500"/>
+                                        <p:tgtEl>
+                                          <p:spTgt spid="4">
+                                            <p:txEl>
+                                              <p:pRg st="3" end="3"/>
+                                            </p:txEl>
+                                          </p:spTgt>
+                                        </p:tgtEl>
+                                      </p:cBhvr>
+                                    </p:animEffect>
+                                  </p:childTnLst>
+                                </p:cTn>
+                              </p:par>
+                            </p:childTnLst>
+                          </p:cTn>
+                        </p:par>
+                      </p:childTnLst>
+                    </p:cTn>
+                  </p:par>
+                </p:childTnLst>
+              </p:cTn>
+              <p:prevCondLst>
+                <p:cond evt="onPrev" delay="0">
+                  <p:tgtEl>
+                    <p:sldTgt/>
+                  </p:tgtEl>
+                </p:cond>
+              </p:prevCondLst>
+              <p:nextCondLst>
+                <p:cond evt="onNext" delay="0">
+                  <p:tgtEl>
+                    <p:sldTgt/>
+                  </p:tgtEl>
+                </p:cond>
+              </p:nextCondLst>
+            </p:seq>
+          </p:childTnLst>
+        </p:cTn>
+      </p:par>
+    </p:tnLst>
+    <p:bldLst>
+      <p:bldP spid="4" grpId="0" build="p"/>
+    </p:bldLst>
+  </p:timing>
 </p:sld>
 </file>
 
@@ -7868,10 +8581,10 @@
       </p:grpSpPr>
       <p:sp>
         <p:nvSpPr>
-          <p:cNvPr id="5" name="Title 4">
+          <p:cNvPr id="2" name="Title 1">
             <a:extLst>
               <a:ext uri="{FF2B5EF4-FFF2-40B4-BE49-F238E27FC236}">
-                <a16:creationId xmlns:a16="http://schemas.microsoft.com/office/drawing/2014/main" id="{FBC0B814-C746-4422-ABF8-3BB0E4BA48F0}"/>
+                <a16:creationId xmlns:a16="http://schemas.microsoft.com/office/drawing/2014/main" id="{1D54D5E8-CFCC-4F8F-AD36-F9C69C7324ED}"/>
               </a:ext>
             </a:extLst>
           </p:cNvPr>
@@ -7889,31 +8602,411 @@
           <a:p>
             <a:r>
               <a:rPr lang="en-US" dirty="0"/>
-              <a:t>Summary</a:t>
-            </a:r>
-          </a:p>
-        </p:txBody>
-      </p:sp>
-      <p:sp>
-        <p:nvSpPr>
-          <p:cNvPr id="7" name="Rectangle 1">
+              <a:t>Data set</a:t>
+            </a:r>
+          </a:p>
+        </p:txBody>
+      </p:sp>
+      <p:sp>
+        <p:nvSpPr>
+          <p:cNvPr id="3" name="Content Placeholder 2">
             <a:extLst>
               <a:ext uri="{FF2B5EF4-FFF2-40B4-BE49-F238E27FC236}">
-                <a16:creationId xmlns:a16="http://schemas.microsoft.com/office/drawing/2014/main" id="{B3E4B217-C0AE-4D0F-99DB-20D3CA634889}"/>
+                <a16:creationId xmlns:a16="http://schemas.microsoft.com/office/drawing/2014/main" id="{5BE9BD52-1E31-4F5A-ADA2-59D49FCA29CC}"/>
               </a:ext>
             </a:extLst>
           </p:cNvPr>
           <p:cNvSpPr>
-            <a:spLocks noGrp="1" noChangeArrowheads="1"/>
+            <a:spLocks noGrp="1"/>
           </p:cNvSpPr>
           <p:nvPr>
             <p:ph idx="1"/>
           </p:nvPr>
         </p:nvSpPr>
-        <p:spPr bwMode="auto">
+        <p:spPr>
           <a:xfrm>
-            <a:off x="272502" y="1485984"/>
-            <a:ext cx="10995055" cy="4200465"/>
+            <a:off x="848481" y="1580051"/>
+            <a:ext cx="10353762" cy="4007290"/>
+          </a:xfrm>
+        </p:spPr>
+        <p:txBody>
+          <a:bodyPr>
+            <a:normAutofit fontScale="92500" lnSpcReduction="20000"/>
+          </a:bodyPr>
+          <a:lstStyle/>
+          <a:p>
+            <a:r>
+              <a:rPr lang="en-US" dirty="0"/>
+              <a:t>Car Evaluation Database was derived from a simple hierarchical decision model. The model evaluates cars according to the following concept structure:</a:t>
+            </a:r>
+            <a:br>
+              <a:rPr lang="en-US" dirty="0"/>
+            </a:br>
+            <a:endParaRPr lang="en-US" dirty="0"/>
+          </a:p>
+          <a:p>
+            <a:r>
+              <a:rPr lang="en-US" dirty="0">
+                <a:solidFill>
+                  <a:srgbClr val="FFC000"/>
+                </a:solidFill>
+              </a:rPr>
+              <a:t>Buying</a:t>
+            </a:r>
+            <a:r>
+              <a:rPr lang="en-US" dirty="0"/>
+              <a:t> </a:t>
+            </a:r>
+            <a:r>
+              <a:rPr lang="en-US" dirty="0">
+                <a:solidFill>
+                  <a:srgbClr val="FFC000"/>
+                </a:solidFill>
+              </a:rPr>
+              <a:t>:</a:t>
+            </a:r>
+            <a:r>
+              <a:rPr lang="en-US" dirty="0"/>
+              <a:t> buying price </a:t>
+            </a:r>
+            <a:r>
+              <a:rPr lang="en-US" dirty="0">
+                <a:solidFill>
+                  <a:schemeClr val="tx1"/>
+                </a:solidFill>
+              </a:rPr>
+              <a:t>(</a:t>
+            </a:r>
+            <a:r>
+              <a:rPr lang="en-US" b="0" i="0" dirty="0" err="1">
+                <a:solidFill>
+                  <a:schemeClr val="tx1"/>
+                </a:solidFill>
+                <a:effectLst/>
+              </a:rPr>
+              <a:t>vhigh</a:t>
+            </a:r>
+            <a:r>
+              <a:rPr lang="en-US" b="0" i="0" dirty="0">
+                <a:solidFill>
+                  <a:schemeClr val="tx1"/>
+                </a:solidFill>
+                <a:effectLst/>
+              </a:rPr>
+              <a:t>, high, med, low)</a:t>
+            </a:r>
+            <a:endParaRPr lang="en-US" dirty="0">
+              <a:solidFill>
+                <a:schemeClr val="tx1"/>
+              </a:solidFill>
+            </a:endParaRPr>
+          </a:p>
+          <a:p>
+            <a:r>
+              <a:rPr lang="en-US" dirty="0" err="1">
+                <a:solidFill>
+                  <a:srgbClr val="FFC000"/>
+                </a:solidFill>
+              </a:rPr>
+              <a:t>Maint</a:t>
+            </a:r>
+            <a:r>
+              <a:rPr lang="en-US" dirty="0">
+                <a:solidFill>
+                  <a:srgbClr val="FFC000"/>
+                </a:solidFill>
+              </a:rPr>
+              <a:t> : </a:t>
+            </a:r>
+            <a:r>
+              <a:rPr lang="en-US" dirty="0"/>
+              <a:t>price of the maintenance </a:t>
+            </a:r>
+            <a:r>
+              <a:rPr lang="en-US" dirty="0">
+                <a:solidFill>
+                  <a:schemeClr val="tx1"/>
+                </a:solidFill>
+              </a:rPr>
+              <a:t>(</a:t>
+            </a:r>
+            <a:r>
+              <a:rPr lang="en-US" b="0" i="0" dirty="0" err="1">
+                <a:solidFill>
+                  <a:schemeClr val="tx1"/>
+                </a:solidFill>
+                <a:effectLst/>
+              </a:rPr>
+              <a:t>vhigh</a:t>
+            </a:r>
+            <a:r>
+              <a:rPr lang="en-US" b="0" i="0" dirty="0">
+                <a:solidFill>
+                  <a:schemeClr val="tx1"/>
+                </a:solidFill>
+                <a:effectLst/>
+              </a:rPr>
+              <a:t>, high, med, low)</a:t>
+            </a:r>
+            <a:endParaRPr lang="en-US" dirty="0"/>
+          </a:p>
+          <a:p>
+            <a:r>
+              <a:rPr lang="en-US" dirty="0">
+                <a:solidFill>
+                  <a:srgbClr val="FFC000"/>
+                </a:solidFill>
+              </a:rPr>
+              <a:t>Doors : </a:t>
+            </a:r>
+            <a:r>
+              <a:rPr lang="en-US" dirty="0"/>
+              <a:t>number of doors </a:t>
+            </a:r>
+            <a:r>
+              <a:rPr lang="en-US" dirty="0">
+                <a:solidFill>
+                  <a:schemeClr val="tx1"/>
+                </a:solidFill>
+              </a:rPr>
+              <a:t>(</a:t>
+            </a:r>
+            <a:r>
+              <a:rPr lang="en-US" b="0" i="0" dirty="0">
+                <a:solidFill>
+                  <a:schemeClr val="tx1"/>
+                </a:solidFill>
+                <a:effectLst/>
+              </a:rPr>
+              <a:t>2, 3, 4, 5, more)</a:t>
+            </a:r>
+            <a:endParaRPr lang="en-US" dirty="0">
+              <a:solidFill>
+                <a:schemeClr val="tx1"/>
+              </a:solidFill>
+            </a:endParaRPr>
+          </a:p>
+          <a:p>
+            <a:r>
+              <a:rPr lang="en-US" dirty="0">
+                <a:solidFill>
+                  <a:srgbClr val="FFC000"/>
+                </a:solidFill>
+                <a:effectLst/>
+              </a:rPr>
+              <a:t>P</a:t>
+            </a:r>
+            <a:r>
+              <a:rPr lang="en-US" b="0" dirty="0">
+                <a:solidFill>
+                  <a:srgbClr val="FFC000"/>
+                </a:solidFill>
+                <a:effectLst/>
+              </a:rPr>
+              <a:t>ersons : </a:t>
+            </a:r>
+            <a:r>
+              <a:rPr lang="en-US" dirty="0"/>
+              <a:t>capacity in terms of persons to carry </a:t>
+            </a:r>
+            <a:r>
+              <a:rPr lang="en-US" dirty="0">
+                <a:solidFill>
+                  <a:schemeClr val="tx1"/>
+                </a:solidFill>
+              </a:rPr>
+              <a:t>(</a:t>
+            </a:r>
+            <a:r>
+              <a:rPr lang="en-US" b="0" i="0" dirty="0">
+                <a:solidFill>
+                  <a:schemeClr val="tx1"/>
+                </a:solidFill>
+                <a:effectLst/>
+              </a:rPr>
+              <a:t>2, 4, more)</a:t>
+            </a:r>
+            <a:endParaRPr lang="en-US" b="0" dirty="0">
+              <a:solidFill>
+                <a:srgbClr val="FFC000"/>
+              </a:solidFill>
+              <a:effectLst/>
+            </a:endParaRPr>
+          </a:p>
+          <a:p>
+            <a:r>
+              <a:rPr lang="en-US" dirty="0" err="1">
+                <a:solidFill>
+                  <a:srgbClr val="FFC000"/>
+                </a:solidFill>
+              </a:rPr>
+              <a:t>Lug_boot</a:t>
+            </a:r>
+            <a:r>
+              <a:rPr lang="en-US" dirty="0">
+                <a:solidFill>
+                  <a:srgbClr val="FFC000"/>
+                </a:solidFill>
+                <a:effectLst/>
+              </a:rPr>
+              <a:t>: </a:t>
+            </a:r>
+            <a:r>
+              <a:rPr lang="en-US" dirty="0"/>
+              <a:t>the size of luggage boot (</a:t>
+            </a:r>
+            <a:r>
+              <a:rPr lang="en-US" b="0" i="0" dirty="0">
+                <a:solidFill>
+                  <a:schemeClr val="tx1"/>
+                </a:solidFill>
+                <a:effectLst/>
+              </a:rPr>
+              <a:t>small, med, big)</a:t>
+            </a:r>
+            <a:endParaRPr lang="en-US" dirty="0">
+              <a:solidFill>
+                <a:schemeClr val="tx1"/>
+              </a:solidFill>
+            </a:endParaRPr>
+          </a:p>
+          <a:p>
+            <a:r>
+              <a:rPr lang="en-US" b="0" dirty="0">
+                <a:solidFill>
+                  <a:srgbClr val="FFC000"/>
+                </a:solidFill>
+                <a:effectLst/>
+              </a:rPr>
+              <a:t>Safety</a:t>
+            </a:r>
+            <a:r>
+              <a:rPr lang="en-US" b="0" dirty="0">
+                <a:solidFill>
+                  <a:srgbClr val="CE9178"/>
+                </a:solidFill>
+                <a:effectLst/>
+              </a:rPr>
+              <a:t> </a:t>
+            </a:r>
+            <a:r>
+              <a:rPr lang="en-US" dirty="0"/>
+              <a:t>estimated safety of the car </a:t>
+            </a:r>
+            <a:r>
+              <a:rPr lang="en-US" dirty="0">
+                <a:solidFill>
+                  <a:schemeClr val="tx1"/>
+                </a:solidFill>
+              </a:rPr>
+              <a:t>(</a:t>
+            </a:r>
+            <a:r>
+              <a:rPr lang="en-US" b="0" i="0" dirty="0">
+                <a:solidFill>
+                  <a:schemeClr val="tx1"/>
+                </a:solidFill>
+                <a:effectLst/>
+              </a:rPr>
+              <a:t>low, med, high)</a:t>
+            </a:r>
+            <a:endParaRPr lang="en-US" dirty="0">
+              <a:solidFill>
+                <a:schemeClr val="tx1"/>
+              </a:solidFill>
+            </a:endParaRPr>
+          </a:p>
+          <a:p>
+            <a:pPr marL="36900" indent="0">
+              <a:buNone/>
+            </a:pPr>
+            <a:endParaRPr lang="en-US" b="0" dirty="0">
+              <a:solidFill>
+                <a:srgbClr val="CCCCCC"/>
+              </a:solidFill>
+              <a:effectLst/>
+            </a:endParaRPr>
+          </a:p>
+          <a:p>
+            <a:pPr algn="l" fontAlgn="base"/>
+            <a:r>
+              <a:rPr lang="en-US" b="0" i="0" dirty="0">
+                <a:solidFill>
+                  <a:srgbClr val="FFC000"/>
+                </a:solidFill>
+                <a:effectLst/>
+              </a:rPr>
+              <a:t>Class Values</a:t>
+            </a:r>
+            <a:r>
+              <a:rPr lang="en-US" b="0" i="0" dirty="0">
+                <a:solidFill>
+                  <a:srgbClr val="3C4043"/>
+                </a:solidFill>
+                <a:effectLst/>
+              </a:rPr>
+              <a:t>: </a:t>
+            </a:r>
+            <a:r>
+              <a:rPr lang="en-US" b="0" i="0" dirty="0" err="1">
+                <a:solidFill>
+                  <a:schemeClr val="tx1"/>
+                </a:solidFill>
+                <a:effectLst/>
+              </a:rPr>
+              <a:t>unacc</a:t>
+            </a:r>
+            <a:r>
+              <a:rPr lang="en-US" b="0" i="0" dirty="0">
+                <a:solidFill>
+                  <a:schemeClr val="tx1"/>
+                </a:solidFill>
+                <a:effectLst/>
+              </a:rPr>
+              <a:t>, acc, good, </a:t>
+            </a:r>
+            <a:r>
+              <a:rPr lang="en-US" b="0" i="0" dirty="0" err="1">
+                <a:solidFill>
+                  <a:schemeClr val="tx1"/>
+                </a:solidFill>
+                <a:effectLst/>
+              </a:rPr>
+              <a:t>vgood</a:t>
+            </a:r>
+            <a:endParaRPr lang="en-US" b="0" i="0" dirty="0">
+              <a:solidFill>
+                <a:schemeClr val="tx1"/>
+              </a:solidFill>
+              <a:effectLst/>
+            </a:endParaRPr>
+          </a:p>
+          <a:p>
+            <a:endParaRPr lang="en-US" b="0" dirty="0">
+              <a:solidFill>
+                <a:srgbClr val="CCCCCC"/>
+              </a:solidFill>
+              <a:effectLst/>
+            </a:endParaRPr>
+          </a:p>
+        </p:txBody>
+      </p:sp>
+      <p:sp>
+        <p:nvSpPr>
+          <p:cNvPr id="4" name="Rectangle 3">
+            <a:extLst>
+              <a:ext uri="{FF2B5EF4-FFF2-40B4-BE49-F238E27FC236}">
+                <a16:creationId xmlns:a16="http://schemas.microsoft.com/office/drawing/2014/main" id="{3D306C8A-B228-4C66-8EDA-1DD90E4D93A8}"/>
+              </a:ext>
+            </a:extLst>
+          </p:cNvPr>
+          <p:cNvSpPr/>
+          <p:nvPr/>
+        </p:nvSpPr>
+        <p:spPr>
+          <a:xfrm>
+            <a:off x="8734302" y="6248400"/>
+            <a:ext cx="3313215" cy="506680"/>
           </a:xfrm>
           <a:prstGeom prst="rect">
             <a:avLst/>
@@ -7922,480 +9015,102 @@
           <a:ln>
             <a:noFill/>
           </a:ln>
-          <a:effectLst/>
-          <a:extLst>
-            <a:ext uri="{909E8E84-426E-40DD-AFC4-6F175D3DCCD1}">
-              <a14:hiddenFill xmlns:a14="http://schemas.microsoft.com/office/drawing/2010/main">
-                <a:solidFill>
-                  <a:schemeClr val="accent1"/>
-                </a:solidFill>
-              </a14:hiddenFill>
-            </a:ext>
-            <a:ext uri="{91240B29-F687-4F45-9708-019B960494DF}">
-              <a14:hiddenLine xmlns:a14="http://schemas.microsoft.com/office/drawing/2010/main" w="9525">
-                <a:solidFill>
-                  <a:schemeClr val="tx1"/>
-                </a:solidFill>
-                <a:miter lim="800000"/>
-                <a:headEnd/>
-                <a:tailEnd/>
-              </a14:hiddenLine>
-            </a:ext>
-            <a:ext uri="{AF507438-7753-43E0-B8FC-AC1667EBCBE1}">
-              <a14:hiddenEffects xmlns:a14="http://schemas.microsoft.com/office/drawing/2010/main">
-                <a:effectLst>
-                  <a:outerShdw dist="35921" dir="2700000" algn="ctr" rotWithShape="0">
-                    <a:schemeClr val="bg2"/>
-                  </a:outerShdw>
-                </a:effectLst>
-              </a14:hiddenEffects>
-            </a:ext>
-          </a:extLst>
         </p:spPr>
-        <p:txBody>
-          <a:bodyPr vert="horz" wrap="square" lIns="91440" tIns="68241" rIns="91440" bIns="68241" numCol="1" anchor="ctr" anchorCtr="0" compatLnSpc="1">
-            <a:prstTxWarp prst="textNoShape">
-              <a:avLst/>
-            </a:prstTxWarp>
-            <a:spAutoFit/>
-          </a:bodyPr>
+        <p:style>
+          <a:lnRef idx="2">
+            <a:schemeClr val="accent1">
+              <a:shade val="50000"/>
+            </a:schemeClr>
+          </a:lnRef>
+          <a:fillRef idx="1">
+            <a:schemeClr val="accent1"/>
+          </a:fillRef>
+          <a:effectRef idx="0">
+            <a:schemeClr val="accent1"/>
+          </a:effectRef>
+          <a:fontRef idx="minor">
+            <a:schemeClr val="lt1"/>
+          </a:fontRef>
+        </p:style>
+        <p:txBody>
+          <a:bodyPr rtlCol="0" anchor="ctr"/>
           <a:lstStyle/>
           <a:p>
-            <a:pPr marL="0" marR="0" lvl="0" indent="0" defTabSz="914400" rtl="0" eaLnBrk="0" fontAlgn="base" latinLnBrk="0" hangingPunct="0">
-              <a:lnSpc>
-                <a:spcPct val="100000"/>
-              </a:lnSpc>
-              <a:spcBef>
-                <a:spcPct val="0"/>
-              </a:spcBef>
-              <a:spcAft>
-                <a:spcPct val="0"/>
-              </a:spcAft>
-              <a:buClrTx/>
-              <a:buSzTx/>
-              <a:buFontTx/>
-              <a:buNone/>
-              <a:tabLst/>
-            </a:pPr>
-            <a:endParaRPr kumimoji="0" lang="en-US" altLang="en-US" sz="3600" b="0" i="0" u="none" strike="noStrike" cap="none" normalizeH="0" baseline="0" dirty="0">
-              <a:ln>
-                <a:noFill/>
-              </a:ln>
-              <a:solidFill>
-                <a:schemeClr val="tx1">
-                  <a:lumMod val="85000"/>
-                </a:schemeClr>
-              </a:solidFill>
-              <a:effectLst/>
-              <a:latin typeface="Arial" panose="020B0604020202020204" pitchFamily="34" charset="0"/>
-            </a:endParaRPr>
-          </a:p>
-          <a:p>
-            <a:pPr marL="0" marR="0" lvl="0" indent="0" defTabSz="914400" rtl="0" eaLnBrk="0" fontAlgn="base" latinLnBrk="0" hangingPunct="0">
-              <a:lnSpc>
-                <a:spcPct val="100000"/>
-              </a:lnSpc>
-              <a:spcBef>
-                <a:spcPct val="0"/>
-              </a:spcBef>
-              <a:spcAft>
-                <a:spcPct val="0"/>
-              </a:spcAft>
-              <a:buClrTx/>
-              <a:buSzTx/>
-              <a:buFontTx/>
-              <a:buAutoNum type="arabicPeriod"/>
-              <a:tabLst/>
-            </a:pPr>
-            <a:r>
-              <a:rPr kumimoji="0" lang="en-US" altLang="en-US" sz="1600" b="0" i="0" u="none" strike="noStrike" cap="none" normalizeH="0" baseline="0" dirty="0">
-                <a:ln>
-                  <a:noFill/>
-                </a:ln>
-                <a:solidFill>
-                  <a:schemeClr val="tx1">
-                    <a:lumMod val="85000"/>
-                  </a:schemeClr>
+            <a:pPr algn="ctr"/>
+            <a:r>
+              <a:rPr lang="en-US" sz="1100" b="0" i="0" dirty="0">
+                <a:solidFill>
+                  <a:srgbClr val="FFC000"/>
                 </a:solidFill>
                 <a:effectLst/>
                 <a:latin typeface="Inter"/>
               </a:rPr>
-              <a:t> In this project, I build a Random Forest Classifier to predict the safety of the car. I build two models, one with 10 decision-trees and another one with 100 decision-trees.</a:t>
-            </a:r>
-          </a:p>
-          <a:p>
-            <a:pPr marL="0" marR="0" lvl="0" indent="0" defTabSz="914400" rtl="0" eaLnBrk="0" fontAlgn="base" latinLnBrk="0" hangingPunct="0">
-              <a:lnSpc>
-                <a:spcPct val="100000"/>
-              </a:lnSpc>
-              <a:spcBef>
-                <a:spcPct val="0"/>
-              </a:spcBef>
-              <a:spcAft>
-                <a:spcPct val="0"/>
-              </a:spcAft>
-              <a:buClrTx/>
-              <a:buSzTx/>
-              <a:buFontTx/>
-              <a:buAutoNum type="arabicPeriod" startAt="2"/>
-              <a:tabLst/>
-            </a:pPr>
-            <a:r>
-              <a:rPr kumimoji="0" lang="en-US" altLang="en-US" sz="1600" b="0" i="0" u="none" strike="noStrike" cap="none" normalizeH="0" baseline="0" dirty="0">
-                <a:ln>
-                  <a:noFill/>
-                </a:ln>
-                <a:solidFill>
-                  <a:schemeClr val="tx1">
-                    <a:lumMod val="85000"/>
-                  </a:schemeClr>
+              <a:t>DEX, M. </a:t>
+            </a:r>
+            <a:r>
+              <a:rPr lang="en-US" sz="1100" b="0" i="0" dirty="0" err="1">
+                <a:solidFill>
+                  <a:srgbClr val="FFC000"/>
                 </a:solidFill>
                 <a:effectLst/>
                 <a:latin typeface="Inter"/>
               </a:rPr>
-              <a:t>  he model accuracy score with 10 decision-trees is 0.9247 but the same with 100 decision-trees is 0.9457. So, as expected accuracy increases with number of decision-trees in the model.</a:t>
-            </a:r>
-          </a:p>
-          <a:p>
-            <a:pPr marL="0" marR="0" lvl="0" indent="0" defTabSz="914400" rtl="0" eaLnBrk="0" fontAlgn="base" latinLnBrk="0" hangingPunct="0">
-              <a:lnSpc>
-                <a:spcPct val="100000"/>
-              </a:lnSpc>
-              <a:spcBef>
-                <a:spcPct val="0"/>
-              </a:spcBef>
-              <a:spcAft>
-                <a:spcPct val="0"/>
-              </a:spcAft>
-              <a:buClrTx/>
-              <a:buSzTx/>
-              <a:buFontTx/>
-              <a:buAutoNum type="arabicPeriod" startAt="3"/>
-              <a:tabLst/>
-            </a:pPr>
-            <a:r>
-              <a:rPr kumimoji="0" lang="en-US" altLang="en-US" sz="1600" b="0" i="0" u="none" strike="noStrike" cap="none" normalizeH="0" baseline="0" dirty="0">
-                <a:ln>
-                  <a:noFill/>
-                </a:ln>
-                <a:solidFill>
-                  <a:schemeClr val="tx1">
-                    <a:lumMod val="85000"/>
-                  </a:schemeClr>
+              <a:t>Bohanec</a:t>
+            </a:r>
+            <a:r>
+              <a:rPr lang="en-US" sz="1100" b="0" i="0" dirty="0">
+                <a:solidFill>
+                  <a:srgbClr val="FFC000"/>
                 </a:solidFill>
                 <a:effectLst/>
                 <a:latin typeface="Inter"/>
               </a:rPr>
-              <a:t> I have used the Random Forest model to find only the important features, build the model using these features and see its effect on accuracy. The most important feature is </a:t>
-            </a:r>
-            <a:r>
-              <a:rPr kumimoji="0" lang="en-US" altLang="en-US" sz="1600" b="0" i="0" u="none" strike="noStrike" cap="none" normalizeH="0" baseline="0" dirty="0">
-                <a:ln>
-                  <a:noFill/>
-                </a:ln>
-                <a:solidFill>
-                  <a:schemeClr val="tx1">
-                    <a:lumMod val="85000"/>
-                  </a:schemeClr>
-                </a:solidFill>
-                <a:effectLst/>
-                <a:latin typeface="Roboto Mono"/>
-              </a:rPr>
-              <a:t>safety</a:t>
-            </a:r>
-            <a:r>
-              <a:rPr kumimoji="0" lang="en-US" altLang="en-US" sz="1600" b="0" i="0" u="none" strike="noStrike" cap="none" normalizeH="0" baseline="0" dirty="0">
-                <a:ln>
-                  <a:noFill/>
-                </a:ln>
-                <a:solidFill>
-                  <a:schemeClr val="tx1">
-                    <a:lumMod val="85000"/>
-                  </a:schemeClr>
+              <a:t>, V. </a:t>
+            </a:r>
+            <a:r>
+              <a:rPr lang="en-US" sz="1100" b="0" i="0" dirty="0" err="1">
+                <a:solidFill>
+                  <a:srgbClr val="FFC000"/>
                 </a:solidFill>
                 <a:effectLst/>
                 <a:latin typeface="Inter"/>
               </a:rPr>
-              <a:t> and least important feature is </a:t>
-            </a:r>
-            <a:r>
-              <a:rPr kumimoji="0" lang="en-US" altLang="en-US" sz="1600" b="0" i="0" u="none" strike="noStrike" cap="none" normalizeH="0" baseline="0" dirty="0">
-                <a:ln>
-                  <a:noFill/>
-                </a:ln>
-                <a:solidFill>
-                  <a:schemeClr val="tx1">
-                    <a:lumMod val="85000"/>
-                  </a:schemeClr>
-                </a:solidFill>
-                <a:effectLst/>
-                <a:latin typeface="Roboto Mono"/>
-              </a:rPr>
-              <a:t>doors</a:t>
-            </a:r>
-            <a:r>
-              <a:rPr kumimoji="0" lang="en-US" altLang="en-US" sz="1600" b="0" i="0" u="none" strike="noStrike" cap="none" normalizeH="0" baseline="0" dirty="0">
-                <a:ln>
-                  <a:noFill/>
-                </a:ln>
-                <a:solidFill>
-                  <a:schemeClr val="tx1">
-                    <a:lumMod val="85000"/>
-                  </a:schemeClr>
+              <a:t>Rajkovic</a:t>
+            </a:r>
+            <a:r>
+              <a:rPr lang="en-US" sz="1100" b="0" i="0" dirty="0">
+                <a:solidFill>
+                  <a:srgbClr val="FFC000"/>
                 </a:solidFill>
                 <a:effectLst/>
                 <a:latin typeface="Inter"/>
               </a:rPr>
-              <a:t>.</a:t>
-            </a:r>
-          </a:p>
-          <a:p>
-            <a:pPr marL="0" marR="0" lvl="0" indent="0" defTabSz="914400" rtl="0" eaLnBrk="0" fontAlgn="base" latinLnBrk="0" hangingPunct="0">
-              <a:lnSpc>
-                <a:spcPct val="100000"/>
-              </a:lnSpc>
-              <a:spcBef>
-                <a:spcPct val="0"/>
-              </a:spcBef>
-              <a:spcAft>
-                <a:spcPct val="0"/>
-              </a:spcAft>
-              <a:buClrTx/>
-              <a:buSzTx/>
-              <a:buFontTx/>
-              <a:buAutoNum type="arabicPeriod" startAt="4"/>
-              <a:tabLst/>
-            </a:pPr>
-            <a:r>
-              <a:rPr kumimoji="0" lang="en-US" altLang="en-US" sz="1600" b="0" i="0" u="none" strike="noStrike" cap="none" normalizeH="0" baseline="0" dirty="0">
-                <a:ln>
-                  <a:noFill/>
-                </a:ln>
-                <a:solidFill>
-                  <a:schemeClr val="tx1">
-                    <a:lumMod val="85000"/>
-                  </a:schemeClr>
+              <a:t>: Expert system for decision making. </a:t>
+            </a:r>
+            <a:r>
+              <a:rPr lang="en-US" sz="1100" b="0" i="0" dirty="0" err="1">
+                <a:solidFill>
+                  <a:srgbClr val="FFC000"/>
                 </a:solidFill>
                 <a:effectLst/>
                 <a:latin typeface="Inter"/>
               </a:rPr>
-              <a:t> I have removed the </a:t>
-            </a:r>
-            <a:r>
-              <a:rPr kumimoji="0" lang="en-US" altLang="en-US" sz="1600" b="0" i="0" u="none" strike="noStrike" cap="none" normalizeH="0" baseline="0" dirty="0">
-                <a:ln>
-                  <a:noFill/>
-                </a:ln>
-                <a:solidFill>
-                  <a:schemeClr val="tx1">
-                    <a:lumMod val="85000"/>
-                  </a:schemeClr>
-                </a:solidFill>
-                <a:effectLst/>
-                <a:latin typeface="Roboto Mono"/>
-              </a:rPr>
-              <a:t>doors</a:t>
-            </a:r>
-            <a:r>
-              <a:rPr kumimoji="0" lang="en-US" altLang="en-US" sz="1600" b="0" i="0" u="none" strike="noStrike" cap="none" normalizeH="0" baseline="0" dirty="0">
-                <a:ln>
-                  <a:noFill/>
-                </a:ln>
-                <a:solidFill>
-                  <a:schemeClr val="tx1">
-                    <a:lumMod val="85000"/>
-                  </a:schemeClr>
+              <a:t>Sistemica</a:t>
+            </a:r>
+            <a:r>
+              <a:rPr lang="en-US" sz="1100" b="0" i="0" dirty="0">
+                <a:solidFill>
+                  <a:srgbClr val="FFC000"/>
                 </a:solidFill>
                 <a:effectLst/>
                 <a:latin typeface="Inter"/>
               </a:rPr>
-              <a:t> variable from the model, rebuild it and checked its accuracy. The accuracy of the model with </a:t>
-            </a:r>
-            <a:r>
-              <a:rPr kumimoji="0" lang="en-US" altLang="en-US" sz="1600" b="0" i="0" u="none" strike="noStrike" cap="none" normalizeH="0" baseline="0" dirty="0">
-                <a:ln>
-                  <a:noFill/>
-                </a:ln>
-                <a:solidFill>
-                  <a:schemeClr val="tx1">
-                    <a:lumMod val="85000"/>
-                  </a:schemeClr>
-                </a:solidFill>
-                <a:effectLst/>
-                <a:latin typeface="Roboto Mono"/>
-              </a:rPr>
-              <a:t>doors</a:t>
-            </a:r>
-            <a:r>
-              <a:rPr kumimoji="0" lang="en-US" altLang="en-US" sz="1600" b="0" i="0" u="none" strike="noStrike" cap="none" normalizeH="0" baseline="0" dirty="0">
-                <a:ln>
-                  <a:noFill/>
-                </a:ln>
-                <a:solidFill>
-                  <a:schemeClr val="tx1">
-                    <a:lumMod val="85000"/>
-                  </a:schemeClr>
-                </a:solidFill>
-                <a:effectLst/>
-                <a:latin typeface="Inter"/>
-              </a:rPr>
-              <a:t> variable removed is 0.9264. The accuracy of the model with all the variables taken into account is 0.9247. So, we can see that the model accuracy has been improved with </a:t>
-            </a:r>
-            <a:r>
-              <a:rPr kumimoji="0" lang="en-US" altLang="en-US" sz="1600" b="0" i="0" u="none" strike="noStrike" cap="none" normalizeH="0" baseline="0" dirty="0">
-                <a:ln>
-                  <a:noFill/>
-                </a:ln>
-                <a:solidFill>
-                  <a:schemeClr val="tx1">
-                    <a:lumMod val="85000"/>
-                  </a:schemeClr>
-                </a:solidFill>
-                <a:effectLst/>
-                <a:latin typeface="Roboto Mono"/>
-              </a:rPr>
-              <a:t>doors</a:t>
-            </a:r>
-            <a:r>
-              <a:rPr kumimoji="0" lang="en-US" altLang="en-US" sz="1600" b="0" i="0" u="none" strike="noStrike" cap="none" normalizeH="0" baseline="0" dirty="0">
-                <a:ln>
-                  <a:noFill/>
-                </a:ln>
-                <a:solidFill>
-                  <a:schemeClr val="tx1">
-                    <a:lumMod val="85000"/>
-                  </a:schemeClr>
-                </a:solidFill>
-                <a:effectLst/>
-                <a:latin typeface="Inter"/>
-              </a:rPr>
-              <a:t> variable removed from the model.</a:t>
-            </a:r>
-          </a:p>
-          <a:p>
-            <a:pPr marL="0" marR="0" lvl="0" indent="0" defTabSz="914400" rtl="0" eaLnBrk="0" fontAlgn="base" latinLnBrk="0" hangingPunct="0">
-              <a:lnSpc>
-                <a:spcPct val="100000"/>
-              </a:lnSpc>
-              <a:spcBef>
-                <a:spcPct val="0"/>
-              </a:spcBef>
-              <a:spcAft>
-                <a:spcPct val="0"/>
-              </a:spcAft>
-              <a:buClrTx/>
-              <a:buSzTx/>
-              <a:buFontTx/>
-              <a:buAutoNum type="arabicPeriod" startAt="5"/>
-              <a:tabLst/>
-            </a:pPr>
-            <a:r>
-              <a:rPr kumimoji="0" lang="en-US" altLang="en-US" sz="1600" b="0" i="0" u="none" strike="noStrike" cap="none" normalizeH="0" baseline="0" dirty="0">
-                <a:ln>
-                  <a:noFill/>
-                </a:ln>
-                <a:solidFill>
-                  <a:schemeClr val="tx1">
-                    <a:lumMod val="85000"/>
-                  </a:schemeClr>
-                </a:solidFill>
-                <a:effectLst/>
-                <a:latin typeface="Inter"/>
-              </a:rPr>
-              <a:t> The second least important model is </a:t>
-            </a:r>
-            <a:r>
-              <a:rPr kumimoji="0" lang="en-US" altLang="en-US" sz="1600" b="0" i="0" u="none" strike="noStrike" cap="none" normalizeH="0" baseline="0" dirty="0" err="1">
-                <a:ln>
-                  <a:noFill/>
-                </a:ln>
-                <a:solidFill>
-                  <a:schemeClr val="tx1">
-                    <a:lumMod val="85000"/>
-                  </a:schemeClr>
-                </a:solidFill>
-                <a:effectLst/>
-                <a:latin typeface="Roboto Mono"/>
-              </a:rPr>
-              <a:t>lug_boot</a:t>
-            </a:r>
-            <a:r>
-              <a:rPr kumimoji="0" lang="en-US" altLang="en-US" sz="1600" b="0" i="0" u="none" strike="noStrike" cap="none" normalizeH="0" baseline="0" dirty="0">
-                <a:ln>
-                  <a:noFill/>
-                </a:ln>
-                <a:solidFill>
-                  <a:schemeClr val="tx1">
-                    <a:lumMod val="85000"/>
-                  </a:schemeClr>
-                </a:solidFill>
-                <a:effectLst/>
-                <a:latin typeface="Inter"/>
-              </a:rPr>
-              <a:t>. If I remove it from the model and rebuild the model, then the accuracy was found to be 0.8546. It is a significant drop in the accuracy. So, I will not drop it from the model.</a:t>
-            </a:r>
-          </a:p>
-          <a:p>
-            <a:pPr marL="0" marR="0" lvl="0" indent="0" defTabSz="914400" rtl="0" eaLnBrk="0" fontAlgn="base" latinLnBrk="0" hangingPunct="0">
-              <a:lnSpc>
-                <a:spcPct val="100000"/>
-              </a:lnSpc>
-              <a:spcBef>
-                <a:spcPct val="0"/>
-              </a:spcBef>
-              <a:spcAft>
-                <a:spcPct val="0"/>
-              </a:spcAft>
-              <a:buClrTx/>
-              <a:buSzTx/>
-              <a:buFontTx/>
-              <a:buAutoNum type="arabicPeriod" startAt="6"/>
-              <a:tabLst/>
-            </a:pPr>
-            <a:r>
-              <a:rPr kumimoji="0" lang="en-US" altLang="en-US" sz="1600" b="0" i="0" u="none" strike="noStrike" cap="none" normalizeH="0" baseline="0" dirty="0">
-                <a:ln>
-                  <a:noFill/>
-                </a:ln>
-                <a:solidFill>
-                  <a:schemeClr val="tx1">
-                    <a:lumMod val="85000"/>
-                  </a:schemeClr>
-                </a:solidFill>
-                <a:effectLst/>
-                <a:latin typeface="Inter"/>
-              </a:rPr>
-              <a:t>Confusion matrix and classification report are another tool to visualize the model performance. They yield good performance.</a:t>
-            </a:r>
-          </a:p>
-          <a:p>
-            <a:pPr marL="0" marR="0" lvl="0" indent="0" defTabSz="914400" rtl="0" eaLnBrk="0" fontAlgn="base" latinLnBrk="0" hangingPunct="0">
-              <a:lnSpc>
-                <a:spcPct val="100000"/>
-              </a:lnSpc>
-              <a:spcBef>
-                <a:spcPct val="0"/>
-              </a:spcBef>
-              <a:spcAft>
-                <a:spcPct val="0"/>
-              </a:spcAft>
-              <a:buClrTx/>
-              <a:buSzTx/>
-              <a:buFontTx/>
-              <a:buNone/>
-              <a:tabLst/>
-            </a:pPr>
-            <a:endParaRPr kumimoji="0" lang="en-US" altLang="en-US" sz="3600" b="0" i="0" u="none" strike="noStrike" cap="none" normalizeH="0" baseline="0" dirty="0">
-              <a:ln>
-                <a:noFill/>
-              </a:ln>
+              <a:t> 1(1), pp. 145-157, 1990</a:t>
+            </a:r>
+            <a:endParaRPr lang="en-US" sz="1100" dirty="0">
               <a:solidFill>
-                <a:schemeClr val="tx1">
-                  <a:lumMod val="85000"/>
-                </a:schemeClr>
+                <a:srgbClr val="FFC000"/>
               </a:solidFill>
-              <a:effectLst/>
-              <a:latin typeface="Arial" panose="020B0604020202020204" pitchFamily="34" charset="0"/>
             </a:endParaRPr>
           </a:p>
         </p:txBody>
@@ -8403,7 +9118,7 @@
     </p:spTree>
     <p:extLst>
       <p:ext uri="{BB962C8B-B14F-4D97-AF65-F5344CB8AC3E}">
-        <p14:creationId xmlns:p14="http://schemas.microsoft.com/office/powerpoint/2010/main" val="1986147644"/>
+        <p14:creationId xmlns:p14="http://schemas.microsoft.com/office/powerpoint/2010/main" val="4019255376"/>
       </p:ext>
     </p:extLst>
   </p:cSld>
@@ -8435,7 +9150,7 @@
           <p:cNvPr id="2" name="Title 1">
             <a:extLst>
               <a:ext uri="{FF2B5EF4-FFF2-40B4-BE49-F238E27FC236}">
-                <a16:creationId xmlns:a16="http://schemas.microsoft.com/office/drawing/2014/main" id="{1D54D5E8-CFCC-4F8F-AD36-F9C69C7324ED}"/>
+                <a16:creationId xmlns:a16="http://schemas.microsoft.com/office/drawing/2014/main" id="{E64ADC3B-AEB0-4920-BA81-65AFBF139035}"/>
               </a:ext>
             </a:extLst>
           </p:cNvPr>
@@ -8451,6 +9166,279 @@
           <a:bodyPr/>
           <a:lstStyle/>
           <a:p>
+            <a:r>
+              <a:rPr lang="en-US" dirty="0"/>
+              <a:t>Characteristics</a:t>
+            </a:r>
+          </a:p>
+        </p:txBody>
+      </p:sp>
+      <p:pic>
+        <p:nvPicPr>
+          <p:cNvPr id="5" name="Content Placeholder 4">
+            <a:extLst>
+              <a:ext uri="{FF2B5EF4-FFF2-40B4-BE49-F238E27FC236}">
+                <a16:creationId xmlns:a16="http://schemas.microsoft.com/office/drawing/2014/main" id="{94638C82-A079-448A-B2E5-664E2EFFB20A}"/>
+              </a:ext>
+            </a:extLst>
+          </p:cNvPr>
+          <p:cNvPicPr>
+            <a:picLocks noGrp="1" noChangeAspect="1"/>
+          </p:cNvPicPr>
+          <p:nvPr>
+            <p:ph idx="1"/>
+          </p:nvPr>
+        </p:nvPicPr>
+        <p:blipFill>
+          <a:blip r:embed="rId2"/>
+          <a:stretch>
+            <a:fillRect/>
+          </a:stretch>
+        </p:blipFill>
+        <p:spPr>
+          <a:xfrm>
+            <a:off x="99242" y="1732687"/>
+            <a:ext cx="6998915" cy="4406856"/>
+          </a:xfrm>
+        </p:spPr>
+      </p:pic>
+      <p:pic>
+        <p:nvPicPr>
+          <p:cNvPr id="7" name="Picture 6">
+            <a:extLst>
+              <a:ext uri="{FF2B5EF4-FFF2-40B4-BE49-F238E27FC236}">
+                <a16:creationId xmlns:a16="http://schemas.microsoft.com/office/drawing/2014/main" id="{158ACCC8-A918-448E-9866-12DD3E4FADE0}"/>
+              </a:ext>
+            </a:extLst>
+          </p:cNvPr>
+          <p:cNvPicPr>
+            <a:picLocks noChangeAspect="1"/>
+          </p:cNvPicPr>
+          <p:nvPr/>
+        </p:nvPicPr>
+        <p:blipFill>
+          <a:blip r:embed="rId3"/>
+          <a:stretch>
+            <a:fillRect/>
+          </a:stretch>
+        </p:blipFill>
+        <p:spPr>
+          <a:xfrm>
+            <a:off x="7198654" y="1580050"/>
+            <a:ext cx="3839462" cy="3989383"/>
+          </a:xfrm>
+          <a:prstGeom prst="rect">
+            <a:avLst/>
+          </a:prstGeom>
+        </p:spPr>
+      </p:pic>
+      <p:pic>
+        <p:nvPicPr>
+          <p:cNvPr id="11" name="Picture 10">
+            <a:extLst>
+              <a:ext uri="{FF2B5EF4-FFF2-40B4-BE49-F238E27FC236}">
+                <a16:creationId xmlns:a16="http://schemas.microsoft.com/office/drawing/2014/main" id="{44DE671B-F81E-49B0-8521-798E56E68C46}"/>
+              </a:ext>
+            </a:extLst>
+          </p:cNvPr>
+          <p:cNvPicPr>
+            <a:picLocks noChangeAspect="1"/>
+          </p:cNvPicPr>
+          <p:nvPr/>
+        </p:nvPicPr>
+        <p:blipFill>
+          <a:blip r:embed="rId4"/>
+          <a:stretch>
+            <a:fillRect/>
+          </a:stretch>
+        </p:blipFill>
+        <p:spPr>
+          <a:xfrm>
+            <a:off x="7725141" y="5642291"/>
+            <a:ext cx="2903275" cy="1126644"/>
+          </a:xfrm>
+          <a:prstGeom prst="rect">
+            <a:avLst/>
+          </a:prstGeom>
+          <a:effectLst>
+            <a:glow rad="63500">
+              <a:schemeClr val="accent2">
+                <a:satMod val="175000"/>
+                <a:alpha val="40000"/>
+              </a:schemeClr>
+            </a:glow>
+          </a:effectLst>
+        </p:spPr>
+      </p:pic>
+    </p:spTree>
+    <p:extLst>
+      <p:ext uri="{BB962C8B-B14F-4D97-AF65-F5344CB8AC3E}">
+        <p14:creationId xmlns:p14="http://schemas.microsoft.com/office/powerpoint/2010/main" val="3676733929"/>
+      </p:ext>
+    </p:extLst>
+  </p:cSld>
+  <p:clrMapOvr>
+    <a:masterClrMapping/>
+  </p:clrMapOvr>
+  <p:timing>
+    <p:tnLst>
+      <p:par>
+        <p:cTn id="1" dur="indefinite" restart="never" nodeType="tmRoot">
+          <p:childTnLst>
+            <p:seq concurrent="1" nextAc="seek">
+              <p:cTn id="2" dur="indefinite" nodeType="mainSeq">
+                <p:childTnLst>
+                  <p:par>
+                    <p:cTn id="3" fill="hold">
+                      <p:stCondLst>
+                        <p:cond delay="indefinite"/>
+                      </p:stCondLst>
+                      <p:childTnLst>
+                        <p:par>
+                          <p:cTn id="4" fill="hold">
+                            <p:stCondLst>
+                              <p:cond delay="0"/>
+                            </p:stCondLst>
+                            <p:childTnLst>
+                              <p:par>
+                                <p:cTn id="5" presetID="10" presetClass="entr" presetSubtype="0" fill="hold" nodeType="clickEffect">
+                                  <p:stCondLst>
+                                    <p:cond delay="0"/>
+                                  </p:stCondLst>
+                                  <p:childTnLst>
+                                    <p:set>
+                                      <p:cBhvr>
+                                        <p:cTn id="6" dur="1" fill="hold">
+                                          <p:stCondLst>
+                                            <p:cond delay="0"/>
+                                          </p:stCondLst>
+                                        </p:cTn>
+                                        <p:tgtEl>
+                                          <p:spTgt spid="7"/>
+                                        </p:tgtEl>
+                                        <p:attrNameLst>
+                                          <p:attrName>style.visibility</p:attrName>
+                                        </p:attrNameLst>
+                                      </p:cBhvr>
+                                      <p:to>
+                                        <p:strVal val="visible"/>
+                                      </p:to>
+                                    </p:set>
+                                    <p:animEffect transition="in" filter="fade">
+                                      <p:cBhvr>
+                                        <p:cTn id="7" dur="500"/>
+                                        <p:tgtEl>
+                                          <p:spTgt spid="7"/>
+                                        </p:tgtEl>
+                                      </p:cBhvr>
+                                    </p:animEffect>
+                                  </p:childTnLst>
+                                </p:cTn>
+                              </p:par>
+                              <p:par>
+                                <p:cTn id="8" presetID="10" presetClass="entr" presetSubtype="0" fill="hold" nodeType="withEffect">
+                                  <p:stCondLst>
+                                    <p:cond delay="0"/>
+                                  </p:stCondLst>
+                                  <p:childTnLst>
+                                    <p:set>
+                                      <p:cBhvr>
+                                        <p:cTn id="9" dur="1" fill="hold">
+                                          <p:stCondLst>
+                                            <p:cond delay="0"/>
+                                          </p:stCondLst>
+                                        </p:cTn>
+                                        <p:tgtEl>
+                                          <p:spTgt spid="11"/>
+                                        </p:tgtEl>
+                                        <p:attrNameLst>
+                                          <p:attrName>style.visibility</p:attrName>
+                                        </p:attrNameLst>
+                                      </p:cBhvr>
+                                      <p:to>
+                                        <p:strVal val="visible"/>
+                                      </p:to>
+                                    </p:set>
+                                    <p:animEffect transition="in" filter="fade">
+                                      <p:cBhvr>
+                                        <p:cTn id="10" dur="500"/>
+                                        <p:tgtEl>
+                                          <p:spTgt spid="11"/>
+                                        </p:tgtEl>
+                                      </p:cBhvr>
+                                    </p:animEffect>
+                                  </p:childTnLst>
+                                </p:cTn>
+                              </p:par>
+                            </p:childTnLst>
+                          </p:cTn>
+                        </p:par>
+                      </p:childTnLst>
+                    </p:cTn>
+                  </p:par>
+                </p:childTnLst>
+              </p:cTn>
+              <p:prevCondLst>
+                <p:cond evt="onPrev" delay="0">
+                  <p:tgtEl>
+                    <p:sldTgt/>
+                  </p:tgtEl>
+                </p:cond>
+              </p:prevCondLst>
+              <p:nextCondLst>
+                <p:cond evt="onNext" delay="0">
+                  <p:tgtEl>
+                    <p:sldTgt/>
+                  </p:tgtEl>
+                </p:cond>
+              </p:nextCondLst>
+            </p:seq>
+          </p:childTnLst>
+        </p:cTn>
+      </p:par>
+    </p:tnLst>
+  </p:timing>
+</p:sld>
+</file>
+
+<file path=ppt/slides/slide8.xml><?xml version="1.0" encoding="utf-8"?>
+<p:sld xmlns:a="http://schemas.openxmlformats.org/drawingml/2006/main" xmlns:r="http://schemas.openxmlformats.org/officeDocument/2006/relationships" xmlns:p="http://schemas.openxmlformats.org/presentationml/2006/main">
+  <p:cSld>
+    <p:spTree>
+      <p:nvGrpSpPr>
+        <p:cNvPr id="1" name=""/>
+        <p:cNvGrpSpPr/>
+        <p:nvPr/>
+      </p:nvGrpSpPr>
+      <p:grpSpPr>
+        <a:xfrm>
+          <a:off x="0" y="0"/>
+          <a:ext cx="0" cy="0"/>
+          <a:chOff x="0" y="0"/>
+          <a:chExt cx="0" cy="0"/>
+        </a:xfrm>
+      </p:grpSpPr>
+      <p:sp>
+        <p:nvSpPr>
+          <p:cNvPr id="2" name="Title 1">
+            <a:extLst>
+              <a:ext uri="{FF2B5EF4-FFF2-40B4-BE49-F238E27FC236}">
+                <a16:creationId xmlns:a16="http://schemas.microsoft.com/office/drawing/2014/main" id="{C7BDD51B-B86F-489A-91C6-14468D1CBF55}"/>
+              </a:ext>
+            </a:extLst>
+          </p:cNvPr>
+          <p:cNvSpPr>
+            <a:spLocks noGrp="1"/>
+          </p:cNvSpPr>
+          <p:nvPr>
+            <p:ph type="title"/>
+          </p:nvPr>
+        </p:nvSpPr>
+        <p:spPr/>
+        <p:txBody>
+          <a:bodyPr/>
+          <a:lstStyle/>
+          <a:p>
             <a:endParaRPr lang="en-US"/>
           </a:p>
         </p:txBody>
@@ -8460,7 +9448,7 @@
           <p:cNvPr id="3" name="Content Placeholder 2">
             <a:extLst>
               <a:ext uri="{FF2B5EF4-FFF2-40B4-BE49-F238E27FC236}">
-                <a16:creationId xmlns:a16="http://schemas.microsoft.com/office/drawing/2014/main" id="{5BE9BD52-1E31-4F5A-ADA2-59D49FCA29CC}"/>
+                <a16:creationId xmlns:a16="http://schemas.microsoft.com/office/drawing/2014/main" id="{767DF300-092F-4FA0-AD3F-DEF2FC549F04}"/>
               </a:ext>
             </a:extLst>
           </p:cNvPr>
@@ -8483,7 +9471,655 @@
     </p:spTree>
     <p:extLst>
       <p:ext uri="{BB962C8B-B14F-4D97-AF65-F5344CB8AC3E}">
-        <p14:creationId xmlns:p14="http://schemas.microsoft.com/office/powerpoint/2010/main" val="4019255376"/>
+        <p14:creationId xmlns:p14="http://schemas.microsoft.com/office/powerpoint/2010/main" val="1310501805"/>
+      </p:ext>
+    </p:extLst>
+  </p:cSld>
+  <p:clrMapOvr>
+    <a:masterClrMapping/>
+  </p:clrMapOvr>
+</p:sld>
+</file>
+
+<file path=ppt/slides/slide9.xml><?xml version="1.0" encoding="utf-8"?>
+<p:sld xmlns:a="http://schemas.openxmlformats.org/drawingml/2006/main" xmlns:r="http://schemas.openxmlformats.org/officeDocument/2006/relationships" xmlns:p="http://schemas.openxmlformats.org/presentationml/2006/main">
+  <p:cSld>
+    <p:spTree>
+      <p:nvGrpSpPr>
+        <p:cNvPr id="1" name=""/>
+        <p:cNvGrpSpPr/>
+        <p:nvPr/>
+      </p:nvGrpSpPr>
+      <p:grpSpPr>
+        <a:xfrm>
+          <a:off x="0" y="0"/>
+          <a:ext cx="0" cy="0"/>
+          <a:chOff x="0" y="0"/>
+          <a:chExt cx="0" cy="0"/>
+        </a:xfrm>
+      </p:grpSpPr>
+      <p:sp>
+        <p:nvSpPr>
+          <p:cNvPr id="5" name="Title 4">
+            <a:extLst>
+              <a:ext uri="{FF2B5EF4-FFF2-40B4-BE49-F238E27FC236}">
+                <a16:creationId xmlns:a16="http://schemas.microsoft.com/office/drawing/2014/main" id="{FBC0B814-C746-4422-ABF8-3BB0E4BA48F0}"/>
+              </a:ext>
+            </a:extLst>
+          </p:cNvPr>
+          <p:cNvSpPr>
+            <a:spLocks noGrp="1"/>
+          </p:cNvSpPr>
+          <p:nvPr>
+            <p:ph type="title"/>
+          </p:nvPr>
+        </p:nvSpPr>
+        <p:spPr/>
+        <p:txBody>
+          <a:bodyPr/>
+          <a:lstStyle/>
+          <a:p>
+            <a:r>
+              <a:rPr lang="en-US" dirty="0"/>
+              <a:t>Summary</a:t>
+            </a:r>
+          </a:p>
+        </p:txBody>
+      </p:sp>
+      <p:sp>
+        <p:nvSpPr>
+          <p:cNvPr id="7" name="Rectangle 1">
+            <a:extLst>
+              <a:ext uri="{FF2B5EF4-FFF2-40B4-BE49-F238E27FC236}">
+                <a16:creationId xmlns:a16="http://schemas.microsoft.com/office/drawing/2014/main" id="{B3E4B217-C0AE-4D0F-99DB-20D3CA634889}"/>
+              </a:ext>
+            </a:extLst>
+          </p:cNvPr>
+          <p:cNvSpPr>
+            <a:spLocks noGrp="1" noChangeArrowheads="1"/>
+          </p:cNvSpPr>
+          <p:nvPr>
+            <p:ph idx="1"/>
+          </p:nvPr>
+        </p:nvSpPr>
+        <p:spPr bwMode="auto">
+          <a:xfrm>
+            <a:off x="272502" y="1485984"/>
+            <a:ext cx="10995055" cy="4200465"/>
+          </a:xfrm>
+          <a:prstGeom prst="rect">
+            <a:avLst/>
+          </a:prstGeom>
+          <a:noFill/>
+          <a:ln>
+            <a:noFill/>
+          </a:ln>
+          <a:effectLst/>
+          <a:extLst>
+            <a:ext uri="{909E8E84-426E-40DD-AFC4-6F175D3DCCD1}">
+              <a14:hiddenFill xmlns:a14="http://schemas.microsoft.com/office/drawing/2010/main">
+                <a:solidFill>
+                  <a:schemeClr val="accent1"/>
+                </a:solidFill>
+              </a14:hiddenFill>
+            </a:ext>
+            <a:ext uri="{91240B29-F687-4F45-9708-019B960494DF}">
+              <a14:hiddenLine xmlns:a14="http://schemas.microsoft.com/office/drawing/2010/main" w="9525">
+                <a:solidFill>
+                  <a:schemeClr val="tx1"/>
+                </a:solidFill>
+                <a:miter lim="800000"/>
+                <a:headEnd/>
+                <a:tailEnd/>
+              </a14:hiddenLine>
+            </a:ext>
+            <a:ext uri="{AF507438-7753-43E0-B8FC-AC1667EBCBE1}">
+              <a14:hiddenEffects xmlns:a14="http://schemas.microsoft.com/office/drawing/2010/main">
+                <a:effectLst>
+                  <a:outerShdw dist="35921" dir="2700000" algn="ctr" rotWithShape="0">
+                    <a:schemeClr val="bg2"/>
+                  </a:outerShdw>
+                </a:effectLst>
+              </a14:hiddenEffects>
+            </a:ext>
+          </a:extLst>
+        </p:spPr>
+        <p:txBody>
+          <a:bodyPr vert="horz" wrap="square" lIns="91440" tIns="68241" rIns="91440" bIns="68241" numCol="1" anchor="ctr" anchorCtr="0" compatLnSpc="1">
+            <a:prstTxWarp prst="textNoShape">
+              <a:avLst/>
+            </a:prstTxWarp>
+            <a:spAutoFit/>
+          </a:bodyPr>
+          <a:lstStyle/>
+          <a:p>
+            <a:pPr marL="0" marR="0" lvl="0" indent="0" defTabSz="914400" rtl="0" eaLnBrk="0" fontAlgn="base" latinLnBrk="0" hangingPunct="0">
+              <a:lnSpc>
+                <a:spcPct val="100000"/>
+              </a:lnSpc>
+              <a:spcBef>
+                <a:spcPct val="0"/>
+              </a:spcBef>
+              <a:spcAft>
+                <a:spcPct val="0"/>
+              </a:spcAft>
+              <a:buClrTx/>
+              <a:buSzTx/>
+              <a:buFontTx/>
+              <a:buNone/>
+              <a:tabLst/>
+            </a:pPr>
+            <a:endParaRPr kumimoji="0" lang="en-US" altLang="en-US" sz="3600" b="0" i="0" u="none" strike="noStrike" cap="none" normalizeH="0" baseline="0" dirty="0">
+              <a:ln>
+                <a:noFill/>
+              </a:ln>
+              <a:solidFill>
+                <a:schemeClr val="tx1">
+                  <a:lumMod val="85000"/>
+                </a:schemeClr>
+              </a:solidFill>
+              <a:effectLst/>
+              <a:latin typeface="Arial" panose="020B0604020202020204" pitchFamily="34" charset="0"/>
+            </a:endParaRPr>
+          </a:p>
+          <a:p>
+            <a:pPr marL="0" marR="0" lvl="0" indent="0" defTabSz="914400" rtl="0" eaLnBrk="0" fontAlgn="base" latinLnBrk="0" hangingPunct="0">
+              <a:lnSpc>
+                <a:spcPct val="100000"/>
+              </a:lnSpc>
+              <a:spcBef>
+                <a:spcPct val="0"/>
+              </a:spcBef>
+              <a:spcAft>
+                <a:spcPct val="0"/>
+              </a:spcAft>
+              <a:buClrTx/>
+              <a:buSzTx/>
+              <a:buFontTx/>
+              <a:buAutoNum type="arabicPeriod"/>
+              <a:tabLst/>
+            </a:pPr>
+            <a:r>
+              <a:rPr kumimoji="0" lang="en-US" altLang="en-US" sz="1600" b="0" i="0" u="none" strike="noStrike" cap="none" normalizeH="0" baseline="0" dirty="0">
+                <a:ln>
+                  <a:noFill/>
+                </a:ln>
+                <a:solidFill>
+                  <a:schemeClr val="tx1">
+                    <a:lumMod val="85000"/>
+                  </a:schemeClr>
+                </a:solidFill>
+                <a:effectLst/>
+                <a:latin typeface="Inter"/>
+              </a:rPr>
+              <a:t> In this project, I build a Random Forest Classifier to predict the safety of the car. I build two models, one with 100 decision-trees and another one with 1000 decision-trees.</a:t>
+            </a:r>
+          </a:p>
+          <a:p>
+            <a:pPr marL="0" marR="0" lvl="0" indent="0" defTabSz="914400" rtl="0" eaLnBrk="0" fontAlgn="base" latinLnBrk="0" hangingPunct="0">
+              <a:lnSpc>
+                <a:spcPct val="100000"/>
+              </a:lnSpc>
+              <a:spcBef>
+                <a:spcPct val="0"/>
+              </a:spcBef>
+              <a:spcAft>
+                <a:spcPct val="0"/>
+              </a:spcAft>
+              <a:buClrTx/>
+              <a:buSzTx/>
+              <a:buFontTx/>
+              <a:buAutoNum type="arabicPeriod" startAt="2"/>
+              <a:tabLst/>
+            </a:pPr>
+            <a:r>
+              <a:rPr kumimoji="0" lang="en-US" altLang="en-US" sz="1600" b="0" i="0" u="none" strike="noStrike" cap="none" normalizeH="0" baseline="0" dirty="0">
+                <a:ln>
+                  <a:noFill/>
+                </a:ln>
+                <a:solidFill>
+                  <a:schemeClr val="tx1">
+                    <a:lumMod val="85000"/>
+                  </a:schemeClr>
+                </a:solidFill>
+                <a:effectLst/>
+                <a:latin typeface="Inter"/>
+              </a:rPr>
+              <a:t>  he model accuracy score with 100 decision-trees is </a:t>
+            </a:r>
+            <a:r>
+              <a:rPr kumimoji="0" lang="en-US" altLang="en-US" sz="1600" b="0" i="0" u="none" strike="noStrike" cap="none" normalizeH="0" baseline="0" dirty="0">
+                <a:ln>
+                  <a:noFill/>
+                </a:ln>
+                <a:solidFill>
+                  <a:srgbClr val="FF0000"/>
+                </a:solidFill>
+                <a:effectLst/>
+                <a:latin typeface="Inter"/>
+              </a:rPr>
+              <a:t>0.9247 </a:t>
+            </a:r>
+            <a:r>
+              <a:rPr kumimoji="0" lang="en-US" altLang="en-US" sz="1600" b="0" i="0" u="none" strike="noStrike" cap="none" normalizeH="0" baseline="0" dirty="0">
+                <a:ln>
+                  <a:noFill/>
+                </a:ln>
+                <a:solidFill>
+                  <a:schemeClr val="tx1">
+                    <a:lumMod val="85000"/>
+                  </a:schemeClr>
+                </a:solidFill>
+                <a:effectLst/>
+                <a:latin typeface="Inter"/>
+              </a:rPr>
+              <a:t>but the same with 1000 decision-trees is </a:t>
+            </a:r>
+            <a:r>
+              <a:rPr kumimoji="0" lang="en-US" altLang="en-US" sz="1600" b="0" i="0" u="none" strike="noStrike" cap="none" normalizeH="0" baseline="0" dirty="0">
+                <a:ln>
+                  <a:noFill/>
+                </a:ln>
+                <a:solidFill>
+                  <a:srgbClr val="FF0000"/>
+                </a:solidFill>
+                <a:effectLst/>
+                <a:latin typeface="Inter"/>
+              </a:rPr>
+              <a:t>0.9457</a:t>
+            </a:r>
+            <a:r>
+              <a:rPr kumimoji="0" lang="en-US" altLang="en-US" sz="1600" b="0" i="0" u="none" strike="noStrike" cap="none" normalizeH="0" baseline="0" dirty="0">
+                <a:ln>
+                  <a:noFill/>
+                </a:ln>
+                <a:solidFill>
+                  <a:schemeClr val="tx1">
+                    <a:lumMod val="85000"/>
+                  </a:schemeClr>
+                </a:solidFill>
+                <a:effectLst/>
+                <a:latin typeface="Inter"/>
+              </a:rPr>
+              <a:t>. So, as expected accuracy increases with number of decision-trees in the model.</a:t>
+            </a:r>
+          </a:p>
+          <a:p>
+            <a:pPr marL="0" marR="0" lvl="0" indent="0" defTabSz="914400" rtl="0" eaLnBrk="0" fontAlgn="base" latinLnBrk="0" hangingPunct="0">
+              <a:lnSpc>
+                <a:spcPct val="100000"/>
+              </a:lnSpc>
+              <a:spcBef>
+                <a:spcPct val="0"/>
+              </a:spcBef>
+              <a:spcAft>
+                <a:spcPct val="0"/>
+              </a:spcAft>
+              <a:buClrTx/>
+              <a:buSzTx/>
+              <a:buFontTx/>
+              <a:buAutoNum type="arabicPeriod" startAt="3"/>
+              <a:tabLst/>
+            </a:pPr>
+            <a:r>
+              <a:rPr kumimoji="0" lang="en-US" altLang="en-US" sz="1600" b="0" i="0" u="none" strike="noStrike" cap="none" normalizeH="0" baseline="0" dirty="0">
+                <a:ln>
+                  <a:noFill/>
+                </a:ln>
+                <a:solidFill>
+                  <a:schemeClr val="tx1">
+                    <a:lumMod val="85000"/>
+                  </a:schemeClr>
+                </a:solidFill>
+                <a:effectLst/>
+                <a:latin typeface="Inter"/>
+              </a:rPr>
+              <a:t> I have used the Random Forest model to find only the important features, build the model using these features and see its effect on accuracy. The most important feature is </a:t>
+            </a:r>
+            <a:r>
+              <a:rPr kumimoji="0" lang="en-US" altLang="en-US" sz="1600" b="0" i="0" u="none" strike="noStrike" cap="none" normalizeH="0" baseline="0" dirty="0">
+                <a:ln>
+                  <a:noFill/>
+                </a:ln>
+                <a:solidFill>
+                  <a:schemeClr val="tx1">
+                    <a:lumMod val="85000"/>
+                  </a:schemeClr>
+                </a:solidFill>
+                <a:effectLst/>
+                <a:latin typeface="Roboto Mono"/>
+              </a:rPr>
+              <a:t>safety</a:t>
+            </a:r>
+            <a:r>
+              <a:rPr kumimoji="0" lang="en-US" altLang="en-US" sz="1600" b="0" i="0" u="none" strike="noStrike" cap="none" normalizeH="0" baseline="0" dirty="0">
+                <a:ln>
+                  <a:noFill/>
+                </a:ln>
+                <a:solidFill>
+                  <a:schemeClr val="tx1">
+                    <a:lumMod val="85000"/>
+                  </a:schemeClr>
+                </a:solidFill>
+                <a:effectLst/>
+                <a:latin typeface="Inter"/>
+              </a:rPr>
+              <a:t> and least important feature is </a:t>
+            </a:r>
+            <a:r>
+              <a:rPr kumimoji="0" lang="en-US" altLang="en-US" sz="1600" b="0" i="0" u="none" strike="noStrike" cap="none" normalizeH="0" baseline="0" dirty="0">
+                <a:ln>
+                  <a:noFill/>
+                </a:ln>
+                <a:solidFill>
+                  <a:schemeClr val="tx1">
+                    <a:lumMod val="85000"/>
+                  </a:schemeClr>
+                </a:solidFill>
+                <a:effectLst/>
+                <a:latin typeface="Roboto Mono"/>
+              </a:rPr>
+              <a:t>doors</a:t>
+            </a:r>
+            <a:r>
+              <a:rPr kumimoji="0" lang="en-US" altLang="en-US" sz="1600" b="0" i="0" u="none" strike="noStrike" cap="none" normalizeH="0" baseline="0" dirty="0">
+                <a:ln>
+                  <a:noFill/>
+                </a:ln>
+                <a:solidFill>
+                  <a:schemeClr val="tx1">
+                    <a:lumMod val="85000"/>
+                  </a:schemeClr>
+                </a:solidFill>
+                <a:effectLst/>
+                <a:latin typeface="Inter"/>
+              </a:rPr>
+              <a:t>.</a:t>
+            </a:r>
+          </a:p>
+          <a:p>
+            <a:pPr marL="0" marR="0" lvl="0" indent="0" defTabSz="914400" rtl="0" eaLnBrk="0" fontAlgn="base" latinLnBrk="0" hangingPunct="0">
+              <a:lnSpc>
+                <a:spcPct val="100000"/>
+              </a:lnSpc>
+              <a:spcBef>
+                <a:spcPct val="0"/>
+              </a:spcBef>
+              <a:spcAft>
+                <a:spcPct val="0"/>
+              </a:spcAft>
+              <a:buClrTx/>
+              <a:buSzTx/>
+              <a:buFontTx/>
+              <a:buAutoNum type="arabicPeriod" startAt="4"/>
+              <a:tabLst/>
+            </a:pPr>
+            <a:r>
+              <a:rPr kumimoji="0" lang="en-US" altLang="en-US" sz="1600" b="0" i="0" u="none" strike="noStrike" cap="none" normalizeH="0" baseline="0" dirty="0">
+                <a:ln>
+                  <a:noFill/>
+                </a:ln>
+                <a:solidFill>
+                  <a:schemeClr val="tx1">
+                    <a:lumMod val="85000"/>
+                  </a:schemeClr>
+                </a:solidFill>
+                <a:effectLst/>
+                <a:latin typeface="Inter"/>
+              </a:rPr>
+              <a:t> I have removed the </a:t>
+            </a:r>
+            <a:r>
+              <a:rPr kumimoji="0" lang="en-US" altLang="en-US" sz="1600" b="0" i="0" u="none" strike="noStrike" cap="none" normalizeH="0" baseline="0" dirty="0">
+                <a:ln>
+                  <a:noFill/>
+                </a:ln>
+                <a:solidFill>
+                  <a:schemeClr val="tx1">
+                    <a:lumMod val="85000"/>
+                  </a:schemeClr>
+                </a:solidFill>
+                <a:effectLst/>
+                <a:latin typeface="Roboto Mono"/>
+              </a:rPr>
+              <a:t>doors</a:t>
+            </a:r>
+            <a:r>
+              <a:rPr kumimoji="0" lang="en-US" altLang="en-US" sz="1600" b="0" i="0" u="none" strike="noStrike" cap="none" normalizeH="0" baseline="0" dirty="0">
+                <a:ln>
+                  <a:noFill/>
+                </a:ln>
+                <a:solidFill>
+                  <a:schemeClr val="tx1">
+                    <a:lumMod val="85000"/>
+                  </a:schemeClr>
+                </a:solidFill>
+                <a:effectLst/>
+                <a:latin typeface="Inter"/>
+              </a:rPr>
+              <a:t> variable from the model, rebuild it and checked its accuracy. The accuracy of the model with </a:t>
+            </a:r>
+            <a:r>
+              <a:rPr kumimoji="0" lang="en-US" altLang="en-US" sz="1600" b="0" i="0" u="none" strike="noStrike" cap="none" normalizeH="0" baseline="0" dirty="0">
+                <a:ln>
+                  <a:noFill/>
+                </a:ln>
+                <a:solidFill>
+                  <a:schemeClr val="tx1">
+                    <a:lumMod val="85000"/>
+                  </a:schemeClr>
+                </a:solidFill>
+                <a:effectLst/>
+                <a:latin typeface="Roboto Mono"/>
+              </a:rPr>
+              <a:t>doors</a:t>
+            </a:r>
+            <a:r>
+              <a:rPr kumimoji="0" lang="en-US" altLang="en-US" sz="1600" b="0" i="0" u="none" strike="noStrike" cap="none" normalizeH="0" baseline="0" dirty="0">
+                <a:ln>
+                  <a:noFill/>
+                </a:ln>
+                <a:solidFill>
+                  <a:schemeClr val="tx1">
+                    <a:lumMod val="85000"/>
+                  </a:schemeClr>
+                </a:solidFill>
+                <a:effectLst/>
+                <a:latin typeface="Inter"/>
+              </a:rPr>
+              <a:t> variable removed is </a:t>
+            </a:r>
+            <a:r>
+              <a:rPr kumimoji="0" lang="en-US" altLang="en-US" sz="1600" b="0" i="0" u="none" strike="noStrike" cap="none" normalizeH="0" baseline="0" dirty="0">
+                <a:ln>
+                  <a:noFill/>
+                </a:ln>
+                <a:solidFill>
+                  <a:srgbClr val="FF0000"/>
+                </a:solidFill>
+                <a:effectLst/>
+                <a:latin typeface="Inter"/>
+              </a:rPr>
+              <a:t>0.9264</a:t>
+            </a:r>
+            <a:r>
+              <a:rPr kumimoji="0" lang="en-US" altLang="en-US" sz="1600" b="0" i="0" u="none" strike="noStrike" cap="none" normalizeH="0" baseline="0" dirty="0">
+                <a:ln>
+                  <a:noFill/>
+                </a:ln>
+                <a:solidFill>
+                  <a:schemeClr val="tx1">
+                    <a:lumMod val="85000"/>
+                  </a:schemeClr>
+                </a:solidFill>
+                <a:effectLst/>
+                <a:latin typeface="Inter"/>
+              </a:rPr>
+              <a:t>. The accuracy of the model with all the variables taken into account is 0.9247. So, we can see that the model accuracy has been improved with </a:t>
+            </a:r>
+            <a:r>
+              <a:rPr kumimoji="0" lang="en-US" altLang="en-US" sz="1600" b="0" i="0" u="none" strike="noStrike" cap="none" normalizeH="0" baseline="0" dirty="0">
+                <a:ln>
+                  <a:noFill/>
+                </a:ln>
+                <a:solidFill>
+                  <a:schemeClr val="tx1">
+                    <a:lumMod val="85000"/>
+                  </a:schemeClr>
+                </a:solidFill>
+                <a:effectLst/>
+                <a:latin typeface="Roboto Mono"/>
+              </a:rPr>
+              <a:t>doors</a:t>
+            </a:r>
+            <a:r>
+              <a:rPr kumimoji="0" lang="en-US" altLang="en-US" sz="1600" b="0" i="0" u="none" strike="noStrike" cap="none" normalizeH="0" baseline="0" dirty="0">
+                <a:ln>
+                  <a:noFill/>
+                </a:ln>
+                <a:solidFill>
+                  <a:schemeClr val="tx1">
+                    <a:lumMod val="85000"/>
+                  </a:schemeClr>
+                </a:solidFill>
+                <a:effectLst/>
+                <a:latin typeface="Inter"/>
+              </a:rPr>
+              <a:t> variable removed from the model.</a:t>
+            </a:r>
+          </a:p>
+          <a:p>
+            <a:pPr marL="0" marR="0" lvl="0" indent="0" defTabSz="914400" rtl="0" eaLnBrk="0" fontAlgn="base" latinLnBrk="0" hangingPunct="0">
+              <a:lnSpc>
+                <a:spcPct val="100000"/>
+              </a:lnSpc>
+              <a:spcBef>
+                <a:spcPct val="0"/>
+              </a:spcBef>
+              <a:spcAft>
+                <a:spcPct val="0"/>
+              </a:spcAft>
+              <a:buClrTx/>
+              <a:buSzTx/>
+              <a:buFontTx/>
+              <a:buAutoNum type="arabicPeriod" startAt="5"/>
+              <a:tabLst/>
+            </a:pPr>
+            <a:r>
+              <a:rPr kumimoji="0" lang="en-US" altLang="en-US" sz="1600" b="0" i="0" u="none" strike="noStrike" cap="none" normalizeH="0" baseline="0" dirty="0">
+                <a:ln>
+                  <a:noFill/>
+                </a:ln>
+                <a:solidFill>
+                  <a:schemeClr val="tx1">
+                    <a:lumMod val="85000"/>
+                  </a:schemeClr>
+                </a:solidFill>
+                <a:effectLst/>
+                <a:latin typeface="Inter"/>
+              </a:rPr>
+              <a:t> The second least important model is </a:t>
+            </a:r>
+            <a:r>
+              <a:rPr kumimoji="0" lang="en-US" altLang="en-US" sz="1600" b="0" i="0" u="none" strike="noStrike" cap="none" normalizeH="0" baseline="0" dirty="0" err="1">
+                <a:ln>
+                  <a:noFill/>
+                </a:ln>
+                <a:solidFill>
+                  <a:schemeClr val="tx1">
+                    <a:lumMod val="85000"/>
+                  </a:schemeClr>
+                </a:solidFill>
+                <a:effectLst/>
+                <a:latin typeface="Roboto Mono"/>
+              </a:rPr>
+              <a:t>lug_boot</a:t>
+            </a:r>
+            <a:r>
+              <a:rPr kumimoji="0" lang="en-US" altLang="en-US" sz="1600" b="0" i="0" u="none" strike="noStrike" cap="none" normalizeH="0" baseline="0" dirty="0">
+                <a:ln>
+                  <a:noFill/>
+                </a:ln>
+                <a:solidFill>
+                  <a:schemeClr val="tx1">
+                    <a:lumMod val="85000"/>
+                  </a:schemeClr>
+                </a:solidFill>
+                <a:effectLst/>
+                <a:latin typeface="Inter"/>
+              </a:rPr>
+              <a:t>. If I remove it from the model and rebuild the model, then the accuracy was found to be 0.8546. It is a significant drop in the accuracy. So, I will not drop it from the model.</a:t>
+            </a:r>
+          </a:p>
+          <a:p>
+            <a:pPr marL="0" marR="0" lvl="0" indent="0" defTabSz="914400" rtl="0" eaLnBrk="0" fontAlgn="base" latinLnBrk="0" hangingPunct="0">
+              <a:lnSpc>
+                <a:spcPct val="100000"/>
+              </a:lnSpc>
+              <a:spcBef>
+                <a:spcPct val="0"/>
+              </a:spcBef>
+              <a:spcAft>
+                <a:spcPct val="0"/>
+              </a:spcAft>
+              <a:buClrTx/>
+              <a:buSzTx/>
+              <a:buFontTx/>
+              <a:buAutoNum type="arabicPeriod" startAt="6"/>
+              <a:tabLst/>
+            </a:pPr>
+            <a:r>
+              <a:rPr kumimoji="0" lang="en-US" altLang="en-US" sz="1600" b="0" i="0" u="none" strike="noStrike" cap="none" normalizeH="0" baseline="0" dirty="0">
+                <a:ln>
+                  <a:noFill/>
+                </a:ln>
+                <a:solidFill>
+                  <a:schemeClr val="tx1">
+                    <a:lumMod val="85000"/>
+                  </a:schemeClr>
+                </a:solidFill>
+                <a:effectLst/>
+                <a:latin typeface="Inter"/>
+              </a:rPr>
+              <a:t>Confusion matrix and classification report are another tool to visualize the model performance. They yield good performance.</a:t>
+            </a:r>
+          </a:p>
+          <a:p>
+            <a:pPr marL="0" marR="0" lvl="0" indent="0" defTabSz="914400" rtl="0" eaLnBrk="0" fontAlgn="base" latinLnBrk="0" hangingPunct="0">
+              <a:lnSpc>
+                <a:spcPct val="100000"/>
+              </a:lnSpc>
+              <a:spcBef>
+                <a:spcPct val="0"/>
+              </a:spcBef>
+              <a:spcAft>
+                <a:spcPct val="0"/>
+              </a:spcAft>
+              <a:buClrTx/>
+              <a:buSzTx/>
+              <a:buFontTx/>
+              <a:buNone/>
+              <a:tabLst/>
+            </a:pPr>
+            <a:endParaRPr kumimoji="0" lang="en-US" altLang="en-US" sz="3600" b="0" i="0" u="none" strike="noStrike" cap="none" normalizeH="0" baseline="0" dirty="0">
+              <a:ln>
+                <a:noFill/>
+              </a:ln>
+              <a:solidFill>
+                <a:schemeClr val="tx1">
+                  <a:lumMod val="85000"/>
+                </a:schemeClr>
+              </a:solidFill>
+              <a:effectLst/>
+              <a:latin typeface="Arial" panose="020B0604020202020204" pitchFamily="34" charset="0"/>
+            </a:endParaRPr>
+          </a:p>
+        </p:txBody>
+      </p:sp>
+    </p:spTree>
+    <p:extLst>
+      <p:ext uri="{BB962C8B-B14F-4D97-AF65-F5344CB8AC3E}">
+        <p14:creationId xmlns:p14="http://schemas.microsoft.com/office/powerpoint/2010/main" val="1986147644"/>
       </p:ext>
     </p:extLst>
   </p:cSld>

--- a/random_forest.pptx
+++ b/random_forest.pptx
@@ -205,7 +205,7 @@
           <a:p>
             <a:fld id="{207EA431-1AE3-40AA-B3EA-14C877F26A63}" type="datetimeFigureOut">
               <a:rPr lang="en-US" smtClean="0"/>
-              <a:t>3/25/2024</a:t>
+              <a:t>3/27/2024</a:t>
             </a:fld>
             <a:endParaRPr lang="en-US"/>
           </a:p>
@@ -741,7 +741,7 @@
           <a:p>
             <a:fld id="{2C219488-A93D-47F5-9A96-0F5B8B74697B}" type="datetimeFigureOut">
               <a:rPr lang="en-US" smtClean="0"/>
-              <a:t>3/25/2024</a:t>
+              <a:t>3/27/2024</a:t>
             </a:fld>
             <a:endParaRPr lang="en-US"/>
           </a:p>
@@ -1039,7 +1039,7 @@
           <a:p>
             <a:fld id="{2C219488-A93D-47F5-9A96-0F5B8B74697B}" type="datetimeFigureOut">
               <a:rPr lang="en-US" smtClean="0"/>
-              <a:t>3/25/2024</a:t>
+              <a:t>3/27/2024</a:t>
             </a:fld>
             <a:endParaRPr lang="en-US"/>
           </a:p>
@@ -1231,7 +1231,7 @@
           <a:p>
             <a:fld id="{2C219488-A93D-47F5-9A96-0F5B8B74697B}" type="datetimeFigureOut">
               <a:rPr lang="en-US" smtClean="0"/>
-              <a:t>3/25/2024</a:t>
+              <a:t>3/27/2024</a:t>
             </a:fld>
             <a:endParaRPr lang="en-US"/>
           </a:p>
@@ -1492,7 +1492,7 @@
           <a:p>
             <a:fld id="{2C219488-A93D-47F5-9A96-0F5B8B74697B}" type="datetimeFigureOut">
               <a:rPr lang="en-US" smtClean="0"/>
-              <a:t>3/25/2024</a:t>
+              <a:t>3/27/2024</a:t>
             </a:fld>
             <a:endParaRPr lang="en-US"/>
           </a:p>
@@ -1916,7 +1916,7 @@
           <a:p>
             <a:fld id="{2C219488-A93D-47F5-9A96-0F5B8B74697B}" type="datetimeFigureOut">
               <a:rPr lang="en-US" smtClean="0"/>
-              <a:t>3/25/2024</a:t>
+              <a:t>3/27/2024</a:t>
             </a:fld>
             <a:endParaRPr lang="en-US"/>
           </a:p>
@@ -2453,7 +2453,7 @@
           <a:p>
             <a:fld id="{2C219488-A93D-47F5-9A96-0F5B8B74697B}" type="datetimeFigureOut">
               <a:rPr lang="en-US" smtClean="0"/>
-              <a:t>3/25/2024</a:t>
+              <a:t>3/27/2024</a:t>
             </a:fld>
             <a:endParaRPr lang="en-US"/>
           </a:p>
@@ -3317,7 +3317,7 @@
           <a:p>
             <a:fld id="{2C219488-A93D-47F5-9A96-0F5B8B74697B}" type="datetimeFigureOut">
               <a:rPr lang="en-US" smtClean="0"/>
-              <a:t>3/25/2024</a:t>
+              <a:t>3/27/2024</a:t>
             </a:fld>
             <a:endParaRPr lang="en-US"/>
           </a:p>
@@ -3487,7 +3487,7 @@
           <a:p>
             <a:fld id="{2C219488-A93D-47F5-9A96-0F5B8B74697B}" type="datetimeFigureOut">
               <a:rPr lang="en-US" smtClean="0"/>
-              <a:t>3/25/2024</a:t>
+              <a:t>3/27/2024</a:t>
             </a:fld>
             <a:endParaRPr lang="en-US"/>
           </a:p>
@@ -3671,7 +3671,7 @@
           <a:p>
             <a:fld id="{2C219488-A93D-47F5-9A96-0F5B8B74697B}" type="datetimeFigureOut">
               <a:rPr lang="en-US" smtClean="0"/>
-              <a:t>3/25/2024</a:t>
+              <a:t>3/27/2024</a:t>
             </a:fld>
             <a:endParaRPr lang="en-US"/>
           </a:p>
@@ -3841,7 +3841,7 @@
           <a:p>
             <a:fld id="{2C219488-A93D-47F5-9A96-0F5B8B74697B}" type="datetimeFigureOut">
               <a:rPr lang="en-US" smtClean="0"/>
-              <a:t>3/25/2024</a:t>
+              <a:t>3/27/2024</a:t>
             </a:fld>
             <a:endParaRPr lang="en-US"/>
           </a:p>
@@ -4085,7 +4085,7 @@
           <a:p>
             <a:fld id="{2C219488-A93D-47F5-9A96-0F5B8B74697B}" type="datetimeFigureOut">
               <a:rPr lang="en-US" smtClean="0"/>
-              <a:t>3/25/2024</a:t>
+              <a:t>3/27/2024</a:t>
             </a:fld>
             <a:endParaRPr lang="en-US"/>
           </a:p>
@@ -4321,7 +4321,7 @@
           <a:p>
             <a:fld id="{2C219488-A93D-47F5-9A96-0F5B8B74697B}" type="datetimeFigureOut">
               <a:rPr lang="en-US" smtClean="0"/>
-              <a:t>3/25/2024</a:t>
+              <a:t>3/27/2024</a:t>
             </a:fld>
             <a:endParaRPr lang="en-US"/>
           </a:p>
@@ -4787,7 +4787,7 @@
           <a:p>
             <a:fld id="{2C219488-A93D-47F5-9A96-0F5B8B74697B}" type="datetimeFigureOut">
               <a:rPr lang="en-US" smtClean="0"/>
-              <a:t>3/25/2024</a:t>
+              <a:t>3/27/2024</a:t>
             </a:fld>
             <a:endParaRPr lang="en-US"/>
           </a:p>
@@ -4905,7 +4905,7 @@
           <a:p>
             <a:fld id="{2C219488-A93D-47F5-9A96-0F5B8B74697B}" type="datetimeFigureOut">
               <a:rPr lang="en-US" smtClean="0"/>
-              <a:t>3/25/2024</a:t>
+              <a:t>3/27/2024</a:t>
             </a:fld>
             <a:endParaRPr lang="en-US"/>
           </a:p>
@@ -5000,7 +5000,7 @@
           <a:p>
             <a:fld id="{2C219488-A93D-47F5-9A96-0F5B8B74697B}" type="datetimeFigureOut">
               <a:rPr lang="en-US" smtClean="0"/>
-              <a:t>3/25/2024</a:t>
+              <a:t>3/27/2024</a:t>
             </a:fld>
             <a:endParaRPr lang="en-US"/>
           </a:p>
@@ -5255,7 +5255,7 @@
           <a:p>
             <a:fld id="{2C219488-A93D-47F5-9A96-0F5B8B74697B}" type="datetimeFigureOut">
               <a:rPr lang="en-US" smtClean="0"/>
-              <a:t>3/25/2024</a:t>
+              <a:t>3/27/2024</a:t>
             </a:fld>
             <a:endParaRPr lang="en-US"/>
           </a:p>
@@ -5555,7 +5555,7 @@
           <a:p>
             <a:fld id="{2C219488-A93D-47F5-9A96-0F5B8B74697B}" type="datetimeFigureOut">
               <a:rPr lang="en-US" smtClean="0"/>
-              <a:t>3/25/2024</a:t>
+              <a:t>3/27/2024</a:t>
             </a:fld>
             <a:endParaRPr lang="en-US"/>
           </a:p>
@@ -5789,7 +5789,7 @@
           <a:p>
             <a:fld id="{2C219488-A93D-47F5-9A96-0F5B8B74697B}" type="datetimeFigureOut">
               <a:rPr lang="en-US" smtClean="0"/>
-              <a:t>3/25/2024</a:t>
+              <a:t>3/27/2024</a:t>
             </a:fld>
             <a:endParaRPr lang="en-US"/>
           </a:p>
@@ -9005,8 +9005,8 @@
         </p:nvSpPr>
         <p:spPr>
           <a:xfrm>
-            <a:off x="8734302" y="6248400"/>
-            <a:ext cx="3313215" cy="506680"/>
+            <a:off x="8870721" y="6248400"/>
+            <a:ext cx="3313215" cy="461158"/>
           </a:xfrm>
           <a:prstGeom prst="rect">
             <a:avLst/>
@@ -9107,9 +9107,28 @@
               </a:rPr>
               <a:t> 1(1), pp. 145-157, 1990</a:t>
             </a:r>
+          </a:p>
+          <a:p>
+            <a:pPr algn="ctr"/>
+            <a:r>
+              <a:rPr lang="en-US" sz="1100" dirty="0">
+                <a:solidFill>
+                  <a:srgbClr val="00B0F0"/>
+                </a:solidFill>
+                <a:latin typeface="Inter"/>
+                <a:hlinkClick r:id="rId2">
+                  <a:extLst>
+                    <a:ext uri="{A12FA001-AC4F-418D-AE19-62706E023703}">
+                      <ahyp:hlinkClr xmlns:ahyp="http://schemas.microsoft.com/office/drawing/2018/hyperlinkcolor" val="tx"/>
+                    </a:ext>
+                  </a:extLst>
+                </a:hlinkClick>
+              </a:rPr>
+              <a:t>Link of dataset</a:t>
+            </a:r>
             <a:endParaRPr lang="en-US" sz="1100" dirty="0">
               <a:solidFill>
-                <a:srgbClr val="FFC000"/>
+                <a:srgbClr val="00B0F0"/>
               </a:solidFill>
             </a:endParaRPr>
           </a:p>

--- a/random_forest.pptx
+++ b/random_forest.pptx
@@ -7271,7 +7271,7 @@
         </p:blipFill>
         <p:spPr bwMode="auto">
           <a:xfrm>
-            <a:off x="7178730" y="1417437"/>
+            <a:off x="6935287" y="1417438"/>
             <a:ext cx="2847856" cy="1545457"/>
           </a:xfrm>
           <a:prstGeom prst="rect">
@@ -7307,13 +7307,13 @@
         </p:nvSpPr>
         <p:spPr>
           <a:xfrm>
-            <a:off x="104914" y="1417437"/>
-            <a:ext cx="5238983" cy="4058751"/>
+            <a:off x="277106" y="1415775"/>
+            <a:ext cx="5553678" cy="1949218"/>
           </a:xfrm>
         </p:spPr>
         <p:txBody>
           <a:bodyPr>
-            <a:normAutofit lnSpcReduction="10000"/>
+            <a:normAutofit/>
           </a:bodyPr>
           <a:lstStyle/>
           <a:p>
@@ -7327,29 +7327,6 @@
               </a:rPr>
               <a:t>A decision tree is a flowchart-like tree structure where an internal node represents a feature(or attribute), the branch represents a decision rule, and each leaf node represents the outcome.</a:t>
             </a:r>
-          </a:p>
-          <a:p>
-            <a:endParaRPr lang="en-US" dirty="0">
-              <a:solidFill>
-                <a:srgbClr val="ECECEC"/>
-              </a:solidFill>
-              <a:effectLst/>
-              <a:latin typeface="Söhne"/>
-            </a:endParaRPr>
-          </a:p>
-          <a:p>
-            <a:r>
-              <a:rPr lang="en-US" b="0" i="0" dirty="0">
-                <a:solidFill>
-                  <a:srgbClr val="ECECEC"/>
-                </a:solidFill>
-                <a:effectLst/>
-              </a:rPr>
-              <a:t>Decision trees are popular due to their simplicity and the fact that they can be visualized, which makes them easy to understand. However, they can be prone to overfitting, especially with very complex trees</a:t>
-            </a:r>
-          </a:p>
-          <a:p>
-            <a:endParaRPr lang="en-US" dirty="0"/>
           </a:p>
         </p:txBody>
       </p:sp>
@@ -7375,7 +7352,7 @@
         </p:blipFill>
         <p:spPr>
           <a:xfrm>
-            <a:off x="6510136" y="3057896"/>
+            <a:off x="913795" y="3093521"/>
             <a:ext cx="3996714" cy="3692063"/>
           </a:xfrm>
           <a:prstGeom prst="rect">
@@ -7399,7 +7376,7 @@
         </p:nvCxnSpPr>
         <p:spPr>
           <a:xfrm>
-            <a:off x="7232073" y="3057896"/>
+            <a:off x="1635732" y="3093521"/>
             <a:ext cx="0" cy="3692063"/>
           </a:xfrm>
           <a:prstGeom prst="line">
@@ -7442,7 +7419,7 @@
         </p:nvCxnSpPr>
         <p:spPr>
           <a:xfrm>
-            <a:off x="8940140" y="3057894"/>
+            <a:off x="3343799" y="3093519"/>
             <a:ext cx="0" cy="3692063"/>
           </a:xfrm>
           <a:prstGeom prst="line">
@@ -7483,7 +7460,7 @@
         </p:nvCxnSpPr>
         <p:spPr>
           <a:xfrm>
-            <a:off x="6510136" y="4488871"/>
+            <a:off x="913795" y="4524496"/>
             <a:ext cx="3996714" cy="0"/>
           </a:xfrm>
           <a:prstGeom prst="line">
@@ -7510,6 +7487,409 @@
           </a:fontRef>
         </p:style>
       </p:cxnSp>
+      <p:sp>
+        <p:nvSpPr>
+          <p:cNvPr id="9" name="Content Placeholder 3">
+            <a:extLst>
+              <a:ext uri="{FF2B5EF4-FFF2-40B4-BE49-F238E27FC236}">
+                <a16:creationId xmlns:a16="http://schemas.microsoft.com/office/drawing/2014/main" id="{B0B82E2D-42CD-4346-BF10-2E4521E6B5DE}"/>
+              </a:ext>
+            </a:extLst>
+          </p:cNvPr>
+          <p:cNvSpPr txBox="1">
+            <a:spLocks/>
+          </p:cNvSpPr>
+          <p:nvPr/>
+        </p:nvSpPr>
+        <p:spPr>
+          <a:xfrm>
+            <a:off x="5929679" y="3259776"/>
+            <a:ext cx="5238983" cy="2390268"/>
+          </a:xfrm>
+          <a:prstGeom prst="rect">
+            <a:avLst/>
+          </a:prstGeom>
+          <a:effectLst>
+            <a:outerShdw blurRad="25400" dir="17880000">
+              <a:srgbClr val="000000">
+                <a:alpha val="46000"/>
+              </a:srgbClr>
+            </a:outerShdw>
+          </a:effectLst>
+        </p:spPr>
+        <p:txBody>
+          <a:bodyPr vert="horz" lIns="91440" tIns="45720" rIns="91440" bIns="45720" rtlCol="0" anchor="t">
+            <a:normAutofit lnSpcReduction="10000"/>
+          </a:bodyPr>
+          <a:lstStyle>
+            <a:lvl1pPr marL="342900" indent="-306000" algn="l" defTabSz="457200" rtl="0" eaLnBrk="1" latinLnBrk="0" hangingPunct="1">
+              <a:spcBef>
+                <a:spcPct val="20000"/>
+              </a:spcBef>
+              <a:spcAft>
+                <a:spcPts val="600"/>
+              </a:spcAft>
+              <a:buClr>
+                <a:schemeClr val="tx2"/>
+              </a:buClr>
+              <a:buSzPct val="70000"/>
+              <a:buFont typeface="Wingdings 2" charset="2"/>
+              <a:buChar char=""/>
+              <a:defRPr sz="2000" kern="1200">
+                <a:ln>
+                  <a:solidFill>
+                    <a:schemeClr val="bg1">
+                      <a:lumMod val="75000"/>
+                      <a:lumOff val="25000"/>
+                      <a:alpha val="10000"/>
+                    </a:schemeClr>
+                  </a:solidFill>
+                </a:ln>
+                <a:solidFill>
+                  <a:schemeClr val="tx2"/>
+                </a:solidFill>
+                <a:effectLst>
+                  <a:outerShdw blurRad="9525" dist="25400" dir="14640000" algn="tl" rotWithShape="0">
+                    <a:schemeClr val="bg1">
+                      <a:alpha val="30000"/>
+                    </a:schemeClr>
+                  </a:outerShdw>
+                </a:effectLst>
+                <a:latin typeface="+mn-lt"/>
+                <a:ea typeface="+mn-ea"/>
+                <a:cs typeface="+mn-cs"/>
+              </a:defRPr>
+            </a:lvl1pPr>
+            <a:lvl2pPr marL="720000" indent="-270000" algn="l" defTabSz="457200" rtl="0" eaLnBrk="1" latinLnBrk="0" hangingPunct="1">
+              <a:spcBef>
+                <a:spcPct val="20000"/>
+              </a:spcBef>
+              <a:spcAft>
+                <a:spcPts val="600"/>
+              </a:spcAft>
+              <a:buClr>
+                <a:schemeClr val="tx2"/>
+              </a:buClr>
+              <a:buSzPct val="70000"/>
+              <a:buFont typeface="Wingdings 2" charset="2"/>
+              <a:buChar char=""/>
+              <a:defRPr sz="1800" kern="1200">
+                <a:ln>
+                  <a:solidFill>
+                    <a:schemeClr val="bg1">
+                      <a:lumMod val="75000"/>
+                      <a:lumOff val="25000"/>
+                      <a:alpha val="10000"/>
+                    </a:schemeClr>
+                  </a:solidFill>
+                </a:ln>
+                <a:solidFill>
+                  <a:schemeClr val="tx2"/>
+                </a:solidFill>
+                <a:effectLst>
+                  <a:outerShdw blurRad="9525" dist="25400" dir="14640000" algn="tl" rotWithShape="0">
+                    <a:schemeClr val="bg1">
+                      <a:alpha val="30000"/>
+                    </a:schemeClr>
+                  </a:outerShdw>
+                </a:effectLst>
+                <a:latin typeface="+mn-lt"/>
+                <a:ea typeface="+mn-ea"/>
+                <a:cs typeface="+mn-cs"/>
+              </a:defRPr>
+            </a:lvl2pPr>
+            <a:lvl3pPr marL="1026000" indent="-216000" algn="l" defTabSz="457200" rtl="0" eaLnBrk="1" latinLnBrk="0" hangingPunct="1">
+              <a:spcBef>
+                <a:spcPct val="20000"/>
+              </a:spcBef>
+              <a:spcAft>
+                <a:spcPts val="600"/>
+              </a:spcAft>
+              <a:buClr>
+                <a:schemeClr val="tx2"/>
+              </a:buClr>
+              <a:buSzPct val="70000"/>
+              <a:buFont typeface="Wingdings 2" charset="2"/>
+              <a:buChar char=""/>
+              <a:defRPr sz="1600" kern="1200">
+                <a:ln>
+                  <a:solidFill>
+                    <a:schemeClr val="bg1">
+                      <a:lumMod val="75000"/>
+                      <a:lumOff val="25000"/>
+                      <a:alpha val="10000"/>
+                    </a:schemeClr>
+                  </a:solidFill>
+                </a:ln>
+                <a:solidFill>
+                  <a:schemeClr val="tx2"/>
+                </a:solidFill>
+                <a:effectLst>
+                  <a:outerShdw blurRad="9525" dist="25400" dir="14640000" algn="tl" rotWithShape="0">
+                    <a:schemeClr val="bg1">
+                      <a:alpha val="30000"/>
+                    </a:schemeClr>
+                  </a:outerShdw>
+                </a:effectLst>
+                <a:latin typeface="+mn-lt"/>
+                <a:ea typeface="+mn-ea"/>
+                <a:cs typeface="+mn-cs"/>
+              </a:defRPr>
+            </a:lvl3pPr>
+            <a:lvl4pPr marL="1386000" indent="-216000" algn="l" defTabSz="457200" rtl="0" eaLnBrk="1" latinLnBrk="0" hangingPunct="1">
+              <a:spcBef>
+                <a:spcPct val="20000"/>
+              </a:spcBef>
+              <a:spcAft>
+                <a:spcPts val="600"/>
+              </a:spcAft>
+              <a:buClr>
+                <a:schemeClr val="tx2"/>
+              </a:buClr>
+              <a:buSzPct val="70000"/>
+              <a:buFont typeface="Wingdings 2" charset="2"/>
+              <a:buChar char=""/>
+              <a:defRPr sz="1400" kern="1200">
+                <a:ln>
+                  <a:solidFill>
+                    <a:schemeClr val="bg1">
+                      <a:lumMod val="75000"/>
+                      <a:lumOff val="25000"/>
+                      <a:alpha val="10000"/>
+                    </a:schemeClr>
+                  </a:solidFill>
+                </a:ln>
+                <a:solidFill>
+                  <a:schemeClr val="tx2"/>
+                </a:solidFill>
+                <a:effectLst>
+                  <a:outerShdw blurRad="9525" dist="25400" dir="14640000" algn="tl" rotWithShape="0">
+                    <a:schemeClr val="bg1">
+                      <a:alpha val="30000"/>
+                    </a:schemeClr>
+                  </a:outerShdw>
+                </a:effectLst>
+                <a:latin typeface="+mn-lt"/>
+                <a:ea typeface="+mn-ea"/>
+                <a:cs typeface="+mn-cs"/>
+              </a:defRPr>
+            </a:lvl4pPr>
+            <a:lvl5pPr marL="1674000" indent="-216000" algn="l" defTabSz="457200" rtl="0" eaLnBrk="1" latinLnBrk="0" hangingPunct="1">
+              <a:spcBef>
+                <a:spcPct val="20000"/>
+              </a:spcBef>
+              <a:spcAft>
+                <a:spcPts val="600"/>
+              </a:spcAft>
+              <a:buClr>
+                <a:schemeClr val="tx2"/>
+              </a:buClr>
+              <a:buSzPct val="70000"/>
+              <a:buFont typeface="Wingdings 2" charset="2"/>
+              <a:buChar char=""/>
+              <a:defRPr sz="1400" kern="1200">
+                <a:ln>
+                  <a:solidFill>
+                    <a:schemeClr val="bg1">
+                      <a:lumMod val="75000"/>
+                      <a:lumOff val="25000"/>
+                      <a:alpha val="10000"/>
+                    </a:schemeClr>
+                  </a:solidFill>
+                </a:ln>
+                <a:solidFill>
+                  <a:schemeClr val="tx2"/>
+                </a:solidFill>
+                <a:effectLst>
+                  <a:outerShdw blurRad="9525" dist="25400" dir="14640000" algn="tl" rotWithShape="0">
+                    <a:schemeClr val="bg1">
+                      <a:alpha val="30000"/>
+                    </a:schemeClr>
+                  </a:outerShdw>
+                </a:effectLst>
+                <a:latin typeface="+mn-lt"/>
+                <a:ea typeface="+mn-ea"/>
+                <a:cs typeface="+mn-cs"/>
+              </a:defRPr>
+            </a:lvl5pPr>
+            <a:lvl6pPr marL="2014600" indent="-228600" algn="l" defTabSz="457200" rtl="0" eaLnBrk="1" latinLnBrk="0" hangingPunct="1">
+              <a:spcBef>
+                <a:spcPct val="20000"/>
+              </a:spcBef>
+              <a:spcAft>
+                <a:spcPts val="600"/>
+              </a:spcAft>
+              <a:buClr>
+                <a:schemeClr val="tx2"/>
+              </a:buClr>
+              <a:buSzPct val="70000"/>
+              <a:buFont typeface="Wingdings 2" charset="2"/>
+              <a:buChar char=""/>
+              <a:defRPr sz="1400" kern="1200">
+                <a:ln>
+                  <a:solidFill>
+                    <a:schemeClr val="bg1">
+                      <a:lumMod val="75000"/>
+                      <a:lumOff val="25000"/>
+                      <a:alpha val="10000"/>
+                    </a:schemeClr>
+                  </a:solidFill>
+                </a:ln>
+                <a:solidFill>
+                  <a:schemeClr val="tx2"/>
+                </a:solidFill>
+                <a:effectLst>
+                  <a:outerShdw blurRad="9525" dist="25400" dir="14640000" algn="tl" rotWithShape="0">
+                    <a:schemeClr val="bg1">
+                      <a:alpha val="30000"/>
+                    </a:schemeClr>
+                  </a:outerShdw>
+                </a:effectLst>
+                <a:latin typeface="+mn-lt"/>
+                <a:ea typeface="+mn-ea"/>
+                <a:cs typeface="+mn-cs"/>
+              </a:defRPr>
+            </a:lvl6pPr>
+            <a:lvl7pPr marL="2401800" indent="-228600" algn="l" defTabSz="457200" rtl="0" eaLnBrk="1" latinLnBrk="0" hangingPunct="1">
+              <a:spcBef>
+                <a:spcPct val="20000"/>
+              </a:spcBef>
+              <a:spcAft>
+                <a:spcPts val="600"/>
+              </a:spcAft>
+              <a:buClr>
+                <a:schemeClr val="tx2"/>
+              </a:buClr>
+              <a:buSzPct val="70000"/>
+              <a:buFont typeface="Wingdings 2" charset="2"/>
+              <a:buChar char=""/>
+              <a:defRPr sz="1400" kern="1200">
+                <a:ln>
+                  <a:solidFill>
+                    <a:schemeClr val="bg1">
+                      <a:lumMod val="75000"/>
+                      <a:lumOff val="25000"/>
+                      <a:alpha val="10000"/>
+                    </a:schemeClr>
+                  </a:solidFill>
+                </a:ln>
+                <a:solidFill>
+                  <a:schemeClr val="tx2"/>
+                </a:solidFill>
+                <a:effectLst>
+                  <a:outerShdw blurRad="9525" dist="25400" dir="14640000" algn="tl" rotWithShape="0">
+                    <a:schemeClr val="bg1">
+                      <a:alpha val="30000"/>
+                    </a:schemeClr>
+                  </a:outerShdw>
+                </a:effectLst>
+                <a:latin typeface="+mn-lt"/>
+                <a:ea typeface="+mn-ea"/>
+                <a:cs typeface="+mn-cs"/>
+              </a:defRPr>
+            </a:lvl7pPr>
+            <a:lvl8pPr marL="2789000" indent="-228600" algn="l" defTabSz="457200" rtl="0" eaLnBrk="1" latinLnBrk="0" hangingPunct="1">
+              <a:spcBef>
+                <a:spcPct val="20000"/>
+              </a:spcBef>
+              <a:spcAft>
+                <a:spcPts val="600"/>
+              </a:spcAft>
+              <a:buClr>
+                <a:schemeClr val="tx2"/>
+              </a:buClr>
+              <a:buSzPct val="70000"/>
+              <a:buFont typeface="Wingdings 2" charset="2"/>
+              <a:buChar char=""/>
+              <a:defRPr sz="1400" kern="1200">
+                <a:ln>
+                  <a:solidFill>
+                    <a:schemeClr val="bg1">
+                      <a:lumMod val="75000"/>
+                      <a:lumOff val="25000"/>
+                      <a:alpha val="10000"/>
+                    </a:schemeClr>
+                  </a:solidFill>
+                </a:ln>
+                <a:solidFill>
+                  <a:schemeClr val="tx2"/>
+                </a:solidFill>
+                <a:effectLst>
+                  <a:outerShdw blurRad="9525" dist="25400" dir="14640000" algn="tl" rotWithShape="0">
+                    <a:schemeClr val="bg1">
+                      <a:alpha val="30000"/>
+                    </a:schemeClr>
+                  </a:outerShdw>
+                </a:effectLst>
+                <a:latin typeface="+mn-lt"/>
+                <a:ea typeface="+mn-ea"/>
+                <a:cs typeface="+mn-cs"/>
+              </a:defRPr>
+            </a:lvl8pPr>
+            <a:lvl9pPr marL="3106200" indent="-228600" algn="l" defTabSz="457200" rtl="0" eaLnBrk="1" latinLnBrk="0" hangingPunct="1">
+              <a:spcBef>
+                <a:spcPct val="20000"/>
+              </a:spcBef>
+              <a:spcAft>
+                <a:spcPts val="600"/>
+              </a:spcAft>
+              <a:buClr>
+                <a:schemeClr val="tx2"/>
+              </a:buClr>
+              <a:buSzPct val="70000"/>
+              <a:buFont typeface="Wingdings 2" charset="2"/>
+              <a:buChar char=""/>
+              <a:defRPr sz="1400" kern="1200">
+                <a:ln>
+                  <a:solidFill>
+                    <a:schemeClr val="bg1">
+                      <a:lumMod val="75000"/>
+                      <a:lumOff val="25000"/>
+                      <a:alpha val="10000"/>
+                    </a:schemeClr>
+                  </a:solidFill>
+                </a:ln>
+                <a:solidFill>
+                  <a:schemeClr val="tx2"/>
+                </a:solidFill>
+                <a:effectLst>
+                  <a:outerShdw blurRad="9525" dist="25400" dir="14640000" algn="tl" rotWithShape="0">
+                    <a:schemeClr val="bg1">
+                      <a:alpha val="30000"/>
+                    </a:schemeClr>
+                  </a:outerShdw>
+                </a:effectLst>
+                <a:latin typeface="+mn-lt"/>
+                <a:ea typeface="+mn-ea"/>
+                <a:cs typeface="+mn-cs"/>
+              </a:defRPr>
+            </a:lvl9pPr>
+          </a:lstStyle>
+          <a:p>
+            <a:endParaRPr lang="en-US" dirty="0">
+              <a:solidFill>
+                <a:srgbClr val="ECECEC"/>
+              </a:solidFill>
+              <a:effectLst/>
+              <a:latin typeface="Söhne"/>
+            </a:endParaRPr>
+          </a:p>
+          <a:p>
+            <a:r>
+              <a:rPr lang="en-US" dirty="0">
+                <a:solidFill>
+                  <a:srgbClr val="ECECEC"/>
+                </a:solidFill>
+                <a:effectLst/>
+              </a:rPr>
+              <a:t>Decision trees are popular due to their simplicity and the fact that they can be visualized, which makes them easy to understand. However, they can be prone to overfitting, especially with very complex trees</a:t>
+            </a:r>
+          </a:p>
+          <a:p>
+            <a:endParaRPr lang="en-US" dirty="0"/>
+          </a:p>
+        </p:txBody>
+      </p:sp>
     </p:spTree>
     <p:extLst>
       <p:ext uri="{BB962C8B-B14F-4D97-AF65-F5344CB8AC3E}">
@@ -7554,11 +7934,7 @@
                                           </p:stCondLst>
                                         </p:cTn>
                                         <p:tgtEl>
-                                          <p:spTgt spid="4">
-                                            <p:txEl>
-                                              <p:pRg st="2" end="2"/>
-                                            </p:txEl>
-                                          </p:spTgt>
+                                          <p:spTgt spid="5"/>
                                         </p:tgtEl>
                                         <p:attrNameLst>
                                           <p:attrName>style.visibility</p:attrName>
@@ -7572,11 +7948,7 @@
                                       <p:cBhvr>
                                         <p:cTn id="7" dur="500"/>
                                         <p:tgtEl>
-                                          <p:spTgt spid="4">
-                                            <p:txEl>
-                                              <p:pRg st="2" end="2"/>
-                                            </p:txEl>
-                                          </p:spTgt>
+                                          <p:spTgt spid="5"/>
                                         </p:tgtEl>
                                       </p:cBhvr>
                                     </p:animEffect>
@@ -7615,7 +7987,7 @@
                                           </p:stCondLst>
                                         </p:cTn>
                                         <p:tgtEl>
-                                          <p:spTgt spid="5"/>
+                                          <p:spTgt spid="7"/>
                                         </p:tgtEl>
                                         <p:attrNameLst>
                                           <p:attrName>style.visibility</p:attrName>
@@ -7629,7 +8001,7 @@
                                       <p:cBhvr>
                                         <p:cTn id="12" dur="500"/>
                                         <p:tgtEl>
-                                          <p:spTgt spid="5"/>
+                                          <p:spTgt spid="7"/>
                                         </p:tgtEl>
                                       </p:cBhvr>
                                     </p:animEffect>
@@ -7668,7 +8040,7 @@
                                           </p:stCondLst>
                                         </p:cTn>
                                         <p:tgtEl>
-                                          <p:spTgt spid="7"/>
+                                          <p:spTgt spid="13"/>
                                         </p:tgtEl>
                                         <p:attrNameLst>
                                           <p:attrName>style.visibility</p:attrName>
@@ -7682,7 +8054,7 @@
                                       <p:cBhvr>
                                         <p:cTn id="17" dur="500"/>
                                         <p:tgtEl>
-                                          <p:spTgt spid="7"/>
+                                          <p:spTgt spid="13"/>
                                         </p:tgtEl>
                                       </p:cBhvr>
                                     </p:animEffect>
@@ -7721,7 +8093,7 @@
                                           </p:stCondLst>
                                         </p:cTn>
                                         <p:tgtEl>
-                                          <p:spTgt spid="13"/>
+                                          <p:spTgt spid="14"/>
                                         </p:tgtEl>
                                         <p:attrNameLst>
                                           <p:attrName>style.visibility</p:attrName>
@@ -7735,7 +8107,7 @@
                                       <p:cBhvr>
                                         <p:cTn id="22" dur="500"/>
                                         <p:tgtEl>
-                                          <p:spTgt spid="13"/>
+                                          <p:spTgt spid="14"/>
                                         </p:tgtEl>
                                       </p:cBhvr>
                                     </p:animEffect>
@@ -7761,7 +8133,7 @@
                             </p:stCondLst>
                             <p:childTnLst>
                               <p:par>
-                                <p:cTn id="25" presetID="10" presetClass="entr" presetSubtype="0" fill="hold" nodeType="clickEffect">
+                                <p:cTn id="25" presetID="10" presetClass="entr" presetSubtype="0" fill="hold" grpId="0" nodeType="clickEffect">
                                   <p:stCondLst>
                                     <p:cond delay="0"/>
                                   </p:stCondLst>
@@ -7774,7 +8146,7 @@
                                           </p:stCondLst>
                                         </p:cTn>
                                         <p:tgtEl>
-                                          <p:spTgt spid="14"/>
+                                          <p:spTgt spid="9"/>
                                         </p:tgtEl>
                                         <p:attrNameLst>
                                           <p:attrName>style.visibility</p:attrName>
@@ -7788,7 +8160,7 @@
                                       <p:cBhvr>
                                         <p:cTn id="27" dur="500"/>
                                         <p:tgtEl>
-                                          <p:spTgt spid="14"/>
+                                          <p:spTgt spid="9"/>
                                         </p:tgtEl>
                                       </p:cBhvr>
                                     </p:animEffect>
@@ -7822,6 +8194,9 @@
         </p:cTn>
       </p:par>
     </p:tnLst>
+    <p:bldLst>
+      <p:bldP spid="9" grpId="0"/>
+    </p:bldLst>
   </p:timing>
 </p:sld>
 </file>
@@ -7891,19 +8266,21 @@
         </p:nvSpPr>
         <p:spPr>
           <a:xfrm>
-            <a:off x="706583" y="1732450"/>
-            <a:ext cx="4525502" cy="4058750"/>
+            <a:off x="913794" y="2701636"/>
+            <a:ext cx="4698833" cy="2623539"/>
           </a:xfrm>
         </p:spPr>
         <p:txBody>
-          <a:bodyPr anchor="ctr"/>
+          <a:bodyPr anchor="ctr">
+            <a:normAutofit/>
+          </a:bodyPr>
           <a:lstStyle/>
           <a:p>
             <a:pPr marL="36900" indent="0" algn="ctr">
               <a:buNone/>
             </a:pPr>
             <a:r>
-              <a:rPr lang="en-US" b="1" dirty="0"/>
+              <a:rPr lang="en-US" sz="1800" b="1" dirty="0"/>
               <a:t>Decision Trees </a:t>
             </a:r>
           </a:p>
@@ -7913,7 +8290,7 @@
               <a:buAutoNum type="arabicPeriod"/>
             </a:pPr>
             <a:r>
-              <a:rPr lang="en-US" dirty="0"/>
+              <a:rPr lang="en-US" sz="1800" dirty="0"/>
               <a:t>Highly sensitive to training data</a:t>
             </a:r>
           </a:p>
@@ -7923,7 +8300,7 @@
               <a:buAutoNum type="arabicPeriod"/>
             </a:pPr>
             <a:r>
-              <a:rPr lang="en-US" dirty="0"/>
+              <a:rPr lang="en-US" sz="1800" dirty="0"/>
               <a:t>Prone to changing significantly with dataset variations</a:t>
             </a:r>
           </a:p>
@@ -7933,7 +8310,7 @@
               <a:buAutoNum type="arabicPeriod"/>
             </a:pPr>
             <a:r>
-              <a:rPr lang="en-US" dirty="0"/>
+              <a:rPr lang="en-US" sz="1800" dirty="0"/>
               <a:t>Difficulty in generalizing due to sensitivity</a:t>
             </a:r>
           </a:p>
@@ -7957,8 +8334,8 @@
         </p:nvSpPr>
         <p:spPr>
           <a:xfrm>
-            <a:off x="6411673" y="1732449"/>
-            <a:ext cx="4525502" cy="4058751"/>
+            <a:off x="6137400" y="2208451"/>
+            <a:ext cx="4698833" cy="3247511"/>
           </a:xfrm>
         </p:spPr>
         <p:txBody>
@@ -7971,7 +8348,7 @@
               <a:buNone/>
             </a:pPr>
             <a:r>
-              <a:rPr lang="en-US" b="1" dirty="0"/>
+              <a:rPr lang="en-US" sz="1800" b="1" dirty="0"/>
               <a:t>Random Forest </a:t>
             </a:r>
           </a:p>
@@ -7981,7 +8358,7 @@
               <a:buAutoNum type="arabicPeriod"/>
             </a:pPr>
             <a:r>
-              <a:rPr lang="en-US" dirty="0"/>
+              <a:rPr lang="en-US" sz="1800" dirty="0"/>
               <a:t>Less sensitive to training data.</a:t>
             </a:r>
           </a:p>
@@ -7991,7 +8368,7 @@
               <a:buAutoNum type="arabicPeriod"/>
             </a:pPr>
             <a:r>
-              <a:rPr lang="en-US" dirty="0"/>
+              <a:rPr lang="en-US" sz="1800" dirty="0"/>
               <a:t>Utilizes bootstrapping for stability.</a:t>
             </a:r>
           </a:p>
@@ -8001,9 +8378,149 @@
               <a:buAutoNum type="arabicPeriod"/>
             </a:pPr>
             <a:r>
-              <a:rPr lang="en-US" dirty="0"/>
+              <a:rPr lang="en-US" sz="1800" dirty="0"/>
               <a:t>Enhanced generalization capability compared to decision trees.</a:t>
             </a:r>
+          </a:p>
+        </p:txBody>
+      </p:sp>
+      <p:sp>
+        <p:nvSpPr>
+          <p:cNvPr id="5" name="Title 1">
+            <a:extLst>
+              <a:ext uri="{FF2B5EF4-FFF2-40B4-BE49-F238E27FC236}">
+                <a16:creationId xmlns:a16="http://schemas.microsoft.com/office/drawing/2014/main" id="{845564E0-FDF2-4437-943F-3A3704174EBD}"/>
+              </a:ext>
+            </a:extLst>
+          </p:cNvPr>
+          <p:cNvSpPr txBox="1">
+            <a:spLocks/>
+          </p:cNvSpPr>
+          <p:nvPr/>
+        </p:nvSpPr>
+        <p:spPr>
+          <a:xfrm>
+            <a:off x="1155113" y="1797806"/>
+            <a:ext cx="9798975" cy="686074"/>
+          </a:xfrm>
+          <a:prstGeom prst="rect">
+            <a:avLst/>
+          </a:prstGeom>
+          <a:effectLst>
+            <a:outerShdw blurRad="25400" dir="17880000">
+              <a:srgbClr val="000000">
+                <a:alpha val="46000"/>
+              </a:srgbClr>
+            </a:outerShdw>
+          </a:effectLst>
+        </p:spPr>
+        <p:txBody>
+          <a:bodyPr vert="horz" lIns="91440" tIns="45720" rIns="91440" bIns="45720" rtlCol="0" anchor="ctr">
+            <a:noAutofit/>
+          </a:bodyPr>
+          <a:lstStyle>
+            <a:lvl1pPr algn="ctr" defTabSz="457200" rtl="0" eaLnBrk="1" latinLnBrk="0" hangingPunct="1">
+              <a:spcBef>
+                <a:spcPct val="0"/>
+              </a:spcBef>
+              <a:buNone/>
+              <a:defRPr sz="4000" kern="1200">
+                <a:ln>
+                  <a:solidFill>
+                    <a:schemeClr val="bg1">
+                      <a:lumMod val="75000"/>
+                      <a:lumOff val="25000"/>
+                      <a:alpha val="10000"/>
+                    </a:schemeClr>
+                  </a:solidFill>
+                </a:ln>
+                <a:solidFill>
+                  <a:schemeClr val="tx2"/>
+                </a:solidFill>
+                <a:effectLst>
+                  <a:outerShdw blurRad="9525" dist="25400" dir="14640000" algn="tl" rotWithShape="0">
+                    <a:schemeClr val="bg1">
+                      <a:alpha val="30000"/>
+                    </a:schemeClr>
+                  </a:outerShdw>
+                </a:effectLst>
+                <a:latin typeface="+mj-lt"/>
+                <a:ea typeface="+mj-ea"/>
+                <a:cs typeface="Trebuchet MS"/>
+              </a:defRPr>
+            </a:lvl1pPr>
+            <a:lvl2pPr eaLnBrk="1" hangingPunct="1">
+              <a:defRPr>
+                <a:solidFill>
+                  <a:schemeClr val="tx2"/>
+                </a:solidFill>
+              </a:defRPr>
+            </a:lvl2pPr>
+            <a:lvl3pPr eaLnBrk="1" hangingPunct="1">
+              <a:defRPr>
+                <a:solidFill>
+                  <a:schemeClr val="tx2"/>
+                </a:solidFill>
+              </a:defRPr>
+            </a:lvl3pPr>
+            <a:lvl4pPr eaLnBrk="1" hangingPunct="1">
+              <a:defRPr>
+                <a:solidFill>
+                  <a:schemeClr val="tx2"/>
+                </a:solidFill>
+              </a:defRPr>
+            </a:lvl4pPr>
+            <a:lvl5pPr eaLnBrk="1" hangingPunct="1">
+              <a:defRPr>
+                <a:solidFill>
+                  <a:schemeClr val="tx2"/>
+                </a:solidFill>
+              </a:defRPr>
+            </a:lvl5pPr>
+            <a:lvl6pPr eaLnBrk="1" hangingPunct="1">
+              <a:defRPr>
+                <a:solidFill>
+                  <a:schemeClr val="tx2"/>
+                </a:solidFill>
+              </a:defRPr>
+            </a:lvl6pPr>
+            <a:lvl7pPr eaLnBrk="1" hangingPunct="1">
+              <a:defRPr>
+                <a:solidFill>
+                  <a:schemeClr val="tx2"/>
+                </a:solidFill>
+              </a:defRPr>
+            </a:lvl7pPr>
+            <a:lvl8pPr eaLnBrk="1" hangingPunct="1">
+              <a:defRPr>
+                <a:solidFill>
+                  <a:schemeClr val="tx2"/>
+                </a:solidFill>
+              </a:defRPr>
+            </a:lvl8pPr>
+            <a:lvl9pPr eaLnBrk="1" hangingPunct="1">
+              <a:defRPr>
+                <a:solidFill>
+                  <a:schemeClr val="tx2"/>
+                </a:solidFill>
+              </a:defRPr>
+            </a:lvl9pPr>
+          </a:lstStyle>
+          <a:p>
+            <a:pPr marL="285750" indent="-285750">
+              <a:buFont typeface="Wingdings" panose="05000000000000000000" pitchFamily="2" charset="2"/>
+              <a:buChar char="v"/>
+            </a:pPr>
+            <a:r>
+              <a:rPr lang="en-US" sz="1800" dirty="0">
+                <a:effectLst/>
+                <a:latin typeface="+mn-lt"/>
+              </a:rPr>
+              <a:t>Random forest is generally considered to be less prone to overfitting compared decision trees.</a:t>
+            </a:r>
+            <a:endParaRPr lang="en-US" sz="1800" dirty="0">
+              <a:latin typeface="+mn-lt"/>
+            </a:endParaRPr>
           </a:p>
         </p:txBody>
       </p:sp>

--- a/random_forest.pptx
+++ b/random_forest.pptx
@@ -5,7 +5,7 @@
     <p:sldMasterId id="2147483690" r:id="rId1"/>
   </p:sldMasterIdLst>
   <p:notesMasterIdLst>
-    <p:notesMasterId r:id="rId11"/>
+    <p:notesMasterId r:id="rId14"/>
   </p:notesMasterIdLst>
   <p:sldIdLst>
     <p:sldId id="256" r:id="rId2"/>
@@ -16,7 +16,10 @@
     <p:sldId id="261" r:id="rId7"/>
     <p:sldId id="264" r:id="rId8"/>
     <p:sldId id="265" r:id="rId9"/>
-    <p:sldId id="260" r:id="rId10"/>
+    <p:sldId id="266" r:id="rId10"/>
+    <p:sldId id="267" r:id="rId11"/>
+    <p:sldId id="268" r:id="rId12"/>
+    <p:sldId id="260" r:id="rId13"/>
   </p:sldIdLst>
   <p:sldSz cx="12192000" cy="6858000"/>
   <p:notesSz cx="6858000" cy="9144000"/>
@@ -205,7 +208,7 @@
           <a:p>
             <a:fld id="{207EA431-1AE3-40AA-B3EA-14C877F26A63}" type="datetimeFigureOut">
               <a:rPr lang="en-US" smtClean="0"/>
-              <a:t>3/27/2024</a:t>
+              <a:t>3/28/2024</a:t>
             </a:fld>
             <a:endParaRPr lang="en-US"/>
           </a:p>
@@ -741,7 +744,7 @@
           <a:p>
             <a:fld id="{2C219488-A93D-47F5-9A96-0F5B8B74697B}" type="datetimeFigureOut">
               <a:rPr lang="en-US" smtClean="0"/>
-              <a:t>3/27/2024</a:t>
+              <a:t>3/28/2024</a:t>
             </a:fld>
             <a:endParaRPr lang="en-US"/>
           </a:p>
@@ -1039,7 +1042,7 @@
           <a:p>
             <a:fld id="{2C219488-A93D-47F5-9A96-0F5B8B74697B}" type="datetimeFigureOut">
               <a:rPr lang="en-US" smtClean="0"/>
-              <a:t>3/27/2024</a:t>
+              <a:t>3/28/2024</a:t>
             </a:fld>
             <a:endParaRPr lang="en-US"/>
           </a:p>
@@ -1231,7 +1234,7 @@
           <a:p>
             <a:fld id="{2C219488-A93D-47F5-9A96-0F5B8B74697B}" type="datetimeFigureOut">
               <a:rPr lang="en-US" smtClean="0"/>
-              <a:t>3/27/2024</a:t>
+              <a:t>3/28/2024</a:t>
             </a:fld>
             <a:endParaRPr lang="en-US"/>
           </a:p>
@@ -1492,7 +1495,7 @@
           <a:p>
             <a:fld id="{2C219488-A93D-47F5-9A96-0F5B8B74697B}" type="datetimeFigureOut">
               <a:rPr lang="en-US" smtClean="0"/>
-              <a:t>3/27/2024</a:t>
+              <a:t>3/28/2024</a:t>
             </a:fld>
             <a:endParaRPr lang="en-US"/>
           </a:p>
@@ -1916,7 +1919,7 @@
           <a:p>
             <a:fld id="{2C219488-A93D-47F5-9A96-0F5B8B74697B}" type="datetimeFigureOut">
               <a:rPr lang="en-US" smtClean="0"/>
-              <a:t>3/27/2024</a:t>
+              <a:t>3/28/2024</a:t>
             </a:fld>
             <a:endParaRPr lang="en-US"/>
           </a:p>
@@ -2453,7 +2456,7 @@
           <a:p>
             <a:fld id="{2C219488-A93D-47F5-9A96-0F5B8B74697B}" type="datetimeFigureOut">
               <a:rPr lang="en-US" smtClean="0"/>
-              <a:t>3/27/2024</a:t>
+              <a:t>3/28/2024</a:t>
             </a:fld>
             <a:endParaRPr lang="en-US"/>
           </a:p>
@@ -3317,7 +3320,7 @@
           <a:p>
             <a:fld id="{2C219488-A93D-47F5-9A96-0F5B8B74697B}" type="datetimeFigureOut">
               <a:rPr lang="en-US" smtClean="0"/>
-              <a:t>3/27/2024</a:t>
+              <a:t>3/28/2024</a:t>
             </a:fld>
             <a:endParaRPr lang="en-US"/>
           </a:p>
@@ -3487,7 +3490,7 @@
           <a:p>
             <a:fld id="{2C219488-A93D-47F5-9A96-0F5B8B74697B}" type="datetimeFigureOut">
               <a:rPr lang="en-US" smtClean="0"/>
-              <a:t>3/27/2024</a:t>
+              <a:t>3/28/2024</a:t>
             </a:fld>
             <a:endParaRPr lang="en-US"/>
           </a:p>
@@ -3671,7 +3674,7 @@
           <a:p>
             <a:fld id="{2C219488-A93D-47F5-9A96-0F5B8B74697B}" type="datetimeFigureOut">
               <a:rPr lang="en-US" smtClean="0"/>
-              <a:t>3/27/2024</a:t>
+              <a:t>3/28/2024</a:t>
             </a:fld>
             <a:endParaRPr lang="en-US"/>
           </a:p>
@@ -3841,7 +3844,7 @@
           <a:p>
             <a:fld id="{2C219488-A93D-47F5-9A96-0F5B8B74697B}" type="datetimeFigureOut">
               <a:rPr lang="en-US" smtClean="0"/>
-              <a:t>3/27/2024</a:t>
+              <a:t>3/28/2024</a:t>
             </a:fld>
             <a:endParaRPr lang="en-US"/>
           </a:p>
@@ -4085,7 +4088,7 @@
           <a:p>
             <a:fld id="{2C219488-A93D-47F5-9A96-0F5B8B74697B}" type="datetimeFigureOut">
               <a:rPr lang="en-US" smtClean="0"/>
-              <a:t>3/27/2024</a:t>
+              <a:t>3/28/2024</a:t>
             </a:fld>
             <a:endParaRPr lang="en-US"/>
           </a:p>
@@ -4321,7 +4324,7 @@
           <a:p>
             <a:fld id="{2C219488-A93D-47F5-9A96-0F5B8B74697B}" type="datetimeFigureOut">
               <a:rPr lang="en-US" smtClean="0"/>
-              <a:t>3/27/2024</a:t>
+              <a:t>3/28/2024</a:t>
             </a:fld>
             <a:endParaRPr lang="en-US"/>
           </a:p>
@@ -4787,7 +4790,7 @@
           <a:p>
             <a:fld id="{2C219488-A93D-47F5-9A96-0F5B8B74697B}" type="datetimeFigureOut">
               <a:rPr lang="en-US" smtClean="0"/>
-              <a:t>3/27/2024</a:t>
+              <a:t>3/28/2024</a:t>
             </a:fld>
             <a:endParaRPr lang="en-US"/>
           </a:p>
@@ -4905,7 +4908,7 @@
           <a:p>
             <a:fld id="{2C219488-A93D-47F5-9A96-0F5B8B74697B}" type="datetimeFigureOut">
               <a:rPr lang="en-US" smtClean="0"/>
-              <a:t>3/27/2024</a:t>
+              <a:t>3/28/2024</a:t>
             </a:fld>
             <a:endParaRPr lang="en-US"/>
           </a:p>
@@ -5000,7 +5003,7 @@
           <a:p>
             <a:fld id="{2C219488-A93D-47F5-9A96-0F5B8B74697B}" type="datetimeFigureOut">
               <a:rPr lang="en-US" smtClean="0"/>
-              <a:t>3/27/2024</a:t>
+              <a:t>3/28/2024</a:t>
             </a:fld>
             <a:endParaRPr lang="en-US"/>
           </a:p>
@@ -5255,7 +5258,7 @@
           <a:p>
             <a:fld id="{2C219488-A93D-47F5-9A96-0F5B8B74697B}" type="datetimeFigureOut">
               <a:rPr lang="en-US" smtClean="0"/>
-              <a:t>3/27/2024</a:t>
+              <a:t>3/28/2024</a:t>
             </a:fld>
             <a:endParaRPr lang="en-US"/>
           </a:p>
@@ -5555,7 +5558,7 @@
           <a:p>
             <a:fld id="{2C219488-A93D-47F5-9A96-0F5B8B74697B}" type="datetimeFigureOut">
               <a:rPr lang="en-US" smtClean="0"/>
-              <a:t>3/27/2024</a:t>
+              <a:t>3/28/2024</a:t>
             </a:fld>
             <a:endParaRPr lang="en-US"/>
           </a:p>
@@ -5789,7 +5792,7 @@
           <a:p>
             <a:fld id="{2C219488-A93D-47F5-9A96-0F5B8B74697B}" type="datetimeFigureOut">
               <a:rPr lang="en-US" smtClean="0"/>
-              <a:t>3/27/2024</a:t>
+              <a:t>3/28/2024</a:t>
             </a:fld>
             <a:endParaRPr lang="en-US"/>
           </a:p>
@@ -6532,6 +6535,821 @@
 </p:sld>
 </file>
 
+<file path=ppt/slides/slide10.xml><?xml version="1.0" encoding="utf-8"?>
+<p:sld xmlns:a="http://schemas.openxmlformats.org/drawingml/2006/main" xmlns:r="http://schemas.openxmlformats.org/officeDocument/2006/relationships" xmlns:p="http://schemas.openxmlformats.org/presentationml/2006/main">
+  <p:cSld>
+    <p:spTree>
+      <p:nvGrpSpPr>
+        <p:cNvPr id="1" name=""/>
+        <p:cNvGrpSpPr/>
+        <p:nvPr/>
+      </p:nvGrpSpPr>
+      <p:grpSpPr>
+        <a:xfrm>
+          <a:off x="0" y="0"/>
+          <a:ext cx="0" cy="0"/>
+          <a:chOff x="0" y="0"/>
+          <a:chExt cx="0" cy="0"/>
+        </a:xfrm>
+      </p:grpSpPr>
+      <p:sp>
+        <p:nvSpPr>
+          <p:cNvPr id="2" name="Title 1">
+            <a:extLst>
+              <a:ext uri="{FF2B5EF4-FFF2-40B4-BE49-F238E27FC236}">
+                <a16:creationId xmlns:a16="http://schemas.microsoft.com/office/drawing/2014/main" id="{125418C7-BD86-4A06-A377-34D71833F18F}"/>
+              </a:ext>
+            </a:extLst>
+          </p:cNvPr>
+          <p:cNvSpPr>
+            <a:spLocks noGrp="1"/>
+          </p:cNvSpPr>
+          <p:nvPr>
+            <p:ph type="title"/>
+          </p:nvPr>
+        </p:nvSpPr>
+        <p:spPr/>
+        <p:txBody>
+          <a:bodyPr/>
+          <a:lstStyle/>
+          <a:p>
+            <a:r>
+              <a:rPr lang="en-US" dirty="0"/>
+              <a:t>Feature importance</a:t>
+            </a:r>
+          </a:p>
+        </p:txBody>
+      </p:sp>
+      <p:pic>
+        <p:nvPicPr>
+          <p:cNvPr id="5" name="Content Placeholder 4">
+            <a:extLst>
+              <a:ext uri="{FF2B5EF4-FFF2-40B4-BE49-F238E27FC236}">
+                <a16:creationId xmlns:a16="http://schemas.microsoft.com/office/drawing/2014/main" id="{A151FC35-03C8-4D07-B667-0941C8E8811A}"/>
+              </a:ext>
+            </a:extLst>
+          </p:cNvPr>
+          <p:cNvPicPr>
+            <a:picLocks noGrp="1" noChangeAspect="1"/>
+          </p:cNvPicPr>
+          <p:nvPr>
+            <p:ph idx="1"/>
+          </p:nvPr>
+        </p:nvPicPr>
+        <p:blipFill>
+          <a:blip r:embed="rId2"/>
+          <a:stretch>
+            <a:fillRect/>
+          </a:stretch>
+        </p:blipFill>
+        <p:spPr>
+          <a:xfrm>
+            <a:off x="5707196" y="1714150"/>
+            <a:ext cx="5435084" cy="4059237"/>
+          </a:xfrm>
+        </p:spPr>
+      </p:pic>
+    </p:spTree>
+    <p:extLst>
+      <p:ext uri="{BB962C8B-B14F-4D97-AF65-F5344CB8AC3E}">
+        <p14:creationId xmlns:p14="http://schemas.microsoft.com/office/powerpoint/2010/main" val="1564815030"/>
+      </p:ext>
+    </p:extLst>
+  </p:cSld>
+  <p:clrMapOvr>
+    <a:masterClrMapping/>
+  </p:clrMapOvr>
+</p:sld>
+</file>
+
+<file path=ppt/slides/slide11.xml><?xml version="1.0" encoding="utf-8"?>
+<p:sld xmlns:a="http://schemas.openxmlformats.org/drawingml/2006/main" xmlns:r="http://schemas.openxmlformats.org/officeDocument/2006/relationships" xmlns:p="http://schemas.openxmlformats.org/presentationml/2006/main">
+  <p:cSld>
+    <p:spTree>
+      <p:nvGrpSpPr>
+        <p:cNvPr id="1" name=""/>
+        <p:cNvGrpSpPr/>
+        <p:nvPr/>
+      </p:nvGrpSpPr>
+      <p:grpSpPr>
+        <a:xfrm>
+          <a:off x="0" y="0"/>
+          <a:ext cx="0" cy="0"/>
+          <a:chOff x="0" y="0"/>
+          <a:chExt cx="0" cy="0"/>
+        </a:xfrm>
+      </p:grpSpPr>
+      <p:sp>
+        <p:nvSpPr>
+          <p:cNvPr id="2" name="Title 1">
+            <a:extLst>
+              <a:ext uri="{FF2B5EF4-FFF2-40B4-BE49-F238E27FC236}">
+                <a16:creationId xmlns:a16="http://schemas.microsoft.com/office/drawing/2014/main" id="{B9CED991-CC03-4286-B4F2-CC1C8B701CC0}"/>
+              </a:ext>
+            </a:extLst>
+          </p:cNvPr>
+          <p:cNvSpPr>
+            <a:spLocks noGrp="1"/>
+          </p:cNvSpPr>
+          <p:nvPr>
+            <p:ph type="title"/>
+          </p:nvPr>
+        </p:nvSpPr>
+        <p:spPr/>
+        <p:txBody>
+          <a:bodyPr/>
+          <a:lstStyle/>
+          <a:p>
+            <a:endParaRPr lang="en-US"/>
+          </a:p>
+        </p:txBody>
+      </p:sp>
+      <p:sp>
+        <p:nvSpPr>
+          <p:cNvPr id="3" name="Content Placeholder 2">
+            <a:extLst>
+              <a:ext uri="{FF2B5EF4-FFF2-40B4-BE49-F238E27FC236}">
+                <a16:creationId xmlns:a16="http://schemas.microsoft.com/office/drawing/2014/main" id="{B4A0EAAA-5E68-41C6-98CD-C707BB9DA20C}"/>
+              </a:ext>
+            </a:extLst>
+          </p:cNvPr>
+          <p:cNvSpPr>
+            <a:spLocks noGrp="1"/>
+          </p:cNvSpPr>
+          <p:nvPr>
+            <p:ph idx="1"/>
+          </p:nvPr>
+        </p:nvSpPr>
+        <p:spPr/>
+        <p:txBody>
+          <a:bodyPr/>
+          <a:lstStyle/>
+          <a:p>
+            <a:endParaRPr lang="en-US"/>
+          </a:p>
+        </p:txBody>
+      </p:sp>
+    </p:spTree>
+    <p:extLst>
+      <p:ext uri="{BB962C8B-B14F-4D97-AF65-F5344CB8AC3E}">
+        <p14:creationId xmlns:p14="http://schemas.microsoft.com/office/powerpoint/2010/main" val="1736731372"/>
+      </p:ext>
+    </p:extLst>
+  </p:cSld>
+  <p:clrMapOvr>
+    <a:masterClrMapping/>
+  </p:clrMapOvr>
+</p:sld>
+</file>
+
+<file path=ppt/slides/slide12.xml><?xml version="1.0" encoding="utf-8"?>
+<p:sld xmlns:a="http://schemas.openxmlformats.org/drawingml/2006/main" xmlns:r="http://schemas.openxmlformats.org/officeDocument/2006/relationships" xmlns:p="http://schemas.openxmlformats.org/presentationml/2006/main">
+  <p:cSld>
+    <p:spTree>
+      <p:nvGrpSpPr>
+        <p:cNvPr id="1" name=""/>
+        <p:cNvGrpSpPr/>
+        <p:nvPr/>
+      </p:nvGrpSpPr>
+      <p:grpSpPr>
+        <a:xfrm>
+          <a:off x="0" y="0"/>
+          <a:ext cx="0" cy="0"/>
+          <a:chOff x="0" y="0"/>
+          <a:chExt cx="0" cy="0"/>
+        </a:xfrm>
+      </p:grpSpPr>
+      <p:sp>
+        <p:nvSpPr>
+          <p:cNvPr id="5" name="Title 4">
+            <a:extLst>
+              <a:ext uri="{FF2B5EF4-FFF2-40B4-BE49-F238E27FC236}">
+                <a16:creationId xmlns:a16="http://schemas.microsoft.com/office/drawing/2014/main" id="{FBC0B814-C746-4422-ABF8-3BB0E4BA48F0}"/>
+              </a:ext>
+            </a:extLst>
+          </p:cNvPr>
+          <p:cNvSpPr>
+            <a:spLocks noGrp="1"/>
+          </p:cNvSpPr>
+          <p:nvPr>
+            <p:ph type="title"/>
+          </p:nvPr>
+        </p:nvSpPr>
+        <p:spPr/>
+        <p:txBody>
+          <a:bodyPr/>
+          <a:lstStyle/>
+          <a:p>
+            <a:r>
+              <a:rPr lang="en-US" dirty="0"/>
+              <a:t>Summary</a:t>
+            </a:r>
+          </a:p>
+        </p:txBody>
+      </p:sp>
+      <p:sp>
+        <p:nvSpPr>
+          <p:cNvPr id="7" name="Rectangle 1">
+            <a:extLst>
+              <a:ext uri="{FF2B5EF4-FFF2-40B4-BE49-F238E27FC236}">
+                <a16:creationId xmlns:a16="http://schemas.microsoft.com/office/drawing/2014/main" id="{B3E4B217-C0AE-4D0F-99DB-20D3CA634889}"/>
+              </a:ext>
+            </a:extLst>
+          </p:cNvPr>
+          <p:cNvSpPr>
+            <a:spLocks noGrp="1" noChangeArrowheads="1"/>
+          </p:cNvSpPr>
+          <p:nvPr>
+            <p:ph idx="1"/>
+          </p:nvPr>
+        </p:nvSpPr>
+        <p:spPr bwMode="auto">
+          <a:xfrm>
+            <a:off x="272502" y="1485984"/>
+            <a:ext cx="10995055" cy="4200465"/>
+          </a:xfrm>
+          <a:prstGeom prst="rect">
+            <a:avLst/>
+          </a:prstGeom>
+          <a:noFill/>
+          <a:ln>
+            <a:noFill/>
+          </a:ln>
+          <a:effectLst/>
+          <a:extLst>
+            <a:ext uri="{909E8E84-426E-40DD-AFC4-6F175D3DCCD1}">
+              <a14:hiddenFill xmlns:a14="http://schemas.microsoft.com/office/drawing/2010/main">
+                <a:solidFill>
+                  <a:schemeClr val="accent1"/>
+                </a:solidFill>
+              </a14:hiddenFill>
+            </a:ext>
+            <a:ext uri="{91240B29-F687-4F45-9708-019B960494DF}">
+              <a14:hiddenLine xmlns:a14="http://schemas.microsoft.com/office/drawing/2010/main" w="9525">
+                <a:solidFill>
+                  <a:schemeClr val="tx1"/>
+                </a:solidFill>
+                <a:miter lim="800000"/>
+                <a:headEnd/>
+                <a:tailEnd/>
+              </a14:hiddenLine>
+            </a:ext>
+            <a:ext uri="{AF507438-7753-43E0-B8FC-AC1667EBCBE1}">
+              <a14:hiddenEffects xmlns:a14="http://schemas.microsoft.com/office/drawing/2010/main">
+                <a:effectLst>
+                  <a:outerShdw dist="35921" dir="2700000" algn="ctr" rotWithShape="0">
+                    <a:schemeClr val="bg2"/>
+                  </a:outerShdw>
+                </a:effectLst>
+              </a14:hiddenEffects>
+            </a:ext>
+          </a:extLst>
+        </p:spPr>
+        <p:txBody>
+          <a:bodyPr vert="horz" wrap="square" lIns="91440" tIns="68241" rIns="91440" bIns="68241" numCol="1" anchor="ctr" anchorCtr="0" compatLnSpc="1">
+            <a:prstTxWarp prst="textNoShape">
+              <a:avLst/>
+            </a:prstTxWarp>
+            <a:spAutoFit/>
+          </a:bodyPr>
+          <a:lstStyle/>
+          <a:p>
+            <a:pPr marL="0" marR="0" lvl="0" indent="0" defTabSz="914400" rtl="0" eaLnBrk="0" fontAlgn="base" latinLnBrk="0" hangingPunct="0">
+              <a:lnSpc>
+                <a:spcPct val="100000"/>
+              </a:lnSpc>
+              <a:spcBef>
+                <a:spcPct val="0"/>
+              </a:spcBef>
+              <a:spcAft>
+                <a:spcPct val="0"/>
+              </a:spcAft>
+              <a:buClrTx/>
+              <a:buSzTx/>
+              <a:buFontTx/>
+              <a:buNone/>
+              <a:tabLst/>
+            </a:pPr>
+            <a:endParaRPr kumimoji="0" lang="en-US" altLang="en-US" sz="3600" b="0" i="0" u="none" strike="noStrike" cap="none" normalizeH="0" baseline="0" dirty="0">
+              <a:ln>
+                <a:noFill/>
+              </a:ln>
+              <a:solidFill>
+                <a:schemeClr val="tx1">
+                  <a:lumMod val="85000"/>
+                </a:schemeClr>
+              </a:solidFill>
+              <a:effectLst/>
+              <a:latin typeface="Arial" panose="020B0604020202020204" pitchFamily="34" charset="0"/>
+            </a:endParaRPr>
+          </a:p>
+          <a:p>
+            <a:pPr marL="0" marR="0" lvl="0" indent="0" defTabSz="914400" rtl="0" eaLnBrk="0" fontAlgn="base" latinLnBrk="0" hangingPunct="0">
+              <a:lnSpc>
+                <a:spcPct val="100000"/>
+              </a:lnSpc>
+              <a:spcBef>
+                <a:spcPct val="0"/>
+              </a:spcBef>
+              <a:spcAft>
+                <a:spcPct val="0"/>
+              </a:spcAft>
+              <a:buClrTx/>
+              <a:buSzTx/>
+              <a:buFontTx/>
+              <a:buAutoNum type="arabicPeriod"/>
+              <a:tabLst/>
+            </a:pPr>
+            <a:r>
+              <a:rPr kumimoji="0" lang="en-US" altLang="en-US" sz="1600" b="0" i="0" u="none" strike="noStrike" cap="none" normalizeH="0" baseline="0" dirty="0">
+                <a:ln>
+                  <a:noFill/>
+                </a:ln>
+                <a:solidFill>
+                  <a:schemeClr val="tx1">
+                    <a:lumMod val="85000"/>
+                  </a:schemeClr>
+                </a:solidFill>
+                <a:effectLst/>
+                <a:latin typeface="Inter"/>
+              </a:rPr>
+              <a:t> In this project, I build a Random Forest Classifier to predict the safety of the car. I build two models, one with 100 decision-trees and another one with 1000 decision-trees.</a:t>
+            </a:r>
+          </a:p>
+          <a:p>
+            <a:pPr marL="0" marR="0" lvl="0" indent="0" defTabSz="914400" rtl="0" eaLnBrk="0" fontAlgn="base" latinLnBrk="0" hangingPunct="0">
+              <a:lnSpc>
+                <a:spcPct val="100000"/>
+              </a:lnSpc>
+              <a:spcBef>
+                <a:spcPct val="0"/>
+              </a:spcBef>
+              <a:spcAft>
+                <a:spcPct val="0"/>
+              </a:spcAft>
+              <a:buClrTx/>
+              <a:buSzTx/>
+              <a:buFontTx/>
+              <a:buAutoNum type="arabicPeriod" startAt="2"/>
+              <a:tabLst/>
+            </a:pPr>
+            <a:r>
+              <a:rPr kumimoji="0" lang="en-US" altLang="en-US" sz="1600" b="0" i="0" u="none" strike="noStrike" cap="none" normalizeH="0" baseline="0" dirty="0">
+                <a:ln>
+                  <a:noFill/>
+                </a:ln>
+                <a:solidFill>
+                  <a:schemeClr val="tx1">
+                    <a:lumMod val="85000"/>
+                  </a:schemeClr>
+                </a:solidFill>
+                <a:effectLst/>
+                <a:latin typeface="Inter"/>
+              </a:rPr>
+              <a:t>  he model accuracy score with 100 decision-trees is </a:t>
+            </a:r>
+            <a:r>
+              <a:rPr kumimoji="0" lang="en-US" altLang="en-US" sz="1600" b="0" i="0" u="none" strike="noStrike" cap="none" normalizeH="0" baseline="0" dirty="0">
+                <a:ln>
+                  <a:noFill/>
+                </a:ln>
+                <a:solidFill>
+                  <a:srgbClr val="FF0000"/>
+                </a:solidFill>
+                <a:effectLst/>
+                <a:latin typeface="Inter"/>
+              </a:rPr>
+              <a:t>0.9247 </a:t>
+            </a:r>
+            <a:r>
+              <a:rPr kumimoji="0" lang="en-US" altLang="en-US" sz="1600" b="0" i="0" u="none" strike="noStrike" cap="none" normalizeH="0" baseline="0" dirty="0">
+                <a:ln>
+                  <a:noFill/>
+                </a:ln>
+                <a:solidFill>
+                  <a:schemeClr val="tx1">
+                    <a:lumMod val="85000"/>
+                  </a:schemeClr>
+                </a:solidFill>
+                <a:effectLst/>
+                <a:latin typeface="Inter"/>
+              </a:rPr>
+              <a:t>but the same with 1000 decision-trees is </a:t>
+            </a:r>
+            <a:r>
+              <a:rPr kumimoji="0" lang="en-US" altLang="en-US" sz="1600" b="0" i="0" u="none" strike="noStrike" cap="none" normalizeH="0" baseline="0" dirty="0">
+                <a:ln>
+                  <a:noFill/>
+                </a:ln>
+                <a:solidFill>
+                  <a:srgbClr val="FF0000"/>
+                </a:solidFill>
+                <a:effectLst/>
+                <a:latin typeface="Inter"/>
+              </a:rPr>
+              <a:t>0.9457</a:t>
+            </a:r>
+            <a:r>
+              <a:rPr kumimoji="0" lang="en-US" altLang="en-US" sz="1600" b="0" i="0" u="none" strike="noStrike" cap="none" normalizeH="0" baseline="0" dirty="0">
+                <a:ln>
+                  <a:noFill/>
+                </a:ln>
+                <a:solidFill>
+                  <a:schemeClr val="tx1">
+                    <a:lumMod val="85000"/>
+                  </a:schemeClr>
+                </a:solidFill>
+                <a:effectLst/>
+                <a:latin typeface="Inter"/>
+              </a:rPr>
+              <a:t>. So, as expected accuracy increases with number of decision-trees in the model.</a:t>
+            </a:r>
+          </a:p>
+          <a:p>
+            <a:pPr marL="0" marR="0" lvl="0" indent="0" defTabSz="914400" rtl="0" eaLnBrk="0" fontAlgn="base" latinLnBrk="0" hangingPunct="0">
+              <a:lnSpc>
+                <a:spcPct val="100000"/>
+              </a:lnSpc>
+              <a:spcBef>
+                <a:spcPct val="0"/>
+              </a:spcBef>
+              <a:spcAft>
+                <a:spcPct val="0"/>
+              </a:spcAft>
+              <a:buClrTx/>
+              <a:buSzTx/>
+              <a:buFontTx/>
+              <a:buAutoNum type="arabicPeriod" startAt="3"/>
+              <a:tabLst/>
+            </a:pPr>
+            <a:r>
+              <a:rPr kumimoji="0" lang="en-US" altLang="en-US" sz="1600" b="0" i="0" u="none" strike="noStrike" cap="none" normalizeH="0" baseline="0" dirty="0">
+                <a:ln>
+                  <a:noFill/>
+                </a:ln>
+                <a:solidFill>
+                  <a:schemeClr val="tx1">
+                    <a:lumMod val="85000"/>
+                  </a:schemeClr>
+                </a:solidFill>
+                <a:effectLst/>
+                <a:latin typeface="Inter"/>
+              </a:rPr>
+              <a:t> I have used the Random Forest model to find only the important features, build the model using these features and see its effect on accuracy. The most important feature is </a:t>
+            </a:r>
+            <a:r>
+              <a:rPr kumimoji="0" lang="en-US" altLang="en-US" sz="1600" b="0" i="0" u="none" strike="noStrike" cap="none" normalizeH="0" baseline="0" dirty="0">
+                <a:ln>
+                  <a:noFill/>
+                </a:ln>
+                <a:solidFill>
+                  <a:schemeClr val="tx1">
+                    <a:lumMod val="85000"/>
+                  </a:schemeClr>
+                </a:solidFill>
+                <a:effectLst/>
+                <a:latin typeface="Roboto Mono"/>
+              </a:rPr>
+              <a:t>safety</a:t>
+            </a:r>
+            <a:r>
+              <a:rPr kumimoji="0" lang="en-US" altLang="en-US" sz="1600" b="0" i="0" u="none" strike="noStrike" cap="none" normalizeH="0" baseline="0" dirty="0">
+                <a:ln>
+                  <a:noFill/>
+                </a:ln>
+                <a:solidFill>
+                  <a:schemeClr val="tx1">
+                    <a:lumMod val="85000"/>
+                  </a:schemeClr>
+                </a:solidFill>
+                <a:effectLst/>
+                <a:latin typeface="Inter"/>
+              </a:rPr>
+              <a:t> and least important feature is </a:t>
+            </a:r>
+            <a:r>
+              <a:rPr kumimoji="0" lang="en-US" altLang="en-US" sz="1600" b="0" i="0" u="none" strike="noStrike" cap="none" normalizeH="0" baseline="0" dirty="0">
+                <a:ln>
+                  <a:noFill/>
+                </a:ln>
+                <a:solidFill>
+                  <a:schemeClr val="tx1">
+                    <a:lumMod val="85000"/>
+                  </a:schemeClr>
+                </a:solidFill>
+                <a:effectLst/>
+                <a:latin typeface="Roboto Mono"/>
+              </a:rPr>
+              <a:t>doors</a:t>
+            </a:r>
+            <a:r>
+              <a:rPr kumimoji="0" lang="en-US" altLang="en-US" sz="1600" b="0" i="0" u="none" strike="noStrike" cap="none" normalizeH="0" baseline="0" dirty="0">
+                <a:ln>
+                  <a:noFill/>
+                </a:ln>
+                <a:solidFill>
+                  <a:schemeClr val="tx1">
+                    <a:lumMod val="85000"/>
+                  </a:schemeClr>
+                </a:solidFill>
+                <a:effectLst/>
+                <a:latin typeface="Inter"/>
+              </a:rPr>
+              <a:t>.</a:t>
+            </a:r>
+          </a:p>
+          <a:p>
+            <a:pPr marL="0" marR="0" lvl="0" indent="0" defTabSz="914400" rtl="0" eaLnBrk="0" fontAlgn="base" latinLnBrk="0" hangingPunct="0">
+              <a:lnSpc>
+                <a:spcPct val="100000"/>
+              </a:lnSpc>
+              <a:spcBef>
+                <a:spcPct val="0"/>
+              </a:spcBef>
+              <a:spcAft>
+                <a:spcPct val="0"/>
+              </a:spcAft>
+              <a:buClrTx/>
+              <a:buSzTx/>
+              <a:buFontTx/>
+              <a:buAutoNum type="arabicPeriod" startAt="4"/>
+              <a:tabLst/>
+            </a:pPr>
+            <a:r>
+              <a:rPr kumimoji="0" lang="en-US" altLang="en-US" sz="1600" b="0" i="0" u="none" strike="noStrike" cap="none" normalizeH="0" baseline="0" dirty="0">
+                <a:ln>
+                  <a:noFill/>
+                </a:ln>
+                <a:solidFill>
+                  <a:schemeClr val="tx1">
+                    <a:lumMod val="85000"/>
+                  </a:schemeClr>
+                </a:solidFill>
+                <a:effectLst/>
+                <a:latin typeface="Inter"/>
+              </a:rPr>
+              <a:t> I have removed the </a:t>
+            </a:r>
+            <a:r>
+              <a:rPr kumimoji="0" lang="en-US" altLang="en-US" sz="1600" b="0" i="0" u="none" strike="noStrike" cap="none" normalizeH="0" baseline="0" dirty="0">
+                <a:ln>
+                  <a:noFill/>
+                </a:ln>
+                <a:solidFill>
+                  <a:schemeClr val="tx1">
+                    <a:lumMod val="85000"/>
+                  </a:schemeClr>
+                </a:solidFill>
+                <a:effectLst/>
+                <a:latin typeface="Roboto Mono"/>
+              </a:rPr>
+              <a:t>doors</a:t>
+            </a:r>
+            <a:r>
+              <a:rPr kumimoji="0" lang="en-US" altLang="en-US" sz="1600" b="0" i="0" u="none" strike="noStrike" cap="none" normalizeH="0" baseline="0" dirty="0">
+                <a:ln>
+                  <a:noFill/>
+                </a:ln>
+                <a:solidFill>
+                  <a:schemeClr val="tx1">
+                    <a:lumMod val="85000"/>
+                  </a:schemeClr>
+                </a:solidFill>
+                <a:effectLst/>
+                <a:latin typeface="Inter"/>
+              </a:rPr>
+              <a:t> variable from the model, rebuild it and checked its accuracy. The accuracy of the model with </a:t>
+            </a:r>
+            <a:r>
+              <a:rPr kumimoji="0" lang="en-US" altLang="en-US" sz="1600" b="0" i="0" u="none" strike="noStrike" cap="none" normalizeH="0" baseline="0" dirty="0">
+                <a:ln>
+                  <a:noFill/>
+                </a:ln>
+                <a:solidFill>
+                  <a:schemeClr val="tx1">
+                    <a:lumMod val="85000"/>
+                  </a:schemeClr>
+                </a:solidFill>
+                <a:effectLst/>
+                <a:latin typeface="Roboto Mono"/>
+              </a:rPr>
+              <a:t>doors</a:t>
+            </a:r>
+            <a:r>
+              <a:rPr kumimoji="0" lang="en-US" altLang="en-US" sz="1600" b="0" i="0" u="none" strike="noStrike" cap="none" normalizeH="0" baseline="0" dirty="0">
+                <a:ln>
+                  <a:noFill/>
+                </a:ln>
+                <a:solidFill>
+                  <a:schemeClr val="tx1">
+                    <a:lumMod val="85000"/>
+                  </a:schemeClr>
+                </a:solidFill>
+                <a:effectLst/>
+                <a:latin typeface="Inter"/>
+              </a:rPr>
+              <a:t> variable removed is </a:t>
+            </a:r>
+            <a:r>
+              <a:rPr kumimoji="0" lang="en-US" altLang="en-US" sz="1600" b="0" i="0" u="none" strike="noStrike" cap="none" normalizeH="0" baseline="0" dirty="0">
+                <a:ln>
+                  <a:noFill/>
+                </a:ln>
+                <a:solidFill>
+                  <a:srgbClr val="FF0000"/>
+                </a:solidFill>
+                <a:effectLst/>
+                <a:latin typeface="Inter"/>
+              </a:rPr>
+              <a:t>0.9264</a:t>
+            </a:r>
+            <a:r>
+              <a:rPr kumimoji="0" lang="en-US" altLang="en-US" sz="1600" b="0" i="0" u="none" strike="noStrike" cap="none" normalizeH="0" baseline="0" dirty="0">
+                <a:ln>
+                  <a:noFill/>
+                </a:ln>
+                <a:solidFill>
+                  <a:schemeClr val="tx1">
+                    <a:lumMod val="85000"/>
+                  </a:schemeClr>
+                </a:solidFill>
+                <a:effectLst/>
+                <a:latin typeface="Inter"/>
+              </a:rPr>
+              <a:t>. The accuracy of the model with all the variables taken into account is 0.9247. So, we can see that the model accuracy has been improved with </a:t>
+            </a:r>
+            <a:r>
+              <a:rPr kumimoji="0" lang="en-US" altLang="en-US" sz="1600" b="0" i="0" u="none" strike="noStrike" cap="none" normalizeH="0" baseline="0" dirty="0">
+                <a:ln>
+                  <a:noFill/>
+                </a:ln>
+                <a:solidFill>
+                  <a:schemeClr val="tx1">
+                    <a:lumMod val="85000"/>
+                  </a:schemeClr>
+                </a:solidFill>
+                <a:effectLst/>
+                <a:latin typeface="Roboto Mono"/>
+              </a:rPr>
+              <a:t>doors</a:t>
+            </a:r>
+            <a:r>
+              <a:rPr kumimoji="0" lang="en-US" altLang="en-US" sz="1600" b="0" i="0" u="none" strike="noStrike" cap="none" normalizeH="0" baseline="0" dirty="0">
+                <a:ln>
+                  <a:noFill/>
+                </a:ln>
+                <a:solidFill>
+                  <a:schemeClr val="tx1">
+                    <a:lumMod val="85000"/>
+                  </a:schemeClr>
+                </a:solidFill>
+                <a:effectLst/>
+                <a:latin typeface="Inter"/>
+              </a:rPr>
+              <a:t> variable removed from the model.</a:t>
+            </a:r>
+          </a:p>
+          <a:p>
+            <a:pPr marL="0" marR="0" lvl="0" indent="0" defTabSz="914400" rtl="0" eaLnBrk="0" fontAlgn="base" latinLnBrk="0" hangingPunct="0">
+              <a:lnSpc>
+                <a:spcPct val="100000"/>
+              </a:lnSpc>
+              <a:spcBef>
+                <a:spcPct val="0"/>
+              </a:spcBef>
+              <a:spcAft>
+                <a:spcPct val="0"/>
+              </a:spcAft>
+              <a:buClrTx/>
+              <a:buSzTx/>
+              <a:buFontTx/>
+              <a:buAutoNum type="arabicPeriod" startAt="5"/>
+              <a:tabLst/>
+            </a:pPr>
+            <a:r>
+              <a:rPr kumimoji="0" lang="en-US" altLang="en-US" sz="1600" b="0" i="0" u="none" strike="noStrike" cap="none" normalizeH="0" baseline="0" dirty="0">
+                <a:ln>
+                  <a:noFill/>
+                </a:ln>
+                <a:solidFill>
+                  <a:schemeClr val="tx1">
+                    <a:lumMod val="85000"/>
+                  </a:schemeClr>
+                </a:solidFill>
+                <a:effectLst/>
+                <a:latin typeface="Inter"/>
+              </a:rPr>
+              <a:t> The second least important model is </a:t>
+            </a:r>
+            <a:r>
+              <a:rPr kumimoji="0" lang="en-US" altLang="en-US" sz="1600" b="0" i="0" u="none" strike="noStrike" cap="none" normalizeH="0" baseline="0" dirty="0" err="1">
+                <a:ln>
+                  <a:noFill/>
+                </a:ln>
+                <a:solidFill>
+                  <a:schemeClr val="tx1">
+                    <a:lumMod val="85000"/>
+                  </a:schemeClr>
+                </a:solidFill>
+                <a:effectLst/>
+                <a:latin typeface="Roboto Mono"/>
+              </a:rPr>
+              <a:t>lug_boot</a:t>
+            </a:r>
+            <a:r>
+              <a:rPr kumimoji="0" lang="en-US" altLang="en-US" sz="1600" b="0" i="0" u="none" strike="noStrike" cap="none" normalizeH="0" baseline="0" dirty="0">
+                <a:ln>
+                  <a:noFill/>
+                </a:ln>
+                <a:solidFill>
+                  <a:schemeClr val="tx1">
+                    <a:lumMod val="85000"/>
+                  </a:schemeClr>
+                </a:solidFill>
+                <a:effectLst/>
+                <a:latin typeface="Inter"/>
+              </a:rPr>
+              <a:t>. If I remove it from the model and rebuild the model, then the accuracy was found to be 0.8546. It is a significant drop in the accuracy. So, I will not drop it from the model.</a:t>
+            </a:r>
+          </a:p>
+          <a:p>
+            <a:pPr marL="0" marR="0" lvl="0" indent="0" defTabSz="914400" rtl="0" eaLnBrk="0" fontAlgn="base" latinLnBrk="0" hangingPunct="0">
+              <a:lnSpc>
+                <a:spcPct val="100000"/>
+              </a:lnSpc>
+              <a:spcBef>
+                <a:spcPct val="0"/>
+              </a:spcBef>
+              <a:spcAft>
+                <a:spcPct val="0"/>
+              </a:spcAft>
+              <a:buClrTx/>
+              <a:buSzTx/>
+              <a:buFontTx/>
+              <a:buAutoNum type="arabicPeriod" startAt="6"/>
+              <a:tabLst/>
+            </a:pPr>
+            <a:r>
+              <a:rPr kumimoji="0" lang="en-US" altLang="en-US" sz="1600" b="0" i="0" u="none" strike="noStrike" cap="none" normalizeH="0" baseline="0" dirty="0">
+                <a:ln>
+                  <a:noFill/>
+                </a:ln>
+                <a:solidFill>
+                  <a:schemeClr val="tx1">
+                    <a:lumMod val="85000"/>
+                  </a:schemeClr>
+                </a:solidFill>
+                <a:effectLst/>
+                <a:latin typeface="Inter"/>
+              </a:rPr>
+              <a:t>Confusion matrix and classification report are another tool to visualize the model performance. They yield good performance.</a:t>
+            </a:r>
+          </a:p>
+          <a:p>
+            <a:pPr marL="0" marR="0" lvl="0" indent="0" defTabSz="914400" rtl="0" eaLnBrk="0" fontAlgn="base" latinLnBrk="0" hangingPunct="0">
+              <a:lnSpc>
+                <a:spcPct val="100000"/>
+              </a:lnSpc>
+              <a:spcBef>
+                <a:spcPct val="0"/>
+              </a:spcBef>
+              <a:spcAft>
+                <a:spcPct val="0"/>
+              </a:spcAft>
+              <a:buClrTx/>
+              <a:buSzTx/>
+              <a:buFontTx/>
+              <a:buNone/>
+              <a:tabLst/>
+            </a:pPr>
+            <a:endParaRPr kumimoji="0" lang="en-US" altLang="en-US" sz="3600" b="0" i="0" u="none" strike="noStrike" cap="none" normalizeH="0" baseline="0" dirty="0">
+              <a:ln>
+                <a:noFill/>
+              </a:ln>
+              <a:solidFill>
+                <a:schemeClr val="tx1">
+                  <a:lumMod val="85000"/>
+                </a:schemeClr>
+              </a:solidFill>
+              <a:effectLst/>
+              <a:latin typeface="Arial" panose="020B0604020202020204" pitchFamily="34" charset="0"/>
+            </a:endParaRPr>
+          </a:p>
+        </p:txBody>
+      </p:sp>
+    </p:spTree>
+    <p:extLst>
+      <p:ext uri="{BB962C8B-B14F-4D97-AF65-F5344CB8AC3E}">
+        <p14:creationId xmlns:p14="http://schemas.microsoft.com/office/powerpoint/2010/main" val="1986147644"/>
+      </p:ext>
+    </p:extLst>
+  </p:cSld>
+  <p:clrMapOvr>
+    <a:masterClrMapping/>
+  </p:clrMapOvr>
+</p:sld>
+</file>
+
 <file path=ppt/slides/slide2.xml><?xml version="1.0" encoding="utf-8"?>
 <p:sld xmlns:a="http://schemas.openxmlformats.org/drawingml/2006/main" xmlns:r="http://schemas.openxmlformats.org/officeDocument/2006/relationships" xmlns:p="http://schemas.openxmlformats.org/presentationml/2006/main">
   <p:cSld>
@@ -8932,59 +9750,16 @@
               </a:rPr>
               <a:t>: Random Forest begins by creating multiple subsets from the original dataset, with replacement, known as bootstrap aggregating, or bagging. Each subset is used to train a separate decision tree.</a:t>
             </a:r>
-          </a:p>
-          <a:p>
-            <a:pPr marL="342900" indent="-342900" algn="l">
-              <a:buFont typeface="+mj-lt"/>
-              <a:buAutoNum type="arabicPeriod"/>
-            </a:pPr>
-            <a:r>
-              <a:rPr lang="en-US" b="1" i="0" dirty="0">
+            <a:br>
+              <a:rPr lang="en-US" b="0" i="0" dirty="0">
                 <a:solidFill>
                   <a:srgbClr val="ECECEC"/>
                 </a:solidFill>
                 <a:effectLst/>
                 <a:latin typeface="Söhne"/>
               </a:rPr>
-              <a:t>Feature Randomness</a:t>
-            </a:r>
-            <a:r>
-              <a:rPr lang="en-US" b="0" i="0" dirty="0">
-                <a:solidFill>
-                  <a:srgbClr val="ECECEC"/>
-                </a:solidFill>
-                <a:effectLst/>
-                <a:latin typeface="Söhne"/>
-              </a:rPr>
-              <a:t>: When building each tree, Random Forest introduces additional randomness. At each split, it selects a random subset of features, rather than considering all features. This ensures that the trees are diverse and reduces correlation among them.</a:t>
-            </a:r>
-          </a:p>
-          <a:p>
-            <a:pPr marL="342900" indent="-342900" algn="l">
-              <a:buFont typeface="+mj-lt"/>
-              <a:buAutoNum type="arabicPeriod"/>
-            </a:pPr>
-            <a:r>
-              <a:rPr lang="en-US" b="1" i="0" dirty="0">
-                <a:solidFill>
-                  <a:srgbClr val="ECECEC"/>
-                </a:solidFill>
-                <a:effectLst/>
-                <a:latin typeface="Söhne"/>
-              </a:rPr>
-              <a:t>Building Trees</a:t>
-            </a:r>
-            <a:r>
-              <a:rPr lang="en-US" b="0" i="0" dirty="0">
-                <a:solidFill>
-                  <a:srgbClr val="ECECEC"/>
-                </a:solidFill>
-                <a:effectLst/>
-                <a:latin typeface="Söhne"/>
-              </a:rPr>
-              <a:t>: Each tree is grown to the largest extent possible without pruning, leading to fully grown, deep trees.</a:t>
-            </a:r>
-            <a:endParaRPr lang="en-US" dirty="0">
+            </a:br>
+            <a:endParaRPr lang="en-US" b="0" i="0" dirty="0">
               <a:solidFill>
                 <a:srgbClr val="ECECEC"/>
               </a:solidFill>
@@ -8993,30 +9768,54 @@
             </a:endParaRPr>
           </a:p>
           <a:p>
-            <a:pPr marL="342900" indent="-342900" algn="l">
-              <a:buFont typeface="+mj-lt"/>
-              <a:buAutoNum type="arabicPeriod"/>
-            </a:pPr>
-            <a:r>
-              <a:rPr lang="en-US" b="1" i="0" dirty="0">
+            <a:pPr algn="l"/>
+            <a:r>
+              <a:rPr lang="en-US" dirty="0">
                 <a:solidFill>
                   <a:srgbClr val="ECECEC"/>
                 </a:solidFill>
                 <a:effectLst/>
                 <a:latin typeface="Söhne"/>
               </a:rPr>
-              <a:t>Aggregation for Decision Making</a:t>
-            </a:r>
-            <a:r>
-              <a:rPr lang="en-US" b="0" i="0" dirty="0">
+              <a:t>	</a:t>
+            </a:r>
+            <a:r>
+              <a:rPr lang="en-US" b="1" i="0" dirty="0">
                 <a:solidFill>
                   <a:srgbClr val="ECECEC"/>
                 </a:solidFill>
                 <a:effectLst/>
                 <a:latin typeface="Söhne"/>
               </a:rPr>
-              <a:t>: For classification tasks, the mode of all the predictions from different trees is taken as the final prediction. For regression, the average prediction is considered.</a:t>
-            </a:r>
+              <a:t> Bootstrap + Aggregating 		</a:t>
+            </a:r>
+            <a:r>
+              <a:rPr lang="en-US" b="1" dirty="0">
+                <a:solidFill>
+                  <a:srgbClr val="ECECEC"/>
+                </a:solidFill>
+                <a:effectLst/>
+                <a:latin typeface="Söhne"/>
+              </a:rPr>
+              <a:t>		</a:t>
+            </a:r>
+            <a:r>
+              <a:rPr lang="en-US" b="1" i="0" dirty="0">
+                <a:solidFill>
+                  <a:srgbClr val="ECECEC"/>
+                </a:solidFill>
+                <a:effectLst/>
+                <a:latin typeface="Söhne"/>
+              </a:rPr>
+              <a:t>Bagging</a:t>
+            </a:r>
+            <a:endParaRPr lang="en-US" b="0" i="0" dirty="0">
+              <a:solidFill>
+                <a:srgbClr val="ECECEC"/>
+              </a:solidFill>
+              <a:effectLst/>
+              <a:latin typeface="Söhne"/>
+            </a:endParaRPr>
           </a:p>
           <a:p>
             <a:pPr marL="342900" indent="-342900" algn="l">
@@ -9036,6 +9835,104 @@
               <a:buFont typeface="+mj-lt"/>
               <a:buAutoNum type="arabicPeriod"/>
             </a:pPr>
+            <a:r>
+              <a:rPr lang="en-US" b="1" i="0" dirty="0">
+                <a:solidFill>
+                  <a:srgbClr val="ECECEC"/>
+                </a:solidFill>
+                <a:effectLst/>
+                <a:latin typeface="Söhne"/>
+              </a:rPr>
+              <a:t>Feature Randomness</a:t>
+            </a:r>
+            <a:r>
+              <a:rPr lang="en-US" b="0" i="0" dirty="0">
+                <a:solidFill>
+                  <a:srgbClr val="ECECEC"/>
+                </a:solidFill>
+                <a:effectLst/>
+                <a:latin typeface="Söhne"/>
+              </a:rPr>
+              <a:t>: When building each tree, Random Forest introduces additional randomness. At each split, it selects a random subset of features, rather than considering all features. This ensures that the trees are diverse and reduces correlation among them.</a:t>
+            </a:r>
+          </a:p>
+          <a:p>
+            <a:pPr marL="342900" indent="-342900" algn="l">
+              <a:buFont typeface="+mj-lt"/>
+              <a:buAutoNum type="arabicPeriod"/>
+            </a:pPr>
+            <a:r>
+              <a:rPr lang="en-US" b="1" i="0" dirty="0">
+                <a:solidFill>
+                  <a:srgbClr val="ECECEC"/>
+                </a:solidFill>
+                <a:effectLst/>
+                <a:latin typeface="Söhne"/>
+              </a:rPr>
+              <a:t>Building Trees</a:t>
+            </a:r>
+            <a:r>
+              <a:rPr lang="en-US" b="0" i="0" dirty="0">
+                <a:solidFill>
+                  <a:srgbClr val="ECECEC"/>
+                </a:solidFill>
+                <a:effectLst/>
+                <a:latin typeface="Söhne"/>
+              </a:rPr>
+              <a:t>: Each tree is grown to the largest extent possible without pruning, leading to fully grown, deep trees.</a:t>
+            </a:r>
+            <a:endParaRPr lang="en-US" dirty="0">
+              <a:solidFill>
+                <a:srgbClr val="ECECEC"/>
+              </a:solidFill>
+              <a:effectLst/>
+              <a:latin typeface="Söhne"/>
+            </a:endParaRPr>
+          </a:p>
+          <a:p>
+            <a:pPr marL="342900" indent="-342900" algn="l">
+              <a:buFont typeface="+mj-lt"/>
+              <a:buAutoNum type="arabicPeriod"/>
+            </a:pPr>
+            <a:r>
+              <a:rPr lang="en-US" b="1" i="0" dirty="0">
+                <a:solidFill>
+                  <a:srgbClr val="ECECEC"/>
+                </a:solidFill>
+                <a:effectLst/>
+                <a:latin typeface="Söhne"/>
+              </a:rPr>
+              <a:t>Aggregation for Decision Making</a:t>
+            </a:r>
+            <a:r>
+              <a:rPr lang="en-US" b="0" i="0" dirty="0">
+                <a:solidFill>
+                  <a:srgbClr val="ECECEC"/>
+                </a:solidFill>
+                <a:effectLst/>
+                <a:latin typeface="Söhne"/>
+              </a:rPr>
+              <a:t>: For classification tasks, the mode of all the predictions from different trees is taken as the final prediction. For regression, the average prediction is considered.</a:t>
+            </a:r>
+          </a:p>
+          <a:p>
+            <a:pPr marL="342900" indent="-342900" algn="l">
+              <a:buFont typeface="+mj-lt"/>
+              <a:buAutoNum type="arabicPeriod"/>
+            </a:pPr>
+            <a:endParaRPr lang="en-US" b="0" i="0" dirty="0">
+              <a:solidFill>
+                <a:srgbClr val="ECECEC"/>
+              </a:solidFill>
+              <a:effectLst/>
+              <a:latin typeface="Söhne"/>
+            </a:endParaRPr>
+          </a:p>
+          <a:p>
+            <a:pPr marL="342900" indent="-342900" algn="l">
+              <a:buFont typeface="+mj-lt"/>
+              <a:buAutoNum type="arabicPeriod"/>
+            </a:pPr>
             <a:endParaRPr lang="en-US" b="0" i="0" dirty="0">
               <a:solidFill>
                 <a:srgbClr val="ECECEC"/>
@@ -9066,6 +9963,48 @@
           </a:p>
         </p:txBody>
       </p:sp>
+      <p:cxnSp>
+        <p:nvCxnSpPr>
+          <p:cNvPr id="4" name="Straight Arrow Connector 3">
+            <a:extLst>
+              <a:ext uri="{FF2B5EF4-FFF2-40B4-BE49-F238E27FC236}">
+                <a16:creationId xmlns:a16="http://schemas.microsoft.com/office/drawing/2014/main" id="{929633C5-8D39-4312-A702-C6C7AC21B1CD}"/>
+              </a:ext>
+            </a:extLst>
+          </p:cNvPr>
+          <p:cNvCxnSpPr/>
+          <p:nvPr/>
+        </p:nvCxnSpPr>
+        <p:spPr>
+          <a:xfrm>
+            <a:off x="3746664" y="2968834"/>
+            <a:ext cx="1140031" cy="0"/>
+          </a:xfrm>
+          <a:prstGeom prst="straightConnector1">
+            <a:avLst/>
+          </a:prstGeom>
+          <a:ln>
+            <a:solidFill>
+              <a:schemeClr val="tx1"/>
+            </a:solidFill>
+            <a:tailEnd type="triangle"/>
+          </a:ln>
+        </p:spPr>
+        <p:style>
+          <a:lnRef idx="1">
+            <a:schemeClr val="accent1"/>
+          </a:lnRef>
+          <a:fillRef idx="0">
+            <a:schemeClr val="accent1"/>
+          </a:fillRef>
+          <a:effectRef idx="0">
+            <a:schemeClr val="accent1"/>
+          </a:effectRef>
+          <a:fontRef idx="minor">
+            <a:schemeClr val="tx1"/>
+          </a:fontRef>
+        </p:style>
+      </p:cxnSp>
     </p:spTree>
     <p:extLst>
       <p:ext uri="{BB962C8B-B14F-4D97-AF65-F5344CB8AC3E}">
@@ -9972,38 +10911,47 @@
         </p:nvSpPr>
         <p:spPr/>
         <p:txBody>
-          <a:bodyPr/>
+          <a:bodyPr>
+            <a:noAutofit/>
+          </a:bodyPr>
           <a:lstStyle/>
           <a:p>
-            <a:endParaRPr lang="en-US"/>
-          </a:p>
-        </p:txBody>
-      </p:sp>
-      <p:sp>
-        <p:nvSpPr>
-          <p:cNvPr id="3" name="Content Placeholder 2">
+            <a:r>
+              <a:rPr lang="en-US" sz="2800" dirty="0"/>
+              <a:t>Using Grid Search to find the best parameters for our model</a:t>
+            </a:r>
+          </a:p>
+        </p:txBody>
+      </p:sp>
+      <p:pic>
+        <p:nvPicPr>
+          <p:cNvPr id="5" name="Content Placeholder 4">
             <a:extLst>
               <a:ext uri="{FF2B5EF4-FFF2-40B4-BE49-F238E27FC236}">
-                <a16:creationId xmlns:a16="http://schemas.microsoft.com/office/drawing/2014/main" id="{767DF300-092F-4FA0-AD3F-DEF2FC549F04}"/>
+                <a16:creationId xmlns:a16="http://schemas.microsoft.com/office/drawing/2014/main" id="{9F5849EC-E68E-4DFD-A110-BC4AB64AE8F2}"/>
               </a:ext>
             </a:extLst>
           </p:cNvPr>
-          <p:cNvSpPr>
-            <a:spLocks noGrp="1"/>
-          </p:cNvSpPr>
+          <p:cNvPicPr>
+            <a:picLocks noGrp="1" noChangeAspect="1"/>
+          </p:cNvPicPr>
           <p:nvPr>
             <p:ph idx="1"/>
           </p:nvPr>
-        </p:nvSpPr>
-        <p:spPr/>
-        <p:txBody>
-          <a:bodyPr/>
-          <a:lstStyle/>
-          <a:p>
-            <a:endParaRPr lang="en-US"/>
-          </a:p>
-        </p:txBody>
-      </p:sp>
+        </p:nvPicPr>
+        <p:blipFill>
+          <a:blip r:embed="rId2"/>
+          <a:stretch>
+            <a:fillRect/>
+          </a:stretch>
+        </p:blipFill>
+        <p:spPr>
+          <a:xfrm>
+            <a:off x="742823" y="2431082"/>
+            <a:ext cx="10706353" cy="650006"/>
+          </a:xfrm>
+        </p:spPr>
+      </p:pic>
     </p:spTree>
     <p:extLst>
       <p:ext uri="{BB962C8B-B14F-4D97-AF65-F5344CB8AC3E}">
@@ -10036,10 +10984,10 @@
       </p:grpSpPr>
       <p:sp>
         <p:nvSpPr>
-          <p:cNvPr id="5" name="Title 4">
+          <p:cNvPr id="2" name="Title 1">
             <a:extLst>
               <a:ext uri="{FF2B5EF4-FFF2-40B4-BE49-F238E27FC236}">
-                <a16:creationId xmlns:a16="http://schemas.microsoft.com/office/drawing/2014/main" id="{FBC0B814-C746-4422-ABF8-3BB0E4BA48F0}"/>
+                <a16:creationId xmlns:a16="http://schemas.microsoft.com/office/drawing/2014/main" id="{0038D749-4F54-420F-A931-2C352881265C}"/>
               </a:ext>
             </a:extLst>
           </p:cNvPr>
@@ -10057,605 +11005,74 @@
           <a:p>
             <a:r>
               <a:rPr lang="en-US" dirty="0"/>
-              <a:t>Summary</a:t>
-            </a:r>
-          </a:p>
-        </p:txBody>
-      </p:sp>
-      <p:sp>
-        <p:nvSpPr>
-          <p:cNvPr id="7" name="Rectangle 1">
+              <a:t>Increased accuracy with using hyperparameter</a:t>
+            </a:r>
+          </a:p>
+        </p:txBody>
+      </p:sp>
+      <p:pic>
+        <p:nvPicPr>
+          <p:cNvPr id="5" name="Content Placeholder 4">
             <a:extLst>
               <a:ext uri="{FF2B5EF4-FFF2-40B4-BE49-F238E27FC236}">
-                <a16:creationId xmlns:a16="http://schemas.microsoft.com/office/drawing/2014/main" id="{B3E4B217-C0AE-4D0F-99DB-20D3CA634889}"/>
+                <a16:creationId xmlns:a16="http://schemas.microsoft.com/office/drawing/2014/main" id="{13EBF1FD-1D61-4E5C-BC77-985770C0D13F}"/>
               </a:ext>
             </a:extLst>
           </p:cNvPr>
-          <p:cNvSpPr>
-            <a:spLocks noGrp="1" noChangeArrowheads="1"/>
-          </p:cNvSpPr>
+          <p:cNvPicPr>
+            <a:picLocks noGrp="1" noChangeAspect="1"/>
+          </p:cNvPicPr>
           <p:nvPr>
             <p:ph idx="1"/>
           </p:nvPr>
-        </p:nvSpPr>
-        <p:spPr bwMode="auto">
+        </p:nvPicPr>
+        <p:blipFill>
+          <a:blip r:embed="rId2"/>
+          <a:stretch>
+            <a:fillRect/>
+          </a:stretch>
+        </p:blipFill>
+        <p:spPr>
           <a:xfrm>
-            <a:off x="272502" y="1485984"/>
-            <a:ext cx="10995055" cy="4200465"/>
+            <a:off x="1920400" y="2065629"/>
+            <a:ext cx="7973538" cy="981212"/>
+          </a:xfrm>
+        </p:spPr>
+      </p:pic>
+      <p:pic>
+        <p:nvPicPr>
+          <p:cNvPr id="7" name="Picture 6">
+            <a:extLst>
+              <a:ext uri="{FF2B5EF4-FFF2-40B4-BE49-F238E27FC236}">
+                <a16:creationId xmlns:a16="http://schemas.microsoft.com/office/drawing/2014/main" id="{40E2560C-0E5B-4ED9-B29A-82089362A238}"/>
+              </a:ext>
+            </a:extLst>
+          </p:cNvPr>
+          <p:cNvPicPr>
+            <a:picLocks noChangeAspect="1"/>
+          </p:cNvPicPr>
+          <p:nvPr/>
+        </p:nvPicPr>
+        <p:blipFill>
+          <a:blip r:embed="rId3"/>
+          <a:stretch>
+            <a:fillRect/>
+          </a:stretch>
+        </p:blipFill>
+        <p:spPr>
+          <a:xfrm>
+            <a:off x="612569" y="3811160"/>
+            <a:ext cx="10966862" cy="721768"/>
           </a:xfrm>
           <a:prstGeom prst="rect">
             <a:avLst/>
           </a:prstGeom>
-          <a:noFill/>
-          <a:ln>
-            <a:noFill/>
-          </a:ln>
-          <a:effectLst/>
-          <a:extLst>
-            <a:ext uri="{909E8E84-426E-40DD-AFC4-6F175D3DCCD1}">
-              <a14:hiddenFill xmlns:a14="http://schemas.microsoft.com/office/drawing/2010/main">
-                <a:solidFill>
-                  <a:schemeClr val="accent1"/>
-                </a:solidFill>
-              </a14:hiddenFill>
-            </a:ext>
-            <a:ext uri="{91240B29-F687-4F45-9708-019B960494DF}">
-              <a14:hiddenLine xmlns:a14="http://schemas.microsoft.com/office/drawing/2010/main" w="9525">
-                <a:solidFill>
-                  <a:schemeClr val="tx1"/>
-                </a:solidFill>
-                <a:miter lim="800000"/>
-                <a:headEnd/>
-                <a:tailEnd/>
-              </a14:hiddenLine>
-            </a:ext>
-            <a:ext uri="{AF507438-7753-43E0-B8FC-AC1667EBCBE1}">
-              <a14:hiddenEffects xmlns:a14="http://schemas.microsoft.com/office/drawing/2010/main">
-                <a:effectLst>
-                  <a:outerShdw dist="35921" dir="2700000" algn="ctr" rotWithShape="0">
-                    <a:schemeClr val="bg2"/>
-                  </a:outerShdw>
-                </a:effectLst>
-              </a14:hiddenEffects>
-            </a:ext>
-          </a:extLst>
         </p:spPr>
-        <p:txBody>
-          <a:bodyPr vert="horz" wrap="square" lIns="91440" tIns="68241" rIns="91440" bIns="68241" numCol="1" anchor="ctr" anchorCtr="0" compatLnSpc="1">
-            <a:prstTxWarp prst="textNoShape">
-              <a:avLst/>
-            </a:prstTxWarp>
-            <a:spAutoFit/>
-          </a:bodyPr>
-          <a:lstStyle/>
-          <a:p>
-            <a:pPr marL="0" marR="0" lvl="0" indent="0" defTabSz="914400" rtl="0" eaLnBrk="0" fontAlgn="base" latinLnBrk="0" hangingPunct="0">
-              <a:lnSpc>
-                <a:spcPct val="100000"/>
-              </a:lnSpc>
-              <a:spcBef>
-                <a:spcPct val="0"/>
-              </a:spcBef>
-              <a:spcAft>
-                <a:spcPct val="0"/>
-              </a:spcAft>
-              <a:buClrTx/>
-              <a:buSzTx/>
-              <a:buFontTx/>
-              <a:buNone/>
-              <a:tabLst/>
-            </a:pPr>
-            <a:endParaRPr kumimoji="0" lang="en-US" altLang="en-US" sz="3600" b="0" i="0" u="none" strike="noStrike" cap="none" normalizeH="0" baseline="0" dirty="0">
-              <a:ln>
-                <a:noFill/>
-              </a:ln>
-              <a:solidFill>
-                <a:schemeClr val="tx1">
-                  <a:lumMod val="85000"/>
-                </a:schemeClr>
-              </a:solidFill>
-              <a:effectLst/>
-              <a:latin typeface="Arial" panose="020B0604020202020204" pitchFamily="34" charset="0"/>
-            </a:endParaRPr>
-          </a:p>
-          <a:p>
-            <a:pPr marL="0" marR="0" lvl="0" indent="0" defTabSz="914400" rtl="0" eaLnBrk="0" fontAlgn="base" latinLnBrk="0" hangingPunct="0">
-              <a:lnSpc>
-                <a:spcPct val="100000"/>
-              </a:lnSpc>
-              <a:spcBef>
-                <a:spcPct val="0"/>
-              </a:spcBef>
-              <a:spcAft>
-                <a:spcPct val="0"/>
-              </a:spcAft>
-              <a:buClrTx/>
-              <a:buSzTx/>
-              <a:buFontTx/>
-              <a:buAutoNum type="arabicPeriod"/>
-              <a:tabLst/>
-            </a:pPr>
-            <a:r>
-              <a:rPr kumimoji="0" lang="en-US" altLang="en-US" sz="1600" b="0" i="0" u="none" strike="noStrike" cap="none" normalizeH="0" baseline="0" dirty="0">
-                <a:ln>
-                  <a:noFill/>
-                </a:ln>
-                <a:solidFill>
-                  <a:schemeClr val="tx1">
-                    <a:lumMod val="85000"/>
-                  </a:schemeClr>
-                </a:solidFill>
-                <a:effectLst/>
-                <a:latin typeface="Inter"/>
-              </a:rPr>
-              <a:t> In this project, I build a Random Forest Classifier to predict the safety of the car. I build two models, one with 100 decision-trees and another one with 1000 decision-trees.</a:t>
-            </a:r>
-          </a:p>
-          <a:p>
-            <a:pPr marL="0" marR="0" lvl="0" indent="0" defTabSz="914400" rtl="0" eaLnBrk="0" fontAlgn="base" latinLnBrk="0" hangingPunct="0">
-              <a:lnSpc>
-                <a:spcPct val="100000"/>
-              </a:lnSpc>
-              <a:spcBef>
-                <a:spcPct val="0"/>
-              </a:spcBef>
-              <a:spcAft>
-                <a:spcPct val="0"/>
-              </a:spcAft>
-              <a:buClrTx/>
-              <a:buSzTx/>
-              <a:buFontTx/>
-              <a:buAutoNum type="arabicPeriod" startAt="2"/>
-              <a:tabLst/>
-            </a:pPr>
-            <a:r>
-              <a:rPr kumimoji="0" lang="en-US" altLang="en-US" sz="1600" b="0" i="0" u="none" strike="noStrike" cap="none" normalizeH="0" baseline="0" dirty="0">
-                <a:ln>
-                  <a:noFill/>
-                </a:ln>
-                <a:solidFill>
-                  <a:schemeClr val="tx1">
-                    <a:lumMod val="85000"/>
-                  </a:schemeClr>
-                </a:solidFill>
-                <a:effectLst/>
-                <a:latin typeface="Inter"/>
-              </a:rPr>
-              <a:t>  he model accuracy score with 100 decision-trees is </a:t>
-            </a:r>
-            <a:r>
-              <a:rPr kumimoji="0" lang="en-US" altLang="en-US" sz="1600" b="0" i="0" u="none" strike="noStrike" cap="none" normalizeH="0" baseline="0" dirty="0">
-                <a:ln>
-                  <a:noFill/>
-                </a:ln>
-                <a:solidFill>
-                  <a:srgbClr val="FF0000"/>
-                </a:solidFill>
-                <a:effectLst/>
-                <a:latin typeface="Inter"/>
-              </a:rPr>
-              <a:t>0.9247 </a:t>
-            </a:r>
-            <a:r>
-              <a:rPr kumimoji="0" lang="en-US" altLang="en-US" sz="1600" b="0" i="0" u="none" strike="noStrike" cap="none" normalizeH="0" baseline="0" dirty="0">
-                <a:ln>
-                  <a:noFill/>
-                </a:ln>
-                <a:solidFill>
-                  <a:schemeClr val="tx1">
-                    <a:lumMod val="85000"/>
-                  </a:schemeClr>
-                </a:solidFill>
-                <a:effectLst/>
-                <a:latin typeface="Inter"/>
-              </a:rPr>
-              <a:t>but the same with 1000 decision-trees is </a:t>
-            </a:r>
-            <a:r>
-              <a:rPr kumimoji="0" lang="en-US" altLang="en-US" sz="1600" b="0" i="0" u="none" strike="noStrike" cap="none" normalizeH="0" baseline="0" dirty="0">
-                <a:ln>
-                  <a:noFill/>
-                </a:ln>
-                <a:solidFill>
-                  <a:srgbClr val="FF0000"/>
-                </a:solidFill>
-                <a:effectLst/>
-                <a:latin typeface="Inter"/>
-              </a:rPr>
-              <a:t>0.9457</a:t>
-            </a:r>
-            <a:r>
-              <a:rPr kumimoji="0" lang="en-US" altLang="en-US" sz="1600" b="0" i="0" u="none" strike="noStrike" cap="none" normalizeH="0" baseline="0" dirty="0">
-                <a:ln>
-                  <a:noFill/>
-                </a:ln>
-                <a:solidFill>
-                  <a:schemeClr val="tx1">
-                    <a:lumMod val="85000"/>
-                  </a:schemeClr>
-                </a:solidFill>
-                <a:effectLst/>
-                <a:latin typeface="Inter"/>
-              </a:rPr>
-              <a:t>. So, as expected accuracy increases with number of decision-trees in the model.</a:t>
-            </a:r>
-          </a:p>
-          <a:p>
-            <a:pPr marL="0" marR="0" lvl="0" indent="0" defTabSz="914400" rtl="0" eaLnBrk="0" fontAlgn="base" latinLnBrk="0" hangingPunct="0">
-              <a:lnSpc>
-                <a:spcPct val="100000"/>
-              </a:lnSpc>
-              <a:spcBef>
-                <a:spcPct val="0"/>
-              </a:spcBef>
-              <a:spcAft>
-                <a:spcPct val="0"/>
-              </a:spcAft>
-              <a:buClrTx/>
-              <a:buSzTx/>
-              <a:buFontTx/>
-              <a:buAutoNum type="arabicPeriod" startAt="3"/>
-              <a:tabLst/>
-            </a:pPr>
-            <a:r>
-              <a:rPr kumimoji="0" lang="en-US" altLang="en-US" sz="1600" b="0" i="0" u="none" strike="noStrike" cap="none" normalizeH="0" baseline="0" dirty="0">
-                <a:ln>
-                  <a:noFill/>
-                </a:ln>
-                <a:solidFill>
-                  <a:schemeClr val="tx1">
-                    <a:lumMod val="85000"/>
-                  </a:schemeClr>
-                </a:solidFill>
-                <a:effectLst/>
-                <a:latin typeface="Inter"/>
-              </a:rPr>
-              <a:t> I have used the Random Forest model to find only the important features, build the model using these features and see its effect on accuracy. The most important feature is </a:t>
-            </a:r>
-            <a:r>
-              <a:rPr kumimoji="0" lang="en-US" altLang="en-US" sz="1600" b="0" i="0" u="none" strike="noStrike" cap="none" normalizeH="0" baseline="0" dirty="0">
-                <a:ln>
-                  <a:noFill/>
-                </a:ln>
-                <a:solidFill>
-                  <a:schemeClr val="tx1">
-                    <a:lumMod val="85000"/>
-                  </a:schemeClr>
-                </a:solidFill>
-                <a:effectLst/>
-                <a:latin typeface="Roboto Mono"/>
-              </a:rPr>
-              <a:t>safety</a:t>
-            </a:r>
-            <a:r>
-              <a:rPr kumimoji="0" lang="en-US" altLang="en-US" sz="1600" b="0" i="0" u="none" strike="noStrike" cap="none" normalizeH="0" baseline="0" dirty="0">
-                <a:ln>
-                  <a:noFill/>
-                </a:ln>
-                <a:solidFill>
-                  <a:schemeClr val="tx1">
-                    <a:lumMod val="85000"/>
-                  </a:schemeClr>
-                </a:solidFill>
-                <a:effectLst/>
-                <a:latin typeface="Inter"/>
-              </a:rPr>
-              <a:t> and least important feature is </a:t>
-            </a:r>
-            <a:r>
-              <a:rPr kumimoji="0" lang="en-US" altLang="en-US" sz="1600" b="0" i="0" u="none" strike="noStrike" cap="none" normalizeH="0" baseline="0" dirty="0">
-                <a:ln>
-                  <a:noFill/>
-                </a:ln>
-                <a:solidFill>
-                  <a:schemeClr val="tx1">
-                    <a:lumMod val="85000"/>
-                  </a:schemeClr>
-                </a:solidFill>
-                <a:effectLst/>
-                <a:latin typeface="Roboto Mono"/>
-              </a:rPr>
-              <a:t>doors</a:t>
-            </a:r>
-            <a:r>
-              <a:rPr kumimoji="0" lang="en-US" altLang="en-US" sz="1600" b="0" i="0" u="none" strike="noStrike" cap="none" normalizeH="0" baseline="0" dirty="0">
-                <a:ln>
-                  <a:noFill/>
-                </a:ln>
-                <a:solidFill>
-                  <a:schemeClr val="tx1">
-                    <a:lumMod val="85000"/>
-                  </a:schemeClr>
-                </a:solidFill>
-                <a:effectLst/>
-                <a:latin typeface="Inter"/>
-              </a:rPr>
-              <a:t>.</a:t>
-            </a:r>
-          </a:p>
-          <a:p>
-            <a:pPr marL="0" marR="0" lvl="0" indent="0" defTabSz="914400" rtl="0" eaLnBrk="0" fontAlgn="base" latinLnBrk="0" hangingPunct="0">
-              <a:lnSpc>
-                <a:spcPct val="100000"/>
-              </a:lnSpc>
-              <a:spcBef>
-                <a:spcPct val="0"/>
-              </a:spcBef>
-              <a:spcAft>
-                <a:spcPct val="0"/>
-              </a:spcAft>
-              <a:buClrTx/>
-              <a:buSzTx/>
-              <a:buFontTx/>
-              <a:buAutoNum type="arabicPeriod" startAt="4"/>
-              <a:tabLst/>
-            </a:pPr>
-            <a:r>
-              <a:rPr kumimoji="0" lang="en-US" altLang="en-US" sz="1600" b="0" i="0" u="none" strike="noStrike" cap="none" normalizeH="0" baseline="0" dirty="0">
-                <a:ln>
-                  <a:noFill/>
-                </a:ln>
-                <a:solidFill>
-                  <a:schemeClr val="tx1">
-                    <a:lumMod val="85000"/>
-                  </a:schemeClr>
-                </a:solidFill>
-                <a:effectLst/>
-                <a:latin typeface="Inter"/>
-              </a:rPr>
-              <a:t> I have removed the </a:t>
-            </a:r>
-            <a:r>
-              <a:rPr kumimoji="0" lang="en-US" altLang="en-US" sz="1600" b="0" i="0" u="none" strike="noStrike" cap="none" normalizeH="0" baseline="0" dirty="0">
-                <a:ln>
-                  <a:noFill/>
-                </a:ln>
-                <a:solidFill>
-                  <a:schemeClr val="tx1">
-                    <a:lumMod val="85000"/>
-                  </a:schemeClr>
-                </a:solidFill>
-                <a:effectLst/>
-                <a:latin typeface="Roboto Mono"/>
-              </a:rPr>
-              <a:t>doors</a:t>
-            </a:r>
-            <a:r>
-              <a:rPr kumimoji="0" lang="en-US" altLang="en-US" sz="1600" b="0" i="0" u="none" strike="noStrike" cap="none" normalizeH="0" baseline="0" dirty="0">
-                <a:ln>
-                  <a:noFill/>
-                </a:ln>
-                <a:solidFill>
-                  <a:schemeClr val="tx1">
-                    <a:lumMod val="85000"/>
-                  </a:schemeClr>
-                </a:solidFill>
-                <a:effectLst/>
-                <a:latin typeface="Inter"/>
-              </a:rPr>
-              <a:t> variable from the model, rebuild it and checked its accuracy. The accuracy of the model with </a:t>
-            </a:r>
-            <a:r>
-              <a:rPr kumimoji="0" lang="en-US" altLang="en-US" sz="1600" b="0" i="0" u="none" strike="noStrike" cap="none" normalizeH="0" baseline="0" dirty="0">
-                <a:ln>
-                  <a:noFill/>
-                </a:ln>
-                <a:solidFill>
-                  <a:schemeClr val="tx1">
-                    <a:lumMod val="85000"/>
-                  </a:schemeClr>
-                </a:solidFill>
-                <a:effectLst/>
-                <a:latin typeface="Roboto Mono"/>
-              </a:rPr>
-              <a:t>doors</a:t>
-            </a:r>
-            <a:r>
-              <a:rPr kumimoji="0" lang="en-US" altLang="en-US" sz="1600" b="0" i="0" u="none" strike="noStrike" cap="none" normalizeH="0" baseline="0" dirty="0">
-                <a:ln>
-                  <a:noFill/>
-                </a:ln>
-                <a:solidFill>
-                  <a:schemeClr val="tx1">
-                    <a:lumMod val="85000"/>
-                  </a:schemeClr>
-                </a:solidFill>
-                <a:effectLst/>
-                <a:latin typeface="Inter"/>
-              </a:rPr>
-              <a:t> variable removed is </a:t>
-            </a:r>
-            <a:r>
-              <a:rPr kumimoji="0" lang="en-US" altLang="en-US" sz="1600" b="0" i="0" u="none" strike="noStrike" cap="none" normalizeH="0" baseline="0" dirty="0">
-                <a:ln>
-                  <a:noFill/>
-                </a:ln>
-                <a:solidFill>
-                  <a:srgbClr val="FF0000"/>
-                </a:solidFill>
-                <a:effectLst/>
-                <a:latin typeface="Inter"/>
-              </a:rPr>
-              <a:t>0.9264</a:t>
-            </a:r>
-            <a:r>
-              <a:rPr kumimoji="0" lang="en-US" altLang="en-US" sz="1600" b="0" i="0" u="none" strike="noStrike" cap="none" normalizeH="0" baseline="0" dirty="0">
-                <a:ln>
-                  <a:noFill/>
-                </a:ln>
-                <a:solidFill>
-                  <a:schemeClr val="tx1">
-                    <a:lumMod val="85000"/>
-                  </a:schemeClr>
-                </a:solidFill>
-                <a:effectLst/>
-                <a:latin typeface="Inter"/>
-              </a:rPr>
-              <a:t>. The accuracy of the model with all the variables taken into account is 0.9247. So, we can see that the model accuracy has been improved with </a:t>
-            </a:r>
-            <a:r>
-              <a:rPr kumimoji="0" lang="en-US" altLang="en-US" sz="1600" b="0" i="0" u="none" strike="noStrike" cap="none" normalizeH="0" baseline="0" dirty="0">
-                <a:ln>
-                  <a:noFill/>
-                </a:ln>
-                <a:solidFill>
-                  <a:schemeClr val="tx1">
-                    <a:lumMod val="85000"/>
-                  </a:schemeClr>
-                </a:solidFill>
-                <a:effectLst/>
-                <a:latin typeface="Roboto Mono"/>
-              </a:rPr>
-              <a:t>doors</a:t>
-            </a:r>
-            <a:r>
-              <a:rPr kumimoji="0" lang="en-US" altLang="en-US" sz="1600" b="0" i="0" u="none" strike="noStrike" cap="none" normalizeH="0" baseline="0" dirty="0">
-                <a:ln>
-                  <a:noFill/>
-                </a:ln>
-                <a:solidFill>
-                  <a:schemeClr val="tx1">
-                    <a:lumMod val="85000"/>
-                  </a:schemeClr>
-                </a:solidFill>
-                <a:effectLst/>
-                <a:latin typeface="Inter"/>
-              </a:rPr>
-              <a:t> variable removed from the model.</a:t>
-            </a:r>
-          </a:p>
-          <a:p>
-            <a:pPr marL="0" marR="0" lvl="0" indent="0" defTabSz="914400" rtl="0" eaLnBrk="0" fontAlgn="base" latinLnBrk="0" hangingPunct="0">
-              <a:lnSpc>
-                <a:spcPct val="100000"/>
-              </a:lnSpc>
-              <a:spcBef>
-                <a:spcPct val="0"/>
-              </a:spcBef>
-              <a:spcAft>
-                <a:spcPct val="0"/>
-              </a:spcAft>
-              <a:buClrTx/>
-              <a:buSzTx/>
-              <a:buFontTx/>
-              <a:buAutoNum type="arabicPeriod" startAt="5"/>
-              <a:tabLst/>
-            </a:pPr>
-            <a:r>
-              <a:rPr kumimoji="0" lang="en-US" altLang="en-US" sz="1600" b="0" i="0" u="none" strike="noStrike" cap="none" normalizeH="0" baseline="0" dirty="0">
-                <a:ln>
-                  <a:noFill/>
-                </a:ln>
-                <a:solidFill>
-                  <a:schemeClr val="tx1">
-                    <a:lumMod val="85000"/>
-                  </a:schemeClr>
-                </a:solidFill>
-                <a:effectLst/>
-                <a:latin typeface="Inter"/>
-              </a:rPr>
-              <a:t> The second least important model is </a:t>
-            </a:r>
-            <a:r>
-              <a:rPr kumimoji="0" lang="en-US" altLang="en-US" sz="1600" b="0" i="0" u="none" strike="noStrike" cap="none" normalizeH="0" baseline="0" dirty="0" err="1">
-                <a:ln>
-                  <a:noFill/>
-                </a:ln>
-                <a:solidFill>
-                  <a:schemeClr val="tx1">
-                    <a:lumMod val="85000"/>
-                  </a:schemeClr>
-                </a:solidFill>
-                <a:effectLst/>
-                <a:latin typeface="Roboto Mono"/>
-              </a:rPr>
-              <a:t>lug_boot</a:t>
-            </a:r>
-            <a:r>
-              <a:rPr kumimoji="0" lang="en-US" altLang="en-US" sz="1600" b="0" i="0" u="none" strike="noStrike" cap="none" normalizeH="0" baseline="0" dirty="0">
-                <a:ln>
-                  <a:noFill/>
-                </a:ln>
-                <a:solidFill>
-                  <a:schemeClr val="tx1">
-                    <a:lumMod val="85000"/>
-                  </a:schemeClr>
-                </a:solidFill>
-                <a:effectLst/>
-                <a:latin typeface="Inter"/>
-              </a:rPr>
-              <a:t>. If I remove it from the model and rebuild the model, then the accuracy was found to be 0.8546. It is a significant drop in the accuracy. So, I will not drop it from the model.</a:t>
-            </a:r>
-          </a:p>
-          <a:p>
-            <a:pPr marL="0" marR="0" lvl="0" indent="0" defTabSz="914400" rtl="0" eaLnBrk="0" fontAlgn="base" latinLnBrk="0" hangingPunct="0">
-              <a:lnSpc>
-                <a:spcPct val="100000"/>
-              </a:lnSpc>
-              <a:spcBef>
-                <a:spcPct val="0"/>
-              </a:spcBef>
-              <a:spcAft>
-                <a:spcPct val="0"/>
-              </a:spcAft>
-              <a:buClrTx/>
-              <a:buSzTx/>
-              <a:buFontTx/>
-              <a:buAutoNum type="arabicPeriod" startAt="6"/>
-              <a:tabLst/>
-            </a:pPr>
-            <a:r>
-              <a:rPr kumimoji="0" lang="en-US" altLang="en-US" sz="1600" b="0" i="0" u="none" strike="noStrike" cap="none" normalizeH="0" baseline="0" dirty="0">
-                <a:ln>
-                  <a:noFill/>
-                </a:ln>
-                <a:solidFill>
-                  <a:schemeClr val="tx1">
-                    <a:lumMod val="85000"/>
-                  </a:schemeClr>
-                </a:solidFill>
-                <a:effectLst/>
-                <a:latin typeface="Inter"/>
-              </a:rPr>
-              <a:t>Confusion matrix and classification report are another tool to visualize the model performance. They yield good performance.</a:t>
-            </a:r>
-          </a:p>
-          <a:p>
-            <a:pPr marL="0" marR="0" lvl="0" indent="0" defTabSz="914400" rtl="0" eaLnBrk="0" fontAlgn="base" latinLnBrk="0" hangingPunct="0">
-              <a:lnSpc>
-                <a:spcPct val="100000"/>
-              </a:lnSpc>
-              <a:spcBef>
-                <a:spcPct val="0"/>
-              </a:spcBef>
-              <a:spcAft>
-                <a:spcPct val="0"/>
-              </a:spcAft>
-              <a:buClrTx/>
-              <a:buSzTx/>
-              <a:buFontTx/>
-              <a:buNone/>
-              <a:tabLst/>
-            </a:pPr>
-            <a:endParaRPr kumimoji="0" lang="en-US" altLang="en-US" sz="3600" b="0" i="0" u="none" strike="noStrike" cap="none" normalizeH="0" baseline="0" dirty="0">
-              <a:ln>
-                <a:noFill/>
-              </a:ln>
-              <a:solidFill>
-                <a:schemeClr val="tx1">
-                  <a:lumMod val="85000"/>
-                </a:schemeClr>
-              </a:solidFill>
-              <a:effectLst/>
-              <a:latin typeface="Arial" panose="020B0604020202020204" pitchFamily="34" charset="0"/>
-            </a:endParaRPr>
-          </a:p>
-        </p:txBody>
-      </p:sp>
+      </p:pic>
     </p:spTree>
     <p:extLst>
       <p:ext uri="{BB962C8B-B14F-4D97-AF65-F5344CB8AC3E}">
-        <p14:creationId xmlns:p14="http://schemas.microsoft.com/office/powerpoint/2010/main" val="1986147644"/>
+        <p14:creationId xmlns:p14="http://schemas.microsoft.com/office/powerpoint/2010/main" val="925240112"/>
       </p:ext>
     </p:extLst>
   </p:cSld>

--- a/random_forest.pptx
+++ b/random_forest.pptx
@@ -5,7 +5,7 @@
     <p:sldMasterId id="2147483690" r:id="rId1"/>
   </p:sldMasterIdLst>
   <p:notesMasterIdLst>
-    <p:notesMasterId r:id="rId14"/>
+    <p:notesMasterId r:id="rId15"/>
   </p:notesMasterIdLst>
   <p:sldIdLst>
     <p:sldId id="256" r:id="rId2"/>
@@ -15,11 +15,12 @@
     <p:sldId id="259" r:id="rId6"/>
     <p:sldId id="261" r:id="rId7"/>
     <p:sldId id="264" r:id="rId8"/>
-    <p:sldId id="265" r:id="rId9"/>
-    <p:sldId id="266" r:id="rId10"/>
-    <p:sldId id="267" r:id="rId11"/>
-    <p:sldId id="268" r:id="rId12"/>
-    <p:sldId id="260" r:id="rId13"/>
+    <p:sldId id="269" r:id="rId9"/>
+    <p:sldId id="265" r:id="rId10"/>
+    <p:sldId id="266" r:id="rId11"/>
+    <p:sldId id="267" r:id="rId12"/>
+    <p:sldId id="268" r:id="rId13"/>
+    <p:sldId id="260" r:id="rId14"/>
   </p:sldIdLst>
   <p:sldSz cx="12192000" cy="6858000"/>
   <p:notesSz cx="6858000" cy="9144000"/>
@@ -208,7 +209,7 @@
           <a:p>
             <a:fld id="{207EA431-1AE3-40AA-B3EA-14C877F26A63}" type="datetimeFigureOut">
               <a:rPr lang="en-US" smtClean="0"/>
-              <a:t>3/28/2024</a:t>
+              <a:t>3/29/2024</a:t>
             </a:fld>
             <a:endParaRPr lang="en-US"/>
           </a:p>
@@ -559,6 +560,90 @@
 </p:notes>
 </file>
 
+<file path=ppt/notesSlides/notesSlide2.xml><?xml version="1.0" encoding="utf-8"?>
+<p:notes xmlns:a="http://schemas.openxmlformats.org/drawingml/2006/main" xmlns:r="http://schemas.openxmlformats.org/officeDocument/2006/relationships" xmlns:p="http://schemas.openxmlformats.org/presentationml/2006/main">
+  <p:cSld>
+    <p:spTree>
+      <p:nvGrpSpPr>
+        <p:cNvPr id="1" name=""/>
+        <p:cNvGrpSpPr/>
+        <p:nvPr/>
+      </p:nvGrpSpPr>
+      <p:grpSpPr>
+        <a:xfrm>
+          <a:off x="0" y="0"/>
+          <a:ext cx="0" cy="0"/>
+          <a:chOff x="0" y="0"/>
+          <a:chExt cx="0" cy="0"/>
+        </a:xfrm>
+      </p:grpSpPr>
+      <p:sp>
+        <p:nvSpPr>
+          <p:cNvPr id="2" name="Slide Image Placeholder 1"/>
+          <p:cNvSpPr>
+            <a:spLocks noGrp="1" noRot="1" noChangeAspect="1"/>
+          </p:cNvSpPr>
+          <p:nvPr>
+            <p:ph type="sldImg"/>
+          </p:nvPr>
+        </p:nvSpPr>
+        <p:spPr/>
+      </p:sp>
+      <p:sp>
+        <p:nvSpPr>
+          <p:cNvPr id="3" name="Notes Placeholder 2"/>
+          <p:cNvSpPr>
+            <a:spLocks noGrp="1"/>
+          </p:cNvSpPr>
+          <p:nvPr>
+            <p:ph type="body" idx="1"/>
+          </p:nvPr>
+        </p:nvSpPr>
+        <p:spPr/>
+        <p:txBody>
+          <a:bodyPr/>
+          <a:lstStyle/>
+          <a:p>
+            <a:endParaRPr lang="en-US" dirty="0"/>
+          </a:p>
+        </p:txBody>
+      </p:sp>
+      <p:sp>
+        <p:nvSpPr>
+          <p:cNvPr id="4" name="Slide Number Placeholder 3"/>
+          <p:cNvSpPr>
+            <a:spLocks noGrp="1"/>
+          </p:cNvSpPr>
+          <p:nvPr>
+            <p:ph type="sldNum" sz="quarter" idx="5"/>
+          </p:nvPr>
+        </p:nvSpPr>
+        <p:spPr/>
+        <p:txBody>
+          <a:bodyPr/>
+          <a:lstStyle/>
+          <a:p>
+            <a:fld id="{669911EF-C85B-43C9-87BA-BC6AB5B0F506}" type="slidenum">
+              <a:rPr lang="en-US" smtClean="0"/>
+              <a:t>5</a:t>
+            </a:fld>
+            <a:endParaRPr lang="en-US"/>
+          </a:p>
+        </p:txBody>
+      </p:sp>
+    </p:spTree>
+    <p:extLst>
+      <p:ext uri="{BB962C8B-B14F-4D97-AF65-F5344CB8AC3E}">
+        <p14:creationId xmlns:p14="http://schemas.microsoft.com/office/powerpoint/2010/main" val="1707577812"/>
+      </p:ext>
+    </p:extLst>
+  </p:cSld>
+  <p:clrMapOvr>
+    <a:masterClrMapping/>
+  </p:clrMapOvr>
+</p:notes>
+</file>
+
 <file path=ppt/slideLayouts/slideLayout1.xml><?xml version="1.0" encoding="utf-8"?>
 <p:sldLayout xmlns:a="http://schemas.openxmlformats.org/drawingml/2006/main" xmlns:r="http://schemas.openxmlformats.org/officeDocument/2006/relationships" xmlns:p="http://schemas.openxmlformats.org/presentationml/2006/main" type="title" preserve="1">
   <p:cSld name="Title Slide">
@@ -744,7 +829,7 @@
           <a:p>
             <a:fld id="{2C219488-A93D-47F5-9A96-0F5B8B74697B}" type="datetimeFigureOut">
               <a:rPr lang="en-US" smtClean="0"/>
-              <a:t>3/28/2024</a:t>
+              <a:t>3/29/2024</a:t>
             </a:fld>
             <a:endParaRPr lang="en-US"/>
           </a:p>
@@ -1042,7 +1127,7 @@
           <a:p>
             <a:fld id="{2C219488-A93D-47F5-9A96-0F5B8B74697B}" type="datetimeFigureOut">
               <a:rPr lang="en-US" smtClean="0"/>
-              <a:t>3/28/2024</a:t>
+              <a:t>3/29/2024</a:t>
             </a:fld>
             <a:endParaRPr lang="en-US"/>
           </a:p>
@@ -1234,7 +1319,7 @@
           <a:p>
             <a:fld id="{2C219488-A93D-47F5-9A96-0F5B8B74697B}" type="datetimeFigureOut">
               <a:rPr lang="en-US" smtClean="0"/>
-              <a:t>3/28/2024</a:t>
+              <a:t>3/29/2024</a:t>
             </a:fld>
             <a:endParaRPr lang="en-US"/>
           </a:p>
@@ -1495,7 +1580,7 @@
           <a:p>
             <a:fld id="{2C219488-A93D-47F5-9A96-0F5B8B74697B}" type="datetimeFigureOut">
               <a:rPr lang="en-US" smtClean="0"/>
-              <a:t>3/28/2024</a:t>
+              <a:t>3/29/2024</a:t>
             </a:fld>
             <a:endParaRPr lang="en-US"/>
           </a:p>
@@ -1919,7 +2004,7 @@
           <a:p>
             <a:fld id="{2C219488-A93D-47F5-9A96-0F5B8B74697B}" type="datetimeFigureOut">
               <a:rPr lang="en-US" smtClean="0"/>
-              <a:t>3/28/2024</a:t>
+              <a:t>3/29/2024</a:t>
             </a:fld>
             <a:endParaRPr lang="en-US"/>
           </a:p>
@@ -2456,7 +2541,7 @@
           <a:p>
             <a:fld id="{2C219488-A93D-47F5-9A96-0F5B8B74697B}" type="datetimeFigureOut">
               <a:rPr lang="en-US" smtClean="0"/>
-              <a:t>3/28/2024</a:t>
+              <a:t>3/29/2024</a:t>
             </a:fld>
             <a:endParaRPr lang="en-US"/>
           </a:p>
@@ -3320,7 +3405,7 @@
           <a:p>
             <a:fld id="{2C219488-A93D-47F5-9A96-0F5B8B74697B}" type="datetimeFigureOut">
               <a:rPr lang="en-US" smtClean="0"/>
-              <a:t>3/28/2024</a:t>
+              <a:t>3/29/2024</a:t>
             </a:fld>
             <a:endParaRPr lang="en-US"/>
           </a:p>
@@ -3490,7 +3575,7 @@
           <a:p>
             <a:fld id="{2C219488-A93D-47F5-9A96-0F5B8B74697B}" type="datetimeFigureOut">
               <a:rPr lang="en-US" smtClean="0"/>
-              <a:t>3/28/2024</a:t>
+              <a:t>3/29/2024</a:t>
             </a:fld>
             <a:endParaRPr lang="en-US"/>
           </a:p>
@@ -3674,7 +3759,7 @@
           <a:p>
             <a:fld id="{2C219488-A93D-47F5-9A96-0F5B8B74697B}" type="datetimeFigureOut">
               <a:rPr lang="en-US" smtClean="0"/>
-              <a:t>3/28/2024</a:t>
+              <a:t>3/29/2024</a:t>
             </a:fld>
             <a:endParaRPr lang="en-US"/>
           </a:p>
@@ -3844,7 +3929,7 @@
           <a:p>
             <a:fld id="{2C219488-A93D-47F5-9A96-0F5B8B74697B}" type="datetimeFigureOut">
               <a:rPr lang="en-US" smtClean="0"/>
-              <a:t>3/28/2024</a:t>
+              <a:t>3/29/2024</a:t>
             </a:fld>
             <a:endParaRPr lang="en-US"/>
           </a:p>
@@ -4088,7 +4173,7 @@
           <a:p>
             <a:fld id="{2C219488-A93D-47F5-9A96-0F5B8B74697B}" type="datetimeFigureOut">
               <a:rPr lang="en-US" smtClean="0"/>
-              <a:t>3/28/2024</a:t>
+              <a:t>3/29/2024</a:t>
             </a:fld>
             <a:endParaRPr lang="en-US"/>
           </a:p>
@@ -4324,7 +4409,7 @@
           <a:p>
             <a:fld id="{2C219488-A93D-47F5-9A96-0F5B8B74697B}" type="datetimeFigureOut">
               <a:rPr lang="en-US" smtClean="0"/>
-              <a:t>3/28/2024</a:t>
+              <a:t>3/29/2024</a:t>
             </a:fld>
             <a:endParaRPr lang="en-US"/>
           </a:p>
@@ -4790,7 +4875,7 @@
           <a:p>
             <a:fld id="{2C219488-A93D-47F5-9A96-0F5B8B74697B}" type="datetimeFigureOut">
               <a:rPr lang="en-US" smtClean="0"/>
-              <a:t>3/28/2024</a:t>
+              <a:t>3/29/2024</a:t>
             </a:fld>
             <a:endParaRPr lang="en-US"/>
           </a:p>
@@ -4908,7 +4993,7 @@
           <a:p>
             <a:fld id="{2C219488-A93D-47F5-9A96-0F5B8B74697B}" type="datetimeFigureOut">
               <a:rPr lang="en-US" smtClean="0"/>
-              <a:t>3/28/2024</a:t>
+              <a:t>3/29/2024</a:t>
             </a:fld>
             <a:endParaRPr lang="en-US"/>
           </a:p>
@@ -5003,7 +5088,7 @@
           <a:p>
             <a:fld id="{2C219488-A93D-47F5-9A96-0F5B8B74697B}" type="datetimeFigureOut">
               <a:rPr lang="en-US" smtClean="0"/>
-              <a:t>3/28/2024</a:t>
+              <a:t>3/29/2024</a:t>
             </a:fld>
             <a:endParaRPr lang="en-US"/>
           </a:p>
@@ -5258,7 +5343,7 @@
           <a:p>
             <a:fld id="{2C219488-A93D-47F5-9A96-0F5B8B74697B}" type="datetimeFigureOut">
               <a:rPr lang="en-US" smtClean="0"/>
-              <a:t>3/28/2024</a:t>
+              <a:t>3/29/2024</a:t>
             </a:fld>
             <a:endParaRPr lang="en-US"/>
           </a:p>
@@ -5558,7 +5643,7 @@
           <a:p>
             <a:fld id="{2C219488-A93D-47F5-9A96-0F5B8B74697B}" type="datetimeFigureOut">
               <a:rPr lang="en-US" smtClean="0"/>
-              <a:t>3/28/2024</a:t>
+              <a:t>3/29/2024</a:t>
             </a:fld>
             <a:endParaRPr lang="en-US"/>
           </a:p>
@@ -5792,7 +5877,7 @@
           <a:p>
             <a:fld id="{2C219488-A93D-47F5-9A96-0F5B8B74697B}" type="datetimeFigureOut">
               <a:rPr lang="en-US" smtClean="0"/>
-              <a:t>3/28/2024</a:t>
+              <a:t>3/29/2024</a:t>
             </a:fld>
             <a:endParaRPr lang="en-US"/>
           </a:p>
@@ -6557,6 +6642,126 @@
           <p:cNvPr id="2" name="Title 1">
             <a:extLst>
               <a:ext uri="{FF2B5EF4-FFF2-40B4-BE49-F238E27FC236}">
+                <a16:creationId xmlns:a16="http://schemas.microsoft.com/office/drawing/2014/main" id="{0038D749-4F54-420F-A931-2C352881265C}"/>
+              </a:ext>
+            </a:extLst>
+          </p:cNvPr>
+          <p:cNvSpPr>
+            <a:spLocks noGrp="1"/>
+          </p:cNvSpPr>
+          <p:nvPr>
+            <p:ph type="title"/>
+          </p:nvPr>
+        </p:nvSpPr>
+        <p:spPr/>
+        <p:txBody>
+          <a:bodyPr>
+            <a:noAutofit/>
+          </a:bodyPr>
+          <a:lstStyle/>
+          <a:p>
+            <a:r>
+              <a:rPr lang="en-US" sz="3200" dirty="0"/>
+              <a:t>Increased accuracy with using custom hyperparameter</a:t>
+            </a:r>
+          </a:p>
+        </p:txBody>
+      </p:sp>
+      <p:pic>
+        <p:nvPicPr>
+          <p:cNvPr id="6" name="Picture 5">
+            <a:extLst>
+              <a:ext uri="{FF2B5EF4-FFF2-40B4-BE49-F238E27FC236}">
+                <a16:creationId xmlns:a16="http://schemas.microsoft.com/office/drawing/2014/main" id="{D55A4746-6493-4FD1-B225-D341676BCAAF}"/>
+              </a:ext>
+            </a:extLst>
+          </p:cNvPr>
+          <p:cNvPicPr>
+            <a:picLocks noChangeAspect="1"/>
+          </p:cNvPicPr>
+          <p:nvPr/>
+        </p:nvPicPr>
+        <p:blipFill>
+          <a:blip r:embed="rId2"/>
+          <a:stretch>
+            <a:fillRect/>
+          </a:stretch>
+        </p:blipFill>
+        <p:spPr>
+          <a:xfrm>
+            <a:off x="913795" y="5402617"/>
+            <a:ext cx="10137422" cy="1018371"/>
+          </a:xfrm>
+          <a:prstGeom prst="rect">
+            <a:avLst/>
+          </a:prstGeom>
+        </p:spPr>
+      </p:pic>
+      <p:pic>
+        <p:nvPicPr>
+          <p:cNvPr id="8" name="Picture 7">
+            <a:extLst>
+              <a:ext uri="{FF2B5EF4-FFF2-40B4-BE49-F238E27FC236}">
+                <a16:creationId xmlns:a16="http://schemas.microsoft.com/office/drawing/2014/main" id="{D8B86481-8344-4C2D-B246-1751BF441608}"/>
+              </a:ext>
+            </a:extLst>
+          </p:cNvPr>
+          <p:cNvPicPr>
+            <a:picLocks noChangeAspect="1"/>
+          </p:cNvPicPr>
+          <p:nvPr/>
+        </p:nvPicPr>
+        <p:blipFill>
+          <a:blip r:embed="rId3"/>
+          <a:stretch>
+            <a:fillRect/>
+          </a:stretch>
+        </p:blipFill>
+        <p:spPr>
+          <a:xfrm>
+            <a:off x="806211" y="4359688"/>
+            <a:ext cx="9926435" cy="676369"/>
+          </a:xfrm>
+          <a:prstGeom prst="rect">
+            <a:avLst/>
+          </a:prstGeom>
+        </p:spPr>
+      </p:pic>
+    </p:spTree>
+    <p:extLst>
+      <p:ext uri="{BB962C8B-B14F-4D97-AF65-F5344CB8AC3E}">
+        <p14:creationId xmlns:p14="http://schemas.microsoft.com/office/powerpoint/2010/main" val="925240112"/>
+      </p:ext>
+    </p:extLst>
+  </p:cSld>
+  <p:clrMapOvr>
+    <a:masterClrMapping/>
+  </p:clrMapOvr>
+</p:sld>
+</file>
+
+<file path=ppt/slides/slide11.xml><?xml version="1.0" encoding="utf-8"?>
+<p:sld xmlns:a="http://schemas.openxmlformats.org/drawingml/2006/main" xmlns:r="http://schemas.openxmlformats.org/officeDocument/2006/relationships" xmlns:p="http://schemas.openxmlformats.org/presentationml/2006/main">
+  <p:cSld>
+    <p:spTree>
+      <p:nvGrpSpPr>
+        <p:cNvPr id="1" name=""/>
+        <p:cNvGrpSpPr/>
+        <p:nvPr/>
+      </p:nvGrpSpPr>
+      <p:grpSpPr>
+        <a:xfrm>
+          <a:off x="0" y="0"/>
+          <a:ext cx="0" cy="0"/>
+          <a:chOff x="0" y="0"/>
+          <a:chExt cx="0" cy="0"/>
+        </a:xfrm>
+      </p:grpSpPr>
+      <p:sp>
+        <p:nvSpPr>
+          <p:cNvPr id="2" name="Title 1">
+            <a:extLst>
+              <a:ext uri="{FF2B5EF4-FFF2-40B4-BE49-F238E27FC236}">
                 <a16:creationId xmlns:a16="http://schemas.microsoft.com/office/drawing/2014/main" id="{125418C7-BD86-4A06-A377-34D71833F18F}"/>
               </a:ext>
             </a:extLst>
@@ -6622,7 +6827,7 @@
 </p:sld>
 </file>
 
-<file path=ppt/slides/slide11.xml><?xml version="1.0" encoding="utf-8"?>
+<file path=ppt/slides/slide12.xml><?xml version="1.0" encoding="utf-8"?>
 <p:sld xmlns:a="http://schemas.openxmlformats.org/drawingml/2006/main" xmlns:r="http://schemas.openxmlformats.org/officeDocument/2006/relationships" xmlns:p="http://schemas.openxmlformats.org/presentationml/2006/main">
   <p:cSld>
     <p:spTree>
@@ -6702,7 +6907,7 @@
 </p:sld>
 </file>
 
-<file path=ppt/slides/slide12.xml><?xml version="1.0" encoding="utf-8"?>
+<file path=ppt/slides/slide13.xml><?xml version="1.0" encoding="utf-8"?>
 <p:sld xmlns:a="http://schemas.openxmlformats.org/drawingml/2006/main" xmlns:r="http://schemas.openxmlformats.org/officeDocument/2006/relationships" xmlns:p="http://schemas.openxmlformats.org/presentationml/2006/main">
   <p:cSld>
     <p:spTree>
@@ -10898,7 +11103,7 @@
           <p:cNvPr id="2" name="Title 1">
             <a:extLst>
               <a:ext uri="{FF2B5EF4-FFF2-40B4-BE49-F238E27FC236}">
-                <a16:creationId xmlns:a16="http://schemas.microsoft.com/office/drawing/2014/main" id="{C7BDD51B-B86F-489A-91C6-14468D1CBF55}"/>
+                <a16:creationId xmlns:a16="http://schemas.microsoft.com/office/drawing/2014/main" id="{D61E9582-79F2-4016-B5DF-77EA9B4D294C}"/>
               </a:ext>
             </a:extLst>
           </p:cNvPr>
@@ -10911,51 +11116,45 @@
         </p:nvSpPr>
         <p:spPr/>
         <p:txBody>
-          <a:bodyPr>
-            <a:noAutofit/>
-          </a:bodyPr>
+          <a:bodyPr/>
           <a:lstStyle/>
           <a:p>
             <a:r>
-              <a:rPr lang="en-US" sz="2800" dirty="0"/>
-              <a:t>Using Grid Search to find the best parameters for our model</a:t>
-            </a:r>
-          </a:p>
-        </p:txBody>
-      </p:sp>
-      <p:pic>
-        <p:nvPicPr>
-          <p:cNvPr id="5" name="Content Placeholder 4">
+              <a:rPr lang="en-US" dirty="0"/>
+              <a:t>hyperparameter</a:t>
+            </a:r>
+          </a:p>
+        </p:txBody>
+      </p:sp>
+      <p:sp>
+        <p:nvSpPr>
+          <p:cNvPr id="3" name="Content Placeholder 2">
             <a:extLst>
               <a:ext uri="{FF2B5EF4-FFF2-40B4-BE49-F238E27FC236}">
-                <a16:creationId xmlns:a16="http://schemas.microsoft.com/office/drawing/2014/main" id="{9F5849EC-E68E-4DFD-A110-BC4AB64AE8F2}"/>
+                <a16:creationId xmlns:a16="http://schemas.microsoft.com/office/drawing/2014/main" id="{8EB8686B-7AF0-4B34-AE93-CF48402AED63}"/>
               </a:ext>
             </a:extLst>
           </p:cNvPr>
-          <p:cNvPicPr>
-            <a:picLocks noGrp="1" noChangeAspect="1"/>
-          </p:cNvPicPr>
+          <p:cNvSpPr>
+            <a:spLocks noGrp="1"/>
+          </p:cNvSpPr>
           <p:nvPr>
             <p:ph idx="1"/>
           </p:nvPr>
-        </p:nvPicPr>
-        <p:blipFill>
-          <a:blip r:embed="rId2"/>
-          <a:stretch>
-            <a:fillRect/>
-          </a:stretch>
-        </p:blipFill>
-        <p:spPr>
-          <a:xfrm>
-            <a:off x="742823" y="2431082"/>
-            <a:ext cx="10706353" cy="650006"/>
-          </a:xfrm>
-        </p:spPr>
-      </p:pic>
+        </p:nvSpPr>
+        <p:spPr/>
+        <p:txBody>
+          <a:bodyPr/>
+          <a:lstStyle/>
+          <a:p>
+            <a:endParaRPr lang="en-US" dirty="0"/>
+          </a:p>
+        </p:txBody>
+      </p:sp>
     </p:spTree>
     <p:extLst>
       <p:ext uri="{BB962C8B-B14F-4D97-AF65-F5344CB8AC3E}">
-        <p14:creationId xmlns:p14="http://schemas.microsoft.com/office/powerpoint/2010/main" val="1310501805"/>
+        <p14:creationId xmlns:p14="http://schemas.microsoft.com/office/powerpoint/2010/main" val="687949895"/>
       </p:ext>
     </p:extLst>
   </p:cSld>
@@ -10987,7 +11186,7 @@
           <p:cNvPr id="2" name="Title 1">
             <a:extLst>
               <a:ext uri="{FF2B5EF4-FFF2-40B4-BE49-F238E27FC236}">
-                <a16:creationId xmlns:a16="http://schemas.microsoft.com/office/drawing/2014/main" id="{0038D749-4F54-420F-A931-2C352881265C}"/>
+                <a16:creationId xmlns:a16="http://schemas.microsoft.com/office/drawing/2014/main" id="{C7BDD51B-B86F-489A-91C6-14468D1CBF55}"/>
               </a:ext>
             </a:extLst>
           </p:cNvPr>
@@ -11000,31 +11199,31 @@
         </p:nvSpPr>
         <p:spPr/>
         <p:txBody>
-          <a:bodyPr/>
+          <a:bodyPr>
+            <a:noAutofit/>
+          </a:bodyPr>
           <a:lstStyle/>
           <a:p>
             <a:r>
-              <a:rPr lang="en-US" dirty="0"/>
-              <a:t>Increased accuracy with using hyperparameter</a:t>
+              <a:rPr lang="en-US" sz="2800" dirty="0"/>
+              <a:t>Using Grid Search to find the best parameters for our model</a:t>
             </a:r>
           </a:p>
         </p:txBody>
       </p:sp>
       <p:pic>
         <p:nvPicPr>
-          <p:cNvPr id="5" name="Content Placeholder 4">
+          <p:cNvPr id="11" name="Picture 10">
             <a:extLst>
               <a:ext uri="{FF2B5EF4-FFF2-40B4-BE49-F238E27FC236}">
-                <a16:creationId xmlns:a16="http://schemas.microsoft.com/office/drawing/2014/main" id="{13EBF1FD-1D61-4E5C-BC77-985770C0D13F}"/>
+                <a16:creationId xmlns:a16="http://schemas.microsoft.com/office/drawing/2014/main" id="{B254FDE0-A0BE-4B7D-ABD9-C996277E5A19}"/>
               </a:ext>
             </a:extLst>
           </p:cNvPr>
           <p:cNvPicPr>
-            <a:picLocks noGrp="1" noChangeAspect="1"/>
+            <a:picLocks noChangeAspect="1"/>
           </p:cNvPicPr>
-          <p:nvPr>
-            <p:ph idx="1"/>
-          </p:nvPr>
+          <p:nvPr/>
         </p:nvPicPr>
         <p:blipFill>
           <a:blip r:embed="rId2"/>
@@ -11034,17 +11233,20 @@
         </p:blipFill>
         <p:spPr>
           <a:xfrm>
-            <a:off x="1920400" y="2065629"/>
-            <a:ext cx="7973538" cy="981212"/>
+            <a:off x="28724" y="5118266"/>
+            <a:ext cx="12163276" cy="914664"/>
           </a:xfrm>
+          <a:prstGeom prst="rect">
+            <a:avLst/>
+          </a:prstGeom>
         </p:spPr>
       </p:pic>
       <p:pic>
         <p:nvPicPr>
-          <p:cNvPr id="7" name="Picture 6">
+          <p:cNvPr id="19" name="Picture 18">
             <a:extLst>
               <a:ext uri="{FF2B5EF4-FFF2-40B4-BE49-F238E27FC236}">
-                <a16:creationId xmlns:a16="http://schemas.microsoft.com/office/drawing/2014/main" id="{40E2560C-0E5B-4ED9-B29A-82089362A238}"/>
+                <a16:creationId xmlns:a16="http://schemas.microsoft.com/office/drawing/2014/main" id="{02BD2CF7-0DA2-4EF8-8F11-8E8117D7D552}"/>
               </a:ext>
             </a:extLst>
           </p:cNvPr>
@@ -11061,8 +11263,8 @@
         </p:blipFill>
         <p:spPr>
           <a:xfrm>
-            <a:off x="612569" y="3811160"/>
-            <a:ext cx="10966862" cy="721768"/>
+            <a:off x="1835245" y="1472915"/>
+            <a:ext cx="8318157" cy="3170337"/>
           </a:xfrm>
           <a:prstGeom prst="rect">
             <a:avLst/>
@@ -11072,7 +11274,7 @@
     </p:spTree>
     <p:extLst>
       <p:ext uri="{BB962C8B-B14F-4D97-AF65-F5344CB8AC3E}">
-        <p14:creationId xmlns:p14="http://schemas.microsoft.com/office/powerpoint/2010/main" val="925240112"/>
+        <p14:creationId xmlns:p14="http://schemas.microsoft.com/office/powerpoint/2010/main" val="1310501805"/>
       </p:ext>
     </p:extLst>
   </p:cSld>

--- a/random_forest.pptx
+++ b/random_forest.pptx
@@ -209,7 +209,7 @@
           <a:p>
             <a:fld id="{207EA431-1AE3-40AA-B3EA-14C877F26A63}" type="datetimeFigureOut">
               <a:rPr lang="en-US" smtClean="0"/>
-              <a:t>3/29/2024</a:t>
+              <a:t>4/1/2024</a:t>
             </a:fld>
             <a:endParaRPr lang="en-US"/>
           </a:p>
@@ -829,7 +829,7 @@
           <a:p>
             <a:fld id="{2C219488-A93D-47F5-9A96-0F5B8B74697B}" type="datetimeFigureOut">
               <a:rPr lang="en-US" smtClean="0"/>
-              <a:t>3/29/2024</a:t>
+              <a:t>4/1/2024</a:t>
             </a:fld>
             <a:endParaRPr lang="en-US"/>
           </a:p>
@@ -1127,7 +1127,7 @@
           <a:p>
             <a:fld id="{2C219488-A93D-47F5-9A96-0F5B8B74697B}" type="datetimeFigureOut">
               <a:rPr lang="en-US" smtClean="0"/>
-              <a:t>3/29/2024</a:t>
+              <a:t>4/1/2024</a:t>
             </a:fld>
             <a:endParaRPr lang="en-US"/>
           </a:p>
@@ -1319,7 +1319,7 @@
           <a:p>
             <a:fld id="{2C219488-A93D-47F5-9A96-0F5B8B74697B}" type="datetimeFigureOut">
               <a:rPr lang="en-US" smtClean="0"/>
-              <a:t>3/29/2024</a:t>
+              <a:t>4/1/2024</a:t>
             </a:fld>
             <a:endParaRPr lang="en-US"/>
           </a:p>
@@ -1580,7 +1580,7 @@
           <a:p>
             <a:fld id="{2C219488-A93D-47F5-9A96-0F5B8B74697B}" type="datetimeFigureOut">
               <a:rPr lang="en-US" smtClean="0"/>
-              <a:t>3/29/2024</a:t>
+              <a:t>4/1/2024</a:t>
             </a:fld>
             <a:endParaRPr lang="en-US"/>
           </a:p>
@@ -2004,7 +2004,7 @@
           <a:p>
             <a:fld id="{2C219488-A93D-47F5-9A96-0F5B8B74697B}" type="datetimeFigureOut">
               <a:rPr lang="en-US" smtClean="0"/>
-              <a:t>3/29/2024</a:t>
+              <a:t>4/1/2024</a:t>
             </a:fld>
             <a:endParaRPr lang="en-US"/>
           </a:p>
@@ -2541,7 +2541,7 @@
           <a:p>
             <a:fld id="{2C219488-A93D-47F5-9A96-0F5B8B74697B}" type="datetimeFigureOut">
               <a:rPr lang="en-US" smtClean="0"/>
-              <a:t>3/29/2024</a:t>
+              <a:t>4/1/2024</a:t>
             </a:fld>
             <a:endParaRPr lang="en-US"/>
           </a:p>
@@ -3405,7 +3405,7 @@
           <a:p>
             <a:fld id="{2C219488-A93D-47F5-9A96-0F5B8B74697B}" type="datetimeFigureOut">
               <a:rPr lang="en-US" smtClean="0"/>
-              <a:t>3/29/2024</a:t>
+              <a:t>4/1/2024</a:t>
             </a:fld>
             <a:endParaRPr lang="en-US"/>
           </a:p>
@@ -3575,7 +3575,7 @@
           <a:p>
             <a:fld id="{2C219488-A93D-47F5-9A96-0F5B8B74697B}" type="datetimeFigureOut">
               <a:rPr lang="en-US" smtClean="0"/>
-              <a:t>3/29/2024</a:t>
+              <a:t>4/1/2024</a:t>
             </a:fld>
             <a:endParaRPr lang="en-US"/>
           </a:p>
@@ -3759,7 +3759,7 @@
           <a:p>
             <a:fld id="{2C219488-A93D-47F5-9A96-0F5B8B74697B}" type="datetimeFigureOut">
               <a:rPr lang="en-US" smtClean="0"/>
-              <a:t>3/29/2024</a:t>
+              <a:t>4/1/2024</a:t>
             </a:fld>
             <a:endParaRPr lang="en-US"/>
           </a:p>
@@ -3929,7 +3929,7 @@
           <a:p>
             <a:fld id="{2C219488-A93D-47F5-9A96-0F5B8B74697B}" type="datetimeFigureOut">
               <a:rPr lang="en-US" smtClean="0"/>
-              <a:t>3/29/2024</a:t>
+              <a:t>4/1/2024</a:t>
             </a:fld>
             <a:endParaRPr lang="en-US"/>
           </a:p>
@@ -4173,7 +4173,7 @@
           <a:p>
             <a:fld id="{2C219488-A93D-47F5-9A96-0F5B8B74697B}" type="datetimeFigureOut">
               <a:rPr lang="en-US" smtClean="0"/>
-              <a:t>3/29/2024</a:t>
+              <a:t>4/1/2024</a:t>
             </a:fld>
             <a:endParaRPr lang="en-US"/>
           </a:p>
@@ -4409,7 +4409,7 @@
           <a:p>
             <a:fld id="{2C219488-A93D-47F5-9A96-0F5B8B74697B}" type="datetimeFigureOut">
               <a:rPr lang="en-US" smtClean="0"/>
-              <a:t>3/29/2024</a:t>
+              <a:t>4/1/2024</a:t>
             </a:fld>
             <a:endParaRPr lang="en-US"/>
           </a:p>
@@ -4875,7 +4875,7 @@
           <a:p>
             <a:fld id="{2C219488-A93D-47F5-9A96-0F5B8B74697B}" type="datetimeFigureOut">
               <a:rPr lang="en-US" smtClean="0"/>
-              <a:t>3/29/2024</a:t>
+              <a:t>4/1/2024</a:t>
             </a:fld>
             <a:endParaRPr lang="en-US"/>
           </a:p>
@@ -4993,7 +4993,7 @@
           <a:p>
             <a:fld id="{2C219488-A93D-47F5-9A96-0F5B8B74697B}" type="datetimeFigureOut">
               <a:rPr lang="en-US" smtClean="0"/>
-              <a:t>3/29/2024</a:t>
+              <a:t>4/1/2024</a:t>
             </a:fld>
             <a:endParaRPr lang="en-US"/>
           </a:p>
@@ -5088,7 +5088,7 @@
           <a:p>
             <a:fld id="{2C219488-A93D-47F5-9A96-0F5B8B74697B}" type="datetimeFigureOut">
               <a:rPr lang="en-US" smtClean="0"/>
-              <a:t>3/29/2024</a:t>
+              <a:t>4/1/2024</a:t>
             </a:fld>
             <a:endParaRPr lang="en-US"/>
           </a:p>
@@ -5343,7 +5343,7 @@
           <a:p>
             <a:fld id="{2C219488-A93D-47F5-9A96-0F5B8B74697B}" type="datetimeFigureOut">
               <a:rPr lang="en-US" smtClean="0"/>
-              <a:t>3/29/2024</a:t>
+              <a:t>4/1/2024</a:t>
             </a:fld>
             <a:endParaRPr lang="en-US"/>
           </a:p>
@@ -5643,7 +5643,7 @@
           <a:p>
             <a:fld id="{2C219488-A93D-47F5-9A96-0F5B8B74697B}" type="datetimeFigureOut">
               <a:rPr lang="en-US" smtClean="0"/>
-              <a:t>3/29/2024</a:t>
+              <a:t>4/1/2024</a:t>
             </a:fld>
             <a:endParaRPr lang="en-US"/>
           </a:p>
@@ -5877,7 +5877,7 @@
           <a:p>
             <a:fld id="{2C219488-A93D-47F5-9A96-0F5B8B74697B}" type="datetimeFigureOut">
               <a:rPr lang="en-US" smtClean="0"/>
-              <a:t>3/29/2024</a:t>
+              <a:t>4/1/2024</a:t>
             </a:fld>
             <a:endParaRPr lang="en-US"/>
           </a:p>
@@ -11243,10 +11243,10 @@
       </p:pic>
       <p:pic>
         <p:nvPicPr>
-          <p:cNvPr id="19" name="Picture 18">
+          <p:cNvPr id="4" name="Picture 3">
             <a:extLst>
               <a:ext uri="{FF2B5EF4-FFF2-40B4-BE49-F238E27FC236}">
-                <a16:creationId xmlns:a16="http://schemas.microsoft.com/office/drawing/2014/main" id="{02BD2CF7-0DA2-4EF8-8F11-8E8117D7D552}"/>
+                <a16:creationId xmlns:a16="http://schemas.microsoft.com/office/drawing/2014/main" id="{E006B0D4-9DD6-42AB-9F80-15A5B865BA4D}"/>
               </a:ext>
             </a:extLst>
           </p:cNvPr>
@@ -11263,8 +11263,8 @@
         </p:blipFill>
         <p:spPr>
           <a:xfrm>
-            <a:off x="1835245" y="1472915"/>
-            <a:ext cx="8318157" cy="3170337"/>
+            <a:off x="1027215" y="1342518"/>
+            <a:ext cx="10295906" cy="3604213"/>
           </a:xfrm>
           <a:prstGeom prst="rect">
             <a:avLst/>

--- a/random_forest.pptx
+++ b/random_forest.pptx
@@ -209,7 +209,7 @@
           <a:p>
             <a:fld id="{207EA431-1AE3-40AA-B3EA-14C877F26A63}" type="datetimeFigureOut">
               <a:rPr lang="en-US" smtClean="0"/>
-              <a:t>4/1/2024</a:t>
+              <a:t>4/4/2024</a:t>
             </a:fld>
             <a:endParaRPr lang="en-US"/>
           </a:p>
@@ -829,7 +829,7 @@
           <a:p>
             <a:fld id="{2C219488-A93D-47F5-9A96-0F5B8B74697B}" type="datetimeFigureOut">
               <a:rPr lang="en-US" smtClean="0"/>
-              <a:t>4/1/2024</a:t>
+              <a:t>4/4/2024</a:t>
             </a:fld>
             <a:endParaRPr lang="en-US"/>
           </a:p>
@@ -1127,7 +1127,7 @@
           <a:p>
             <a:fld id="{2C219488-A93D-47F5-9A96-0F5B8B74697B}" type="datetimeFigureOut">
               <a:rPr lang="en-US" smtClean="0"/>
-              <a:t>4/1/2024</a:t>
+              <a:t>4/4/2024</a:t>
             </a:fld>
             <a:endParaRPr lang="en-US"/>
           </a:p>
@@ -1319,7 +1319,7 @@
           <a:p>
             <a:fld id="{2C219488-A93D-47F5-9A96-0F5B8B74697B}" type="datetimeFigureOut">
               <a:rPr lang="en-US" smtClean="0"/>
-              <a:t>4/1/2024</a:t>
+              <a:t>4/4/2024</a:t>
             </a:fld>
             <a:endParaRPr lang="en-US"/>
           </a:p>
@@ -1580,7 +1580,7 @@
           <a:p>
             <a:fld id="{2C219488-A93D-47F5-9A96-0F5B8B74697B}" type="datetimeFigureOut">
               <a:rPr lang="en-US" smtClean="0"/>
-              <a:t>4/1/2024</a:t>
+              <a:t>4/4/2024</a:t>
             </a:fld>
             <a:endParaRPr lang="en-US"/>
           </a:p>
@@ -2004,7 +2004,7 @@
           <a:p>
             <a:fld id="{2C219488-A93D-47F5-9A96-0F5B8B74697B}" type="datetimeFigureOut">
               <a:rPr lang="en-US" smtClean="0"/>
-              <a:t>4/1/2024</a:t>
+              <a:t>4/4/2024</a:t>
             </a:fld>
             <a:endParaRPr lang="en-US"/>
           </a:p>
@@ -2541,7 +2541,7 @@
           <a:p>
             <a:fld id="{2C219488-A93D-47F5-9A96-0F5B8B74697B}" type="datetimeFigureOut">
               <a:rPr lang="en-US" smtClean="0"/>
-              <a:t>4/1/2024</a:t>
+              <a:t>4/4/2024</a:t>
             </a:fld>
             <a:endParaRPr lang="en-US"/>
           </a:p>
@@ -3405,7 +3405,7 @@
           <a:p>
             <a:fld id="{2C219488-A93D-47F5-9A96-0F5B8B74697B}" type="datetimeFigureOut">
               <a:rPr lang="en-US" smtClean="0"/>
-              <a:t>4/1/2024</a:t>
+              <a:t>4/4/2024</a:t>
             </a:fld>
             <a:endParaRPr lang="en-US"/>
           </a:p>
@@ -3575,7 +3575,7 @@
           <a:p>
             <a:fld id="{2C219488-A93D-47F5-9A96-0F5B8B74697B}" type="datetimeFigureOut">
               <a:rPr lang="en-US" smtClean="0"/>
-              <a:t>4/1/2024</a:t>
+              <a:t>4/4/2024</a:t>
             </a:fld>
             <a:endParaRPr lang="en-US"/>
           </a:p>
@@ -3759,7 +3759,7 @@
           <a:p>
             <a:fld id="{2C219488-A93D-47F5-9A96-0F5B8B74697B}" type="datetimeFigureOut">
               <a:rPr lang="en-US" smtClean="0"/>
-              <a:t>4/1/2024</a:t>
+              <a:t>4/4/2024</a:t>
             </a:fld>
             <a:endParaRPr lang="en-US"/>
           </a:p>
@@ -3929,7 +3929,7 @@
           <a:p>
             <a:fld id="{2C219488-A93D-47F5-9A96-0F5B8B74697B}" type="datetimeFigureOut">
               <a:rPr lang="en-US" smtClean="0"/>
-              <a:t>4/1/2024</a:t>
+              <a:t>4/4/2024</a:t>
             </a:fld>
             <a:endParaRPr lang="en-US"/>
           </a:p>
@@ -4173,7 +4173,7 @@
           <a:p>
             <a:fld id="{2C219488-A93D-47F5-9A96-0F5B8B74697B}" type="datetimeFigureOut">
               <a:rPr lang="en-US" smtClean="0"/>
-              <a:t>4/1/2024</a:t>
+              <a:t>4/4/2024</a:t>
             </a:fld>
             <a:endParaRPr lang="en-US"/>
           </a:p>
@@ -4409,7 +4409,7 @@
           <a:p>
             <a:fld id="{2C219488-A93D-47F5-9A96-0F5B8B74697B}" type="datetimeFigureOut">
               <a:rPr lang="en-US" smtClean="0"/>
-              <a:t>4/1/2024</a:t>
+              <a:t>4/4/2024</a:t>
             </a:fld>
             <a:endParaRPr lang="en-US"/>
           </a:p>
@@ -4875,7 +4875,7 @@
           <a:p>
             <a:fld id="{2C219488-A93D-47F5-9A96-0F5B8B74697B}" type="datetimeFigureOut">
               <a:rPr lang="en-US" smtClean="0"/>
-              <a:t>4/1/2024</a:t>
+              <a:t>4/4/2024</a:t>
             </a:fld>
             <a:endParaRPr lang="en-US"/>
           </a:p>
@@ -4993,7 +4993,7 @@
           <a:p>
             <a:fld id="{2C219488-A93D-47F5-9A96-0F5B8B74697B}" type="datetimeFigureOut">
               <a:rPr lang="en-US" smtClean="0"/>
-              <a:t>4/1/2024</a:t>
+              <a:t>4/4/2024</a:t>
             </a:fld>
             <a:endParaRPr lang="en-US"/>
           </a:p>
@@ -5088,7 +5088,7 @@
           <a:p>
             <a:fld id="{2C219488-A93D-47F5-9A96-0F5B8B74697B}" type="datetimeFigureOut">
               <a:rPr lang="en-US" smtClean="0"/>
-              <a:t>4/1/2024</a:t>
+              <a:t>4/4/2024</a:t>
             </a:fld>
             <a:endParaRPr lang="en-US"/>
           </a:p>
@@ -5343,7 +5343,7 @@
           <a:p>
             <a:fld id="{2C219488-A93D-47F5-9A96-0F5B8B74697B}" type="datetimeFigureOut">
               <a:rPr lang="en-US" smtClean="0"/>
-              <a:t>4/1/2024</a:t>
+              <a:t>4/4/2024</a:t>
             </a:fld>
             <a:endParaRPr lang="en-US"/>
           </a:p>
@@ -5643,7 +5643,7 @@
           <a:p>
             <a:fld id="{2C219488-A93D-47F5-9A96-0F5B8B74697B}" type="datetimeFigureOut">
               <a:rPr lang="en-US" smtClean="0"/>
-              <a:t>4/1/2024</a:t>
+              <a:t>4/4/2024</a:t>
             </a:fld>
             <a:endParaRPr lang="en-US"/>
           </a:p>
@@ -5877,7 +5877,7 @@
           <a:p>
             <a:fld id="{2C219488-A93D-47F5-9A96-0F5B8B74697B}" type="datetimeFigureOut">
               <a:rPr lang="en-US" smtClean="0"/>
-              <a:t>4/1/2024</a:t>
+              <a:t>4/4/2024</a:t>
             </a:fld>
             <a:endParaRPr lang="en-US"/>
           </a:p>
